--- a/2차 팀프로젝트/6조_20200117.pptx
+++ b/2차 팀프로젝트/6조_20200117.pptx
@@ -46,9 +46,13 @@
       <p:bold r:id="rId23"/>
     </p:embeddedFont>
     <p:embeddedFont>
+      <p:font typeface="나눔스퀘어_ac ExtraBold" panose="020B0600000101010101" pitchFamily="50" charset="-127"/>
+      <p:bold r:id="rId24"/>
+    </p:embeddedFont>
+    <p:embeddedFont>
       <p:font typeface="맑은 고딕" panose="020B0503020000020004" pitchFamily="50" charset="-127"/>
-      <p:regular r:id="rId24"/>
-      <p:bold r:id="rId25"/>
+      <p:regular r:id="rId25"/>
+      <p:bold r:id="rId26"/>
     </p:embeddedFont>
   </p:embeddedFontLst>
   <p:defaultTextStyle>
@@ -159,7 +163,7 @@
             <a:srgbClr val="A4A3A4"/>
           </p15:clr>
         </p15:guide>
-        <p15:guide id="3" orient="horz" pos="2160" userDrawn="1">
+        <p15:guide id="3" orient="horz" pos="2137" userDrawn="1">
           <p15:clr>
             <a:srgbClr val="A4A3A4"/>
           </p15:clr>
@@ -169,7 +173,7 @@
             <a:srgbClr val="A4A3A4"/>
           </p15:clr>
         </p15:guide>
-        <p15:guide id="5" pos="6902" userDrawn="1">
+        <p15:guide id="5" pos="6947" userDrawn="1">
           <p15:clr>
             <a:srgbClr val="A4A3A4"/>
           </p15:clr>
@@ -262,7 +266,7 @@
           <a:p>
             <a:fld id="{C693DB27-7521-445E-89E4-09C135C969AD}" type="datetimeFigureOut">
               <a:rPr lang="ko-KR" altLang="en-US" smtClean="0"/>
-              <a:t>2020-01-16</a:t>
+              <a:t>2020-01-17</a:t>
             </a:fld>
             <a:endParaRPr lang="ko-KR" altLang="en-US"/>
           </a:p>
@@ -848,6 +852,48 @@
               <a:rPr lang="ko-KR" altLang="en-US" dirty="0"/>
               <a:t> 가 될지 소요시간이 될지는 미정</a:t>
             </a:r>
+            <a:endParaRPr lang="en-US" altLang="ko-KR" dirty="0"/>
+          </a:p>
+          <a:p>
+            <a:endParaRPr lang="en-US" altLang="ko-KR" dirty="0"/>
+          </a:p>
+          <a:p>
+            <a:r>
+              <a:rPr lang="ko-KR" altLang="en-US" dirty="0"/>
+              <a:t>기온 강수량 풍속</a:t>
+            </a:r>
+            <a:endParaRPr lang="en-US" altLang="ko-KR" dirty="0"/>
+          </a:p>
+          <a:p>
+            <a:r>
+              <a:rPr lang="ko-KR" altLang="en-US" dirty="0"/>
+              <a:t>관광지 </a:t>
+            </a:r>
+            <a:r>
+              <a:rPr lang="en-US" altLang="ko-KR" dirty="0"/>
+              <a:t>– </a:t>
+            </a:r>
+            <a:r>
+              <a:rPr lang="ko-KR" altLang="en-US" dirty="0"/>
+              <a:t>방문객수</a:t>
+            </a:r>
+            <a:r>
+              <a:rPr lang="en-US" altLang="ko-KR" dirty="0"/>
+              <a:t>, </a:t>
+            </a:r>
+            <a:r>
+              <a:rPr lang="ko-KR" altLang="en-US" dirty="0"/>
+              <a:t>위치</a:t>
+            </a:r>
+            <a:r>
+              <a:rPr lang="en-US" altLang="ko-KR" dirty="0"/>
+              <a:t>, </a:t>
+            </a:r>
+            <a:r>
+              <a:rPr lang="ko-KR" altLang="en-US" dirty="0"/>
+              <a:t>만족도</a:t>
+            </a:r>
+            <a:endParaRPr lang="en-US" altLang="ko-KR" dirty="0"/>
           </a:p>
         </p:txBody>
       </p:sp>
@@ -1575,7 +1621,7 @@
           <a:p>
             <a:fld id="{7D273AF2-201B-418F-B8B2-7E4D7387CD19}" type="datetimeFigureOut">
               <a:rPr lang="ko-KR" altLang="en-US" smtClean="0"/>
-              <a:t>2020-01-16</a:t>
+              <a:t>2020-01-17</a:t>
             </a:fld>
             <a:endParaRPr lang="ko-KR" altLang="en-US"/>
           </a:p>
@@ -1827,7 +1873,7 @@
           <a:p>
             <a:fld id="{7D273AF2-201B-418F-B8B2-7E4D7387CD19}" type="datetimeFigureOut">
               <a:rPr lang="ko-KR" altLang="en-US" smtClean="0"/>
-              <a:t>2020-01-16</a:t>
+              <a:t>2020-01-17</a:t>
             </a:fld>
             <a:endParaRPr lang="ko-KR" altLang="en-US"/>
           </a:p>
@@ -2063,7 +2109,7 @@
           <a:p>
             <a:fld id="{7D273AF2-201B-418F-B8B2-7E4D7387CD19}" type="datetimeFigureOut">
               <a:rPr lang="ko-KR" altLang="en-US" smtClean="0"/>
-              <a:t>2020-01-16</a:t>
+              <a:t>2020-01-17</a:t>
             </a:fld>
             <a:endParaRPr lang="ko-KR" altLang="en-US"/>
           </a:p>
@@ -2236,7 +2282,7 @@
           <a:p>
             <a:fld id="{7D273AF2-201B-418F-B8B2-7E4D7387CD19}" type="datetimeFigureOut">
               <a:rPr lang="ko-KR" altLang="en-US" smtClean="0"/>
-              <a:t>2020-01-16</a:t>
+              <a:t>2020-01-17</a:t>
             </a:fld>
             <a:endParaRPr lang="ko-KR" altLang="en-US"/>
           </a:p>
@@ -2542,7 +2588,7 @@
           <a:p>
             <a:fld id="{7D273AF2-201B-418F-B8B2-7E4D7387CD19}" type="datetimeFigureOut">
               <a:rPr lang="ko-KR" altLang="en-US" smtClean="0"/>
-              <a:t>2020-01-16</a:t>
+              <a:t>2020-01-17</a:t>
             </a:fld>
             <a:endParaRPr lang="ko-KR" altLang="en-US"/>
           </a:p>
@@ -2933,7 +2979,7 @@
           <a:p>
             <a:fld id="{7D273AF2-201B-418F-B8B2-7E4D7387CD19}" type="datetimeFigureOut">
               <a:rPr lang="ko-KR" altLang="en-US" smtClean="0"/>
-              <a:t>2020-01-16</a:t>
+              <a:t>2020-01-17</a:t>
             </a:fld>
             <a:endParaRPr lang="ko-KR" altLang="en-US"/>
           </a:p>
@@ -3297,7 +3343,7 @@
           <a:p>
             <a:fld id="{7D273AF2-201B-418F-B8B2-7E4D7387CD19}" type="datetimeFigureOut">
               <a:rPr lang="ko-KR" altLang="en-US" smtClean="0"/>
-              <a:t>2020-01-16</a:t>
+              <a:t>2020-01-17</a:t>
             </a:fld>
             <a:endParaRPr lang="ko-KR" altLang="en-US"/>
           </a:p>
@@ -3414,7 +3460,7 @@
           <a:p>
             <a:fld id="{7D273AF2-201B-418F-B8B2-7E4D7387CD19}" type="datetimeFigureOut">
               <a:rPr lang="ko-KR" altLang="en-US" smtClean="0"/>
-              <a:t>2020-01-16</a:t>
+              <a:t>2020-01-17</a:t>
             </a:fld>
             <a:endParaRPr lang="ko-KR" altLang="en-US"/>
           </a:p>
@@ -3509,7 +3555,7 @@
           <a:p>
             <a:fld id="{7D273AF2-201B-418F-B8B2-7E4D7387CD19}" type="datetimeFigureOut">
               <a:rPr lang="ko-KR" altLang="en-US" smtClean="0"/>
-              <a:t>2020-01-16</a:t>
+              <a:t>2020-01-17</a:t>
             </a:fld>
             <a:endParaRPr lang="ko-KR" altLang="en-US"/>
           </a:p>
@@ -3784,7 +3830,7 @@
           <a:p>
             <a:fld id="{7D273AF2-201B-418F-B8B2-7E4D7387CD19}" type="datetimeFigureOut">
               <a:rPr lang="ko-KR" altLang="en-US" smtClean="0"/>
-              <a:t>2020-01-16</a:t>
+              <a:t>2020-01-17</a:t>
             </a:fld>
             <a:endParaRPr lang="ko-KR" altLang="en-US"/>
           </a:p>
@@ -3995,7 +4041,7 @@
           <a:p>
             <a:fld id="{7D273AF2-201B-418F-B8B2-7E4D7387CD19}" type="datetimeFigureOut">
               <a:rPr lang="ko-KR" altLang="en-US" smtClean="0"/>
-              <a:t>2020-01-16</a:t>
+              <a:t>2020-01-17</a:t>
             </a:fld>
             <a:endParaRPr lang="ko-KR" altLang="en-US"/>
           </a:p>
@@ -4659,734 +4705,786 @@
           </a:p>
         </p:txBody>
       </p:sp>
-      <p:grpSp>
-        <p:nvGrpSpPr>
-          <p:cNvPr id="6" name="그룹 5">
+      <p:sp>
+        <p:nvSpPr>
+          <p:cNvPr id="41" name="직사각형 40">
             <a:extLst>
               <a:ext uri="{FF2B5EF4-FFF2-40B4-BE49-F238E27FC236}">
-                <a16:creationId xmlns:a16="http://schemas.microsoft.com/office/drawing/2014/main" id="{15816F9A-E399-4FFE-8E85-0F8DBF171DB1}"/>
+                <a16:creationId xmlns:a16="http://schemas.microsoft.com/office/drawing/2014/main" id="{04EDCBD8-BA77-43B4-9252-D66CBDA934BC}"/>
               </a:ext>
             </a:extLst>
           </p:cNvPr>
+          <p:cNvSpPr/>
+          <p:nvPr/>
+        </p:nvSpPr>
+        <p:spPr>
+          <a:xfrm>
+            <a:off x="3843167" y="1473652"/>
+            <a:ext cx="4505666" cy="4177847"/>
+          </a:xfrm>
+          <a:prstGeom prst="rect">
+            <a:avLst/>
+          </a:prstGeom>
+          <a:solidFill>
+            <a:srgbClr val="4472C4"/>
+          </a:solidFill>
+          <a:ln>
+            <a:noFill/>
+          </a:ln>
+        </p:spPr>
+        <p:style>
+          <a:lnRef idx="2">
+            <a:schemeClr val="accent1">
+              <a:shade val="50000"/>
+            </a:schemeClr>
+          </a:lnRef>
+          <a:fillRef idx="1">
+            <a:schemeClr val="accent1"/>
+          </a:fillRef>
+          <a:effectRef idx="0">
+            <a:schemeClr val="accent1"/>
+          </a:effectRef>
+          <a:fontRef idx="minor">
+            <a:schemeClr val="lt1"/>
+          </a:fontRef>
+        </p:style>
+        <p:txBody>
+          <a:bodyPr rtlCol="0" anchor="ctr"/>
+          <a:lstStyle/>
+          <a:p>
+            <a:pPr algn="ctr"/>
+            <a:endParaRPr lang="ko-KR" altLang="en-US" dirty="0"/>
+          </a:p>
+        </p:txBody>
+      </p:sp>
+      <p:sp>
+        <p:nvSpPr>
+          <p:cNvPr id="42" name="TextBox 41"/>
+          <p:cNvSpPr txBox="1"/>
+          <p:nvPr/>
+        </p:nvSpPr>
+        <p:spPr>
+          <a:xfrm>
+            <a:off x="3843167" y="1595536"/>
+            <a:ext cx="4505666" cy="684363"/>
+          </a:xfrm>
+          <a:prstGeom prst="rect">
+            <a:avLst/>
+          </a:prstGeom>
+          <a:solidFill>
+            <a:srgbClr val="4472C4"/>
+          </a:solidFill>
+        </p:spPr>
+        <p:txBody>
+          <a:bodyPr wrap="square" rtlCol="0" anchor="ctr">
+            <a:spAutoFit/>
+          </a:bodyPr>
+          <a:lstStyle/>
+          <a:p>
+            <a:pPr algn="ctr"/>
+            <a:r>
+              <a:rPr lang="ko-KR" altLang="en-US" sz="2800" dirty="0">
+                <a:solidFill>
+                  <a:schemeClr val="bg1"/>
+                </a:solidFill>
+                <a:latin typeface="나눔스퀘어 ExtraBold" panose="020B0600000101010101" pitchFamily="50" charset="-127"/>
+                <a:ea typeface="나눔스퀘어 ExtraBold" panose="020B0600000101010101" pitchFamily="50" charset="-127"/>
+              </a:rPr>
+              <a:t>추천 관광지</a:t>
+            </a:r>
+          </a:p>
+        </p:txBody>
+      </p:sp>
+      <p:sp>
+        <p:nvSpPr>
+          <p:cNvPr id="43" name="TextBox 42"/>
+          <p:cNvSpPr txBox="1"/>
+          <p:nvPr/>
+        </p:nvSpPr>
+        <p:spPr>
+          <a:xfrm>
+            <a:off x="3976045" y="4082856"/>
+            <a:ext cx="4240652" cy="494418"/>
+          </a:xfrm>
+          <a:prstGeom prst="rect">
+            <a:avLst/>
+          </a:prstGeom>
+          <a:solidFill>
+            <a:srgbClr val="DAE3F3"/>
+          </a:solidFill>
+          <a:ln w="12700">
+            <a:solidFill>
+              <a:schemeClr val="tx1"/>
+            </a:solidFill>
+            <a:prstDash val="sysDot"/>
+          </a:ln>
+        </p:spPr>
+        <p:txBody>
+          <a:bodyPr wrap="square" rtlCol="0" anchor="ctr">
+            <a:noAutofit/>
+          </a:bodyPr>
+          <a:lstStyle>
+            <a:defPPr>
+              <a:defRPr lang="ko-KR"/>
+            </a:defPPr>
+            <a:lvl1pPr>
+              <a:defRPr>
+                <a:latin typeface="나눔스퀘어" panose="020B0600000101010101" pitchFamily="50" charset="-127"/>
+                <a:ea typeface="나눔스퀘어" panose="020B0600000101010101" pitchFamily="50" charset="-127"/>
+              </a:defRPr>
+            </a:lvl1pPr>
+          </a:lstStyle>
+          <a:p>
+            <a:pPr algn="ctr"/>
+            <a:r>
+              <a:rPr lang="ko-KR" altLang="en-US" dirty="0"/>
+              <a:t>지도학습</a:t>
+            </a:r>
+            <a:r>
+              <a:rPr lang="en-US" altLang="ko-KR" dirty="0"/>
+              <a:t>, </a:t>
+            </a:r>
+            <a:r>
+              <a:rPr lang="ko-KR" altLang="en-US" dirty="0"/>
+              <a:t>사례기반</a:t>
+            </a:r>
+            <a:r>
+              <a:rPr lang="en-US" altLang="ko-KR" dirty="0"/>
+              <a:t>, </a:t>
+            </a:r>
+            <a:r>
+              <a:rPr lang="ko-KR" altLang="en-US" dirty="0"/>
+              <a:t>예측</a:t>
+            </a:r>
+            <a:endParaRPr lang="en-US" altLang="ko-KR" dirty="0"/>
+          </a:p>
+        </p:txBody>
+      </p:sp>
+      <p:grpSp>
+        <p:nvGrpSpPr>
+          <p:cNvPr id="135" name="그룹 134"/>
           <p:cNvGrpSpPr/>
           <p:nvPr/>
         </p:nvGrpSpPr>
         <p:grpSpPr>
           <a:xfrm>
-            <a:off x="3843167" y="2057853"/>
-            <a:ext cx="4505666" cy="3194114"/>
-            <a:chOff x="838199" y="2057853"/>
-            <a:chExt cx="4505666" cy="3194114"/>
+            <a:off x="3976045" y="4820994"/>
+            <a:ext cx="4240653" cy="494418"/>
+            <a:chOff x="3839336" y="3702099"/>
+            <a:chExt cx="4240653" cy="378000"/>
           </a:xfrm>
         </p:grpSpPr>
-        <p:grpSp>
-          <p:nvGrpSpPr>
-            <p:cNvPr id="139" name="그룹 138"/>
-            <p:cNvGrpSpPr/>
-            <p:nvPr/>
-          </p:nvGrpSpPr>
-          <p:grpSpPr>
-            <a:xfrm>
-              <a:off x="838199" y="2057853"/>
-              <a:ext cx="4505666" cy="3194114"/>
-              <a:chOff x="3748498" y="1142936"/>
-              <a:chExt cx="4505666" cy="3194114"/>
-            </a:xfrm>
-          </p:grpSpPr>
-          <p:sp>
-            <p:nvSpPr>
-              <p:cNvPr id="41" name="직사각형 40">
-                <a:extLst>
-                  <a:ext uri="{FF2B5EF4-FFF2-40B4-BE49-F238E27FC236}">
-                    <a16:creationId xmlns:a16="http://schemas.microsoft.com/office/drawing/2014/main" id="{04EDCBD8-BA77-43B4-9252-D66CBDA934BC}"/>
-                  </a:ext>
-                </a:extLst>
-              </p:cNvPr>
-              <p:cNvSpPr/>
-              <p:nvPr/>
-            </p:nvSpPr>
-            <p:spPr>
-              <a:xfrm>
-                <a:off x="3748498" y="1142936"/>
-                <a:ext cx="4505666" cy="3194114"/>
-              </a:xfrm>
-              <a:prstGeom prst="rect">
-                <a:avLst/>
-              </a:prstGeom>
-              <a:solidFill>
-                <a:srgbClr val="4472C4"/>
-              </a:solidFill>
-              <a:ln>
-                <a:noFill/>
-              </a:ln>
-            </p:spPr>
-            <p:style>
-              <a:lnRef idx="2">
-                <a:schemeClr val="accent1">
-                  <a:shade val="50000"/>
-                </a:schemeClr>
-              </a:lnRef>
-              <a:fillRef idx="1">
-                <a:schemeClr val="accent1"/>
-              </a:fillRef>
-              <a:effectRef idx="0">
-                <a:schemeClr val="accent1"/>
-              </a:effectRef>
-              <a:fontRef idx="minor">
-                <a:schemeClr val="lt1"/>
-              </a:fontRef>
-            </p:style>
-            <p:txBody>
-              <a:bodyPr rtlCol="0" anchor="ctr"/>
-              <a:lstStyle/>
-              <a:p>
-                <a:pPr algn="ctr"/>
-                <a:endParaRPr lang="ko-KR" altLang="en-US" dirty="0"/>
-              </a:p>
-            </p:txBody>
-          </p:sp>
-          <p:sp>
-            <p:nvSpPr>
-              <p:cNvPr id="42" name="TextBox 41"/>
-              <p:cNvSpPr txBox="1"/>
-              <p:nvPr/>
-            </p:nvSpPr>
-            <p:spPr>
-              <a:xfrm>
-                <a:off x="3748498" y="1430315"/>
-                <a:ext cx="4505666" cy="523220"/>
-              </a:xfrm>
-              <a:prstGeom prst="rect">
-                <a:avLst/>
-              </a:prstGeom>
-              <a:solidFill>
-                <a:srgbClr val="4472C4"/>
-              </a:solidFill>
-            </p:spPr>
-            <p:txBody>
-              <a:bodyPr wrap="square" rtlCol="0" anchor="ctr">
-                <a:spAutoFit/>
-              </a:bodyPr>
-              <a:lstStyle/>
-              <a:p>
-                <a:pPr algn="ctr"/>
-                <a:r>
-                  <a:rPr lang="ko-KR" altLang="en-US" sz="2800" dirty="0">
-                    <a:solidFill>
-                      <a:schemeClr val="bg1"/>
-                    </a:solidFill>
-                    <a:latin typeface="나눔스퀘어 ExtraBold" panose="020B0600000101010101" pitchFamily="50" charset="-127"/>
-                    <a:ea typeface="나눔스퀘어 ExtraBold" panose="020B0600000101010101" pitchFamily="50" charset="-127"/>
-                  </a:rPr>
-                  <a:t>추천 관광지</a:t>
-                </a:r>
-              </a:p>
-            </p:txBody>
-          </p:sp>
-          <p:sp>
-            <p:nvSpPr>
-              <p:cNvPr id="43" name="TextBox 42"/>
-              <p:cNvSpPr txBox="1"/>
-              <p:nvPr/>
-            </p:nvSpPr>
-            <p:spPr>
-              <a:xfrm>
-                <a:off x="3881376" y="3137766"/>
-                <a:ext cx="4240652" cy="378000"/>
-              </a:xfrm>
-              <a:prstGeom prst="rect">
-                <a:avLst/>
-              </a:prstGeom>
-              <a:solidFill>
-                <a:srgbClr val="DAE3F3"/>
-              </a:solidFill>
-              <a:ln w="12700">
-                <a:solidFill>
-                  <a:schemeClr val="tx1"/>
-                </a:solidFill>
-                <a:prstDash val="sysDot"/>
-              </a:ln>
-            </p:spPr>
-            <p:txBody>
-              <a:bodyPr wrap="square" rtlCol="0" anchor="ctr">
-                <a:spAutoFit/>
-              </a:bodyPr>
-              <a:lstStyle>
-                <a:defPPr>
-                  <a:defRPr lang="ko-KR"/>
-                </a:defPPr>
-                <a:lvl1pPr>
-                  <a:defRPr>
-                    <a:latin typeface="나눔스퀘어" panose="020B0600000101010101" pitchFamily="50" charset="-127"/>
-                    <a:ea typeface="나눔스퀘어" panose="020B0600000101010101" pitchFamily="50" charset="-127"/>
-                  </a:defRPr>
-                </a:lvl1pPr>
-              </a:lstStyle>
-              <a:p>
-                <a:pPr algn="ctr"/>
-                <a:r>
-                  <a:rPr lang="ko-KR" altLang="en-US" dirty="0"/>
-                  <a:t>예상</a:t>
-                </a:r>
-                <a:r>
-                  <a:rPr lang="en-US" altLang="ko-KR" dirty="0"/>
-                  <a:t>??</a:t>
-                </a:r>
-              </a:p>
-            </p:txBody>
-          </p:sp>
-          <p:grpSp>
-            <p:nvGrpSpPr>
-              <p:cNvPr id="135" name="그룹 134"/>
-              <p:cNvGrpSpPr/>
-              <p:nvPr/>
-            </p:nvGrpSpPr>
-            <p:grpSpPr>
-              <a:xfrm>
-                <a:off x="3881376" y="3702099"/>
-                <a:ext cx="4240653" cy="378000"/>
-                <a:chOff x="3839336" y="3702099"/>
-                <a:chExt cx="4240653" cy="378000"/>
-              </a:xfrm>
-            </p:grpSpPr>
-            <p:sp>
-              <p:nvSpPr>
-                <p:cNvPr id="46" name="TextBox 45"/>
-                <p:cNvSpPr txBox="1"/>
-                <p:nvPr/>
-              </p:nvSpPr>
-              <p:spPr>
-                <a:xfrm>
-                  <a:off x="4799951" y="3702099"/>
-                  <a:ext cx="3280038" cy="378000"/>
-                </a:xfrm>
-                <a:prstGeom prst="rect">
-                  <a:avLst/>
-                </a:prstGeom>
-                <a:solidFill>
-                  <a:schemeClr val="accent5">
-                    <a:lumMod val="20000"/>
-                    <a:lumOff val="80000"/>
-                  </a:schemeClr>
-                </a:solidFill>
-                <a:ln w="12700">
-                  <a:solidFill>
-                    <a:schemeClr val="tx1"/>
-                  </a:solidFill>
-                  <a:prstDash val="sysDot"/>
-                </a:ln>
-              </p:spPr>
-              <p:txBody>
-                <a:bodyPr wrap="square" rtlCol="0" anchor="ctr">
-                  <a:spAutoFit/>
-                </a:bodyPr>
-                <a:lstStyle/>
-                <a:p>
-                  <a:pPr algn="ctr"/>
-                  <a:r>
-                    <a:rPr lang="ko-KR" altLang="en-US" dirty="0">
-                      <a:latin typeface="나눔스퀘어" panose="020B0600000101010101" pitchFamily="50" charset="-127"/>
-                      <a:ea typeface="나눔스퀘어" panose="020B0600000101010101" pitchFamily="50" charset="-127"/>
-                    </a:rPr>
-                    <a:t>추천 관광지</a:t>
-                  </a:r>
-                  <a:endParaRPr lang="en-US" altLang="ko-KR" dirty="0">
-                    <a:latin typeface="나눔스퀘어" panose="020B0600000101010101" pitchFamily="50" charset="-127"/>
-                    <a:ea typeface="나눔스퀘어" panose="020B0600000101010101" pitchFamily="50" charset="-127"/>
-                  </a:endParaRPr>
-                </a:p>
-              </p:txBody>
-            </p:sp>
-            <p:sp>
-              <p:nvSpPr>
-                <p:cNvPr id="47" name="TextBox 46"/>
-                <p:cNvSpPr txBox="1"/>
-                <p:nvPr/>
-              </p:nvSpPr>
-              <p:spPr>
-                <a:xfrm>
-                  <a:off x="3839336" y="3702099"/>
-                  <a:ext cx="960615" cy="378000"/>
-                </a:xfrm>
-                <a:prstGeom prst="rect">
-                  <a:avLst/>
-                </a:prstGeom>
-                <a:solidFill>
-                  <a:srgbClr val="0058A3"/>
-                </a:solidFill>
-                <a:ln w="12700">
-                  <a:solidFill>
-                    <a:schemeClr val="tx1"/>
-                  </a:solidFill>
-                  <a:prstDash val="sysDot"/>
-                </a:ln>
-              </p:spPr>
-              <p:txBody>
-                <a:bodyPr wrap="square" rtlCol="0" anchor="ctr">
-                  <a:spAutoFit/>
-                </a:bodyPr>
-                <a:lstStyle/>
-                <a:p>
-                  <a:pPr algn="ctr"/>
-                  <a:r>
-                    <a:rPr lang="en-US" altLang="ko-KR" dirty="0">
-                      <a:solidFill>
-                        <a:schemeClr val="bg1"/>
-                      </a:solidFill>
-                      <a:latin typeface="나눔스퀘어 ExtraBold" panose="020B0600000101010101" pitchFamily="50" charset="-127"/>
-                      <a:ea typeface="나눔스퀘어 ExtraBold" panose="020B0600000101010101" pitchFamily="50" charset="-127"/>
-                    </a:rPr>
-                    <a:t>OUT</a:t>
-                  </a:r>
-                </a:p>
-              </p:txBody>
-            </p:sp>
-          </p:grpSp>
-          <p:grpSp>
-            <p:nvGrpSpPr>
-              <p:cNvPr id="136" name="그룹 135"/>
-              <p:cNvGrpSpPr/>
-              <p:nvPr/>
-            </p:nvGrpSpPr>
-            <p:grpSpPr>
-              <a:xfrm>
-                <a:off x="3881376" y="2193368"/>
-                <a:ext cx="4240652" cy="758064"/>
-                <a:chOff x="3881376" y="2193368"/>
-                <a:chExt cx="4240652" cy="758064"/>
-              </a:xfrm>
-            </p:grpSpPr>
-            <p:sp>
-              <p:nvSpPr>
-                <p:cNvPr id="49" name="TextBox 48"/>
-                <p:cNvSpPr txBox="1"/>
-                <p:nvPr/>
-              </p:nvSpPr>
-              <p:spPr>
-                <a:xfrm>
-                  <a:off x="3881376" y="2193368"/>
-                  <a:ext cx="960616" cy="758064"/>
-                </a:xfrm>
-                <a:prstGeom prst="rect">
-                  <a:avLst/>
-                </a:prstGeom>
-                <a:solidFill>
-                  <a:srgbClr val="0058A3"/>
-                </a:solidFill>
-                <a:ln w="12700">
-                  <a:solidFill>
-                    <a:schemeClr val="tx1"/>
-                  </a:solidFill>
-                  <a:prstDash val="sysDot"/>
-                </a:ln>
-              </p:spPr>
-              <p:txBody>
-                <a:bodyPr wrap="square" rtlCol="0" anchor="t">
-                  <a:noAutofit/>
-                </a:bodyPr>
-                <a:lstStyle>
-                  <a:defPPr>
-                    <a:defRPr lang="ko-KR"/>
-                  </a:defPPr>
-                  <a:lvl1pPr algn="ctr">
-                    <a:defRPr>
-                      <a:solidFill>
-                        <a:schemeClr val="bg1"/>
-                      </a:solidFill>
-                      <a:latin typeface="나눔스퀘어 ExtraBold" panose="020B0600000101010101" pitchFamily="50" charset="-127"/>
-                      <a:ea typeface="나눔스퀘어 ExtraBold" panose="020B0600000101010101" pitchFamily="50" charset="-127"/>
-                    </a:defRPr>
-                  </a:lvl1pPr>
-                </a:lstStyle>
-                <a:p>
-                  <a:r>
-                    <a:rPr lang="en-US" altLang="ko-KR" dirty="0"/>
-                    <a:t>IN</a:t>
-                  </a:r>
-                </a:p>
-              </p:txBody>
-            </p:sp>
-            <p:grpSp>
-              <p:nvGrpSpPr>
-                <p:cNvPr id="78" name="그룹 77"/>
-                <p:cNvGrpSpPr/>
-                <p:nvPr/>
-              </p:nvGrpSpPr>
-              <p:grpSpPr>
-                <a:xfrm>
-                  <a:off x="4841993" y="2193368"/>
-                  <a:ext cx="3280035" cy="758064"/>
-                  <a:chOff x="5210484" y="2263284"/>
-                  <a:chExt cx="2295745" cy="758064"/>
-                </a:xfrm>
-              </p:grpSpPr>
-              <p:sp>
-                <p:nvSpPr>
-                  <p:cNvPr id="48" name="TextBox 47"/>
-                  <p:cNvSpPr txBox="1"/>
-                  <p:nvPr/>
-                </p:nvSpPr>
-                <p:spPr>
-                  <a:xfrm>
-                    <a:off x="5210484" y="2263284"/>
-                    <a:ext cx="1147124" cy="378000"/>
-                  </a:xfrm>
-                  <a:prstGeom prst="rect">
-                    <a:avLst/>
-                  </a:prstGeom>
-                  <a:solidFill>
-                    <a:srgbClr val="DAE3F3"/>
-                  </a:solidFill>
-                  <a:ln w="12700">
-                    <a:solidFill>
-                      <a:schemeClr val="tx1"/>
-                    </a:solidFill>
-                    <a:prstDash val="sysDot"/>
-                  </a:ln>
-                </p:spPr>
-                <p:txBody>
-                  <a:bodyPr wrap="square" rtlCol="0" anchor="ctr">
-                    <a:spAutoFit/>
-                  </a:bodyPr>
-                  <a:lstStyle/>
-                  <a:p>
-                    <a:pPr algn="ctr"/>
-                    <a:r>
-                      <a:rPr lang="ko-KR" altLang="en-US" dirty="0">
-                        <a:latin typeface="나눔스퀘어" panose="020B0600000101010101" pitchFamily="50" charset="-127"/>
-                        <a:ea typeface="나눔스퀘어" panose="020B0600000101010101" pitchFamily="50" charset="-127"/>
-                      </a:rPr>
-                      <a:t>날씨 그룹</a:t>
-                    </a:r>
-                    <a:endParaRPr lang="en-US" altLang="ko-KR" dirty="0">
-                      <a:latin typeface="나눔스퀘어" panose="020B0600000101010101" pitchFamily="50" charset="-127"/>
-                      <a:ea typeface="나눔스퀘어" panose="020B0600000101010101" pitchFamily="50" charset="-127"/>
-                    </a:endParaRPr>
-                  </a:p>
-                </p:txBody>
-              </p:sp>
-              <p:sp>
-                <p:nvSpPr>
-                  <p:cNvPr id="131" name="TextBox 130"/>
-                  <p:cNvSpPr txBox="1"/>
-                  <p:nvPr/>
-                </p:nvSpPr>
-                <p:spPr>
-                  <a:xfrm>
-                    <a:off x="6359105" y="2263284"/>
-                    <a:ext cx="1147124" cy="378000"/>
-                  </a:xfrm>
-                  <a:prstGeom prst="rect">
-                    <a:avLst/>
-                  </a:prstGeom>
-                  <a:solidFill>
-                    <a:srgbClr val="DAE3F3"/>
-                  </a:solidFill>
-                  <a:ln w="12700">
-                    <a:solidFill>
-                      <a:schemeClr val="tx1"/>
-                    </a:solidFill>
-                    <a:prstDash val="sysDot"/>
-                  </a:ln>
-                </p:spPr>
-                <p:txBody>
-                  <a:bodyPr wrap="square" rtlCol="0" anchor="ctr">
-                    <a:spAutoFit/>
-                  </a:bodyPr>
-                  <a:lstStyle/>
-                  <a:p>
-                    <a:pPr algn="ctr"/>
-                    <a:r>
-                      <a:rPr lang="ko-KR" altLang="en-US" dirty="0">
-                        <a:latin typeface="나눔스퀘어" panose="020B0600000101010101" pitchFamily="50" charset="-127"/>
-                        <a:ea typeface="나눔스퀘어" panose="020B0600000101010101" pitchFamily="50" charset="-127"/>
-                      </a:rPr>
-                      <a:t>관광지</a:t>
-                    </a:r>
-                    <a:endParaRPr lang="en-US" altLang="ko-KR" dirty="0">
-                      <a:latin typeface="나눔스퀘어" panose="020B0600000101010101" pitchFamily="50" charset="-127"/>
-                      <a:ea typeface="나눔스퀘어" panose="020B0600000101010101" pitchFamily="50" charset="-127"/>
-                    </a:endParaRPr>
-                  </a:p>
-                </p:txBody>
-              </p:sp>
-              <p:sp>
-                <p:nvSpPr>
-                  <p:cNvPr id="132" name="TextBox 131"/>
-                  <p:cNvSpPr txBox="1"/>
-                  <p:nvPr/>
-                </p:nvSpPr>
-                <p:spPr>
-                  <a:xfrm>
-                    <a:off x="5210484" y="2643348"/>
-                    <a:ext cx="1147124" cy="378000"/>
-                  </a:xfrm>
-                  <a:prstGeom prst="rect">
-                    <a:avLst/>
-                  </a:prstGeom>
-                  <a:solidFill>
-                    <a:srgbClr val="DAE3F3"/>
-                  </a:solidFill>
-                  <a:ln w="12700">
-                    <a:solidFill>
-                      <a:schemeClr val="tx1"/>
-                    </a:solidFill>
-                    <a:prstDash val="sysDot"/>
-                  </a:ln>
-                </p:spPr>
-                <p:txBody>
-                  <a:bodyPr wrap="square" rtlCol="0" anchor="ctr">
-                    <a:spAutoFit/>
-                  </a:bodyPr>
-                  <a:lstStyle/>
-                  <a:p>
-                    <a:pPr algn="ctr"/>
-                    <a:r>
-                      <a:rPr lang="ko-KR" altLang="en-US" dirty="0">
-                        <a:latin typeface="나눔스퀘어" panose="020B0600000101010101" pitchFamily="50" charset="-127"/>
-                        <a:ea typeface="나눔스퀘어" panose="020B0600000101010101" pitchFamily="50" charset="-127"/>
-                      </a:rPr>
-                      <a:t>거리</a:t>
-                    </a:r>
-                    <a:endParaRPr lang="en-US" altLang="ko-KR" dirty="0">
-                      <a:latin typeface="나눔스퀘어" panose="020B0600000101010101" pitchFamily="50" charset="-127"/>
-                      <a:ea typeface="나눔스퀘어" panose="020B0600000101010101" pitchFamily="50" charset="-127"/>
-                    </a:endParaRPr>
-                  </a:p>
-                </p:txBody>
-              </p:sp>
-              <p:sp>
-                <p:nvSpPr>
-                  <p:cNvPr id="133" name="TextBox 132"/>
-                  <p:cNvSpPr txBox="1"/>
-                  <p:nvPr/>
-                </p:nvSpPr>
-                <p:spPr>
-                  <a:xfrm>
-                    <a:off x="6359105" y="2643348"/>
-                    <a:ext cx="1147124" cy="378000"/>
-                  </a:xfrm>
-                  <a:prstGeom prst="rect">
-                    <a:avLst/>
-                  </a:prstGeom>
-                  <a:solidFill>
-                    <a:srgbClr val="DAE3F3"/>
-                  </a:solidFill>
-                  <a:ln w="12700">
-                    <a:solidFill>
-                      <a:schemeClr val="tx1"/>
-                    </a:solidFill>
-                    <a:prstDash val="sysDot"/>
-                  </a:ln>
-                </p:spPr>
-                <p:txBody>
-                  <a:bodyPr wrap="square" rtlCol="0" anchor="ctr">
-                    <a:spAutoFit/>
-                  </a:bodyPr>
-                  <a:lstStyle/>
-                  <a:p>
-                    <a:pPr algn="ctr"/>
-                    <a:r>
-                      <a:rPr lang="ko-KR" altLang="en-US" dirty="0">
-                        <a:latin typeface="나눔스퀘어" panose="020B0600000101010101" pitchFamily="50" charset="-127"/>
-                        <a:ea typeface="나눔스퀘어" panose="020B0600000101010101" pitchFamily="50" charset="-127"/>
-                      </a:rPr>
-                      <a:t>만족도</a:t>
-                    </a:r>
-                    <a:endParaRPr lang="en-US" altLang="ko-KR" dirty="0">
-                      <a:latin typeface="나눔스퀘어" panose="020B0600000101010101" pitchFamily="50" charset="-127"/>
-                      <a:ea typeface="나눔스퀘어" panose="020B0600000101010101" pitchFamily="50" charset="-127"/>
-                    </a:endParaRPr>
-                  </a:p>
-                </p:txBody>
-              </p:sp>
-            </p:grpSp>
-          </p:grpSp>
-        </p:grpSp>
         <p:sp>
           <p:nvSpPr>
-            <p:cNvPr id="10" name="직사각형 9">
-              <a:extLst>
-                <a:ext uri="{FF2B5EF4-FFF2-40B4-BE49-F238E27FC236}">
-                  <a16:creationId xmlns:a16="http://schemas.microsoft.com/office/drawing/2014/main" id="{04EDCBD8-BA77-43B4-9252-D66CBDA934BC}"/>
-                </a:ext>
-              </a:extLst>
-            </p:cNvPr>
-            <p:cNvSpPr/>
+            <p:cNvPr id="46" name="TextBox 45"/>
+            <p:cNvSpPr txBox="1"/>
             <p:nvPr/>
           </p:nvSpPr>
           <p:spPr>
             <a:xfrm>
-              <a:off x="2064571" y="3163019"/>
-              <a:ext cx="1376074" cy="286494"/>
+              <a:off x="4799951" y="3702099"/>
+              <a:ext cx="3280038" cy="378000"/>
             </a:xfrm>
             <a:prstGeom prst="rect">
               <a:avLst/>
             </a:prstGeom>
             <a:solidFill>
-              <a:srgbClr val="FFDB00"/>
+              <a:schemeClr val="accent5">
+                <a:lumMod val="20000"/>
+                <a:lumOff val="80000"/>
+              </a:schemeClr>
             </a:solidFill>
-            <a:ln>
-              <a:noFill/>
+            <a:ln w="12700">
+              <a:solidFill>
+                <a:schemeClr val="tx1"/>
+              </a:solidFill>
+              <a:prstDash val="sysDot"/>
             </a:ln>
           </p:spPr>
-          <p:style>
-            <a:lnRef idx="2">
-              <a:schemeClr val="accent1">
-                <a:shade val="50000"/>
-              </a:schemeClr>
-            </a:lnRef>
-            <a:fillRef idx="1">
-              <a:schemeClr val="accent1"/>
-            </a:fillRef>
-            <a:effectRef idx="0">
-              <a:schemeClr val="accent1"/>
-            </a:effectRef>
-            <a:fontRef idx="minor">
-              <a:schemeClr val="lt1"/>
-            </a:fontRef>
-          </p:style>
           <p:txBody>
-            <a:bodyPr rtlCol="0" anchor="ctr"/>
+            <a:bodyPr wrap="square" rtlCol="0" anchor="ctr">
+              <a:spAutoFit/>
+            </a:bodyPr>
             <a:lstStyle/>
             <a:p>
               <a:pPr algn="ctr"/>
               <a:r>
                 <a:rPr lang="ko-KR" altLang="en-US" dirty="0">
-                  <a:solidFill>
-                    <a:schemeClr val="tx1"/>
-                  </a:solidFill>
-                  <a:latin typeface="나눔스퀘어 ExtraBold" panose="020B0600000101010101" pitchFamily="50" charset="-127"/>
-                  <a:ea typeface="나눔스퀘어 ExtraBold" panose="020B0600000101010101" pitchFamily="50" charset="-127"/>
+                  <a:latin typeface="나눔스퀘어" panose="020B0600000101010101" pitchFamily="50" charset="-127"/>
+                  <a:ea typeface="나눔스퀘어" panose="020B0600000101010101" pitchFamily="50" charset="-127"/>
                 </a:rPr>
-                <a:t>날씨</a:t>
+                <a:t>추천 관광지</a:t>
               </a:r>
+              <a:endParaRPr lang="en-US" altLang="ko-KR" dirty="0">
+                <a:latin typeface="나눔스퀘어" panose="020B0600000101010101" pitchFamily="50" charset="-127"/>
+                <a:ea typeface="나눔스퀘어" panose="020B0600000101010101" pitchFamily="50" charset="-127"/>
+              </a:endParaRPr>
             </a:p>
           </p:txBody>
         </p:sp>
         <p:sp>
           <p:nvSpPr>
-            <p:cNvPr id="53" name="직사각형 52">
-              <a:extLst>
-                <a:ext uri="{FF2B5EF4-FFF2-40B4-BE49-F238E27FC236}">
-                  <a16:creationId xmlns:a16="http://schemas.microsoft.com/office/drawing/2014/main" id="{04EDCBD8-BA77-43B4-9252-D66CBDA934BC}"/>
-                </a:ext>
-              </a:extLst>
-            </p:cNvPr>
-            <p:cNvSpPr/>
+            <p:cNvPr id="47" name="TextBox 46"/>
+            <p:cNvSpPr txBox="1"/>
             <p:nvPr/>
           </p:nvSpPr>
           <p:spPr>
             <a:xfrm>
-              <a:off x="3704218" y="3529775"/>
-              <a:ext cx="1376074" cy="286494"/>
+              <a:off x="3839336" y="3702099"/>
+              <a:ext cx="960615" cy="378000"/>
             </a:xfrm>
             <a:prstGeom prst="rect">
               <a:avLst/>
             </a:prstGeom>
             <a:solidFill>
-              <a:srgbClr val="FFDB00"/>
+              <a:srgbClr val="0058A3"/>
             </a:solidFill>
-            <a:ln>
-              <a:noFill/>
+            <a:ln w="12700">
+              <a:solidFill>
+                <a:schemeClr val="tx1"/>
+              </a:solidFill>
+              <a:prstDash val="sysDot"/>
             </a:ln>
           </p:spPr>
-          <p:style>
-            <a:lnRef idx="2">
-              <a:schemeClr val="accent1">
-                <a:shade val="50000"/>
-              </a:schemeClr>
-            </a:lnRef>
-            <a:fillRef idx="1">
-              <a:schemeClr val="accent1"/>
-            </a:fillRef>
-            <a:effectRef idx="0">
-              <a:schemeClr val="accent1"/>
-            </a:effectRef>
-            <a:fontRef idx="minor">
-              <a:schemeClr val="lt1"/>
-            </a:fontRef>
-          </p:style>
           <p:txBody>
-            <a:bodyPr rtlCol="0" anchor="ctr"/>
+            <a:bodyPr wrap="square" rtlCol="0" anchor="ctr">
+              <a:spAutoFit/>
+            </a:bodyPr>
             <a:lstStyle/>
             <a:p>
               <a:pPr algn="ctr"/>
               <a:r>
-                <a:rPr lang="ko-KR" altLang="en-US" sz="1600" dirty="0">
+                <a:rPr lang="en-US" altLang="ko-KR" dirty="0">
                   <a:solidFill>
-                    <a:schemeClr val="tx1"/>
+                    <a:schemeClr val="bg1"/>
                   </a:solidFill>
                   <a:latin typeface="나눔스퀘어 ExtraBold" panose="020B0600000101010101" pitchFamily="50" charset="-127"/>
                   <a:ea typeface="나눔스퀘어 ExtraBold" panose="020B0600000101010101" pitchFamily="50" charset="-127"/>
                 </a:rPr>
-                <a:t>관광지 만족도</a:t>
-              </a:r>
-            </a:p>
-          </p:txBody>
-        </p:sp>
-        <p:sp>
-          <p:nvSpPr>
-            <p:cNvPr id="54" name="직사각형 53">
-              <a:extLst>
-                <a:ext uri="{FF2B5EF4-FFF2-40B4-BE49-F238E27FC236}">
-                  <a16:creationId xmlns:a16="http://schemas.microsoft.com/office/drawing/2014/main" id="{04EDCBD8-BA77-43B4-9252-D66CBDA934BC}"/>
-                </a:ext>
-              </a:extLst>
-            </p:cNvPr>
-            <p:cNvSpPr/>
-            <p:nvPr/>
-          </p:nvSpPr>
-          <p:spPr>
-            <a:xfrm>
-              <a:off x="2063130" y="3529775"/>
-              <a:ext cx="1376074" cy="286494"/>
-            </a:xfrm>
-            <a:prstGeom prst="rect">
-              <a:avLst/>
-            </a:prstGeom>
-            <a:solidFill>
-              <a:srgbClr val="FFDB00"/>
-            </a:solidFill>
-            <a:ln>
-              <a:noFill/>
-            </a:ln>
-          </p:spPr>
-          <p:style>
-            <a:lnRef idx="2">
-              <a:schemeClr val="accent1">
-                <a:shade val="50000"/>
-              </a:schemeClr>
-            </a:lnRef>
-            <a:fillRef idx="1">
-              <a:schemeClr val="accent1"/>
-            </a:fillRef>
-            <a:effectRef idx="0">
-              <a:schemeClr val="accent1"/>
-            </a:effectRef>
-            <a:fontRef idx="minor">
-              <a:schemeClr val="lt1"/>
-            </a:fontRef>
-          </p:style>
-          <p:txBody>
-            <a:bodyPr rtlCol="0" anchor="ctr"/>
-            <a:lstStyle/>
-            <a:p>
-              <a:pPr algn="ctr"/>
-              <a:r>
-                <a:rPr lang="ko-KR" altLang="en-US" dirty="0">
-                  <a:solidFill>
-                    <a:schemeClr val="tx1"/>
-                  </a:solidFill>
-                  <a:latin typeface="나눔스퀘어 ExtraBold" panose="020B0600000101010101" pitchFamily="50" charset="-127"/>
-                  <a:ea typeface="나눔스퀘어 ExtraBold" panose="020B0600000101010101" pitchFamily="50" charset="-127"/>
-                </a:rPr>
-                <a:t>거리</a:t>
+                <a:t>OUT</a:t>
               </a:r>
             </a:p>
           </p:txBody>
         </p:sp>
       </p:grpSp>
+      <p:sp>
+        <p:nvSpPr>
+          <p:cNvPr id="49" name="TextBox 48"/>
+          <p:cNvSpPr txBox="1"/>
+          <p:nvPr/>
+        </p:nvSpPr>
+        <p:spPr>
+          <a:xfrm>
+            <a:off x="3976045" y="2350483"/>
+            <a:ext cx="960616" cy="1488651"/>
+          </a:xfrm>
+          <a:prstGeom prst="rect">
+            <a:avLst/>
+          </a:prstGeom>
+          <a:solidFill>
+            <a:srgbClr val="0058A3"/>
+          </a:solidFill>
+          <a:ln w="12700">
+            <a:solidFill>
+              <a:schemeClr val="tx1"/>
+            </a:solidFill>
+            <a:prstDash val="sysDot"/>
+          </a:ln>
+        </p:spPr>
+        <p:txBody>
+          <a:bodyPr wrap="square" rtlCol="0" anchor="t">
+            <a:noAutofit/>
+          </a:bodyPr>
+          <a:lstStyle>
+            <a:defPPr>
+              <a:defRPr lang="ko-KR"/>
+            </a:defPPr>
+            <a:lvl1pPr algn="ctr">
+              <a:defRPr>
+                <a:solidFill>
+                  <a:schemeClr val="bg1"/>
+                </a:solidFill>
+                <a:latin typeface="나눔스퀘어 ExtraBold" panose="020B0600000101010101" pitchFamily="50" charset="-127"/>
+                <a:ea typeface="나눔스퀘어 ExtraBold" panose="020B0600000101010101" pitchFamily="50" charset="-127"/>
+              </a:defRPr>
+            </a:lvl1pPr>
+          </a:lstStyle>
+          <a:p>
+            <a:r>
+              <a:rPr lang="en-US" altLang="ko-KR" dirty="0"/>
+              <a:t>IN</a:t>
+            </a:r>
+          </a:p>
+        </p:txBody>
+      </p:sp>
+      <p:sp>
+        <p:nvSpPr>
+          <p:cNvPr id="48" name="TextBox 47"/>
+          <p:cNvSpPr txBox="1"/>
+          <p:nvPr/>
+        </p:nvSpPr>
+        <p:spPr>
+          <a:xfrm>
+            <a:off x="4936662" y="2847599"/>
+            <a:ext cx="1638948" cy="494418"/>
+          </a:xfrm>
+          <a:prstGeom prst="rect">
+            <a:avLst/>
+          </a:prstGeom>
+          <a:solidFill>
+            <a:srgbClr val="DAE3F3"/>
+          </a:solidFill>
+          <a:ln w="12700">
+            <a:solidFill>
+              <a:schemeClr val="tx1"/>
+            </a:solidFill>
+            <a:prstDash val="sysDot"/>
+          </a:ln>
+        </p:spPr>
+        <p:txBody>
+          <a:bodyPr wrap="square" rtlCol="0" anchor="ctr">
+            <a:noAutofit/>
+          </a:bodyPr>
+          <a:lstStyle/>
+          <a:p>
+            <a:pPr algn="ctr"/>
+            <a:r>
+              <a:rPr lang="ko-KR" altLang="en-US" dirty="0">
+                <a:latin typeface="나눔스퀘어" panose="020B0600000101010101" pitchFamily="50" charset="-127"/>
+                <a:ea typeface="나눔스퀘어" panose="020B0600000101010101" pitchFamily="50" charset="-127"/>
+              </a:rPr>
+              <a:t>날씨 그룹</a:t>
+            </a:r>
+            <a:endParaRPr lang="en-US" altLang="ko-KR" dirty="0">
+              <a:latin typeface="나눔스퀘어" panose="020B0600000101010101" pitchFamily="50" charset="-127"/>
+              <a:ea typeface="나눔스퀘어" panose="020B0600000101010101" pitchFamily="50" charset="-127"/>
+            </a:endParaRPr>
+          </a:p>
+        </p:txBody>
+      </p:sp>
+      <p:sp>
+        <p:nvSpPr>
+          <p:cNvPr id="131" name="TextBox 130"/>
+          <p:cNvSpPr txBox="1"/>
+          <p:nvPr/>
+        </p:nvSpPr>
+        <p:spPr>
+          <a:xfrm>
+            <a:off x="6577749" y="2847599"/>
+            <a:ext cx="1638948" cy="494418"/>
+          </a:xfrm>
+          <a:prstGeom prst="rect">
+            <a:avLst/>
+          </a:prstGeom>
+          <a:solidFill>
+            <a:srgbClr val="DAE3F3"/>
+          </a:solidFill>
+          <a:ln w="12700">
+            <a:solidFill>
+              <a:schemeClr val="tx1"/>
+            </a:solidFill>
+            <a:prstDash val="sysDot"/>
+          </a:ln>
+        </p:spPr>
+        <p:txBody>
+          <a:bodyPr wrap="square" rtlCol="0" anchor="ctr">
+            <a:noAutofit/>
+          </a:bodyPr>
+          <a:lstStyle/>
+          <a:p>
+            <a:pPr algn="ctr"/>
+            <a:endParaRPr lang="en-US" altLang="ko-KR" dirty="0">
+              <a:latin typeface="나눔스퀘어" panose="020B0600000101010101" pitchFamily="50" charset="-127"/>
+              <a:ea typeface="나눔스퀘어" panose="020B0600000101010101" pitchFamily="50" charset="-127"/>
+            </a:endParaRPr>
+          </a:p>
+        </p:txBody>
+      </p:sp>
+      <p:sp>
+        <p:nvSpPr>
+          <p:cNvPr id="132" name="TextBox 131"/>
+          <p:cNvSpPr txBox="1"/>
+          <p:nvPr/>
+        </p:nvSpPr>
+        <p:spPr>
+          <a:xfrm>
+            <a:off x="4936662" y="3344716"/>
+            <a:ext cx="1638948" cy="494418"/>
+          </a:xfrm>
+          <a:prstGeom prst="rect">
+            <a:avLst/>
+          </a:prstGeom>
+          <a:solidFill>
+            <a:srgbClr val="DAE3F3"/>
+          </a:solidFill>
+          <a:ln w="12700">
+            <a:solidFill>
+              <a:schemeClr val="tx1"/>
+            </a:solidFill>
+            <a:prstDash val="sysDot"/>
+          </a:ln>
+        </p:spPr>
+        <p:txBody>
+          <a:bodyPr wrap="square" rtlCol="0" anchor="ctr">
+            <a:noAutofit/>
+          </a:bodyPr>
+          <a:lstStyle/>
+          <a:p>
+            <a:pPr algn="ctr"/>
+            <a:r>
+              <a:rPr lang="ko-KR" altLang="en-US" dirty="0">
+                <a:latin typeface="나눔스퀘어" panose="020B0600000101010101" pitchFamily="50" charset="-127"/>
+                <a:ea typeface="나눔스퀘어" panose="020B0600000101010101" pitchFamily="50" charset="-127"/>
+              </a:rPr>
+              <a:t>거리</a:t>
+            </a:r>
+            <a:endParaRPr lang="en-US" altLang="ko-KR" dirty="0">
+              <a:latin typeface="나눔스퀘어" panose="020B0600000101010101" pitchFamily="50" charset="-127"/>
+              <a:ea typeface="나눔스퀘어" panose="020B0600000101010101" pitchFamily="50" charset="-127"/>
+            </a:endParaRPr>
+          </a:p>
+        </p:txBody>
+      </p:sp>
+      <p:sp>
+        <p:nvSpPr>
+          <p:cNvPr id="133" name="TextBox 132"/>
+          <p:cNvSpPr txBox="1"/>
+          <p:nvPr/>
+        </p:nvSpPr>
+        <p:spPr>
+          <a:xfrm>
+            <a:off x="6577749" y="3344716"/>
+            <a:ext cx="1638948" cy="494418"/>
+          </a:xfrm>
+          <a:prstGeom prst="rect">
+            <a:avLst/>
+          </a:prstGeom>
+          <a:solidFill>
+            <a:srgbClr val="DAE3F3"/>
+          </a:solidFill>
+          <a:ln w="12700">
+            <a:solidFill>
+              <a:schemeClr val="tx1"/>
+            </a:solidFill>
+            <a:prstDash val="sysDot"/>
+          </a:ln>
+        </p:spPr>
+        <p:txBody>
+          <a:bodyPr wrap="square" rtlCol="0" anchor="ctr">
+            <a:noAutofit/>
+          </a:bodyPr>
+          <a:lstStyle/>
+          <a:p>
+            <a:pPr algn="ctr"/>
+            <a:r>
+              <a:rPr lang="ko-KR" altLang="en-US" dirty="0">
+                <a:latin typeface="나눔스퀘어" panose="020B0600000101010101" pitchFamily="50" charset="-127"/>
+                <a:ea typeface="나눔스퀘어" panose="020B0600000101010101" pitchFamily="50" charset="-127"/>
+              </a:rPr>
+              <a:t>만족도</a:t>
+            </a:r>
+            <a:endParaRPr lang="en-US" altLang="ko-KR" dirty="0">
+              <a:latin typeface="나눔스퀘어" panose="020B0600000101010101" pitchFamily="50" charset="-127"/>
+              <a:ea typeface="나눔스퀘어" panose="020B0600000101010101" pitchFamily="50" charset="-127"/>
+            </a:endParaRPr>
+          </a:p>
+        </p:txBody>
+      </p:sp>
+      <p:sp>
+        <p:nvSpPr>
+          <p:cNvPr id="10" name="직사각형 9">
+            <a:extLst>
+              <a:ext uri="{FF2B5EF4-FFF2-40B4-BE49-F238E27FC236}">
+                <a16:creationId xmlns:a16="http://schemas.microsoft.com/office/drawing/2014/main" id="{04EDCBD8-BA77-43B4-9252-D66CBDA934BC}"/>
+              </a:ext>
+            </a:extLst>
+          </p:cNvPr>
+          <p:cNvSpPr/>
+          <p:nvPr/>
+        </p:nvSpPr>
+        <p:spPr>
+          <a:xfrm>
+            <a:off x="5069539" y="2919190"/>
+            <a:ext cx="1376074" cy="374729"/>
+          </a:xfrm>
+          <a:prstGeom prst="rect">
+            <a:avLst/>
+          </a:prstGeom>
+          <a:solidFill>
+            <a:srgbClr val="FFDB00"/>
+          </a:solidFill>
+          <a:ln>
+            <a:noFill/>
+          </a:ln>
+        </p:spPr>
+        <p:style>
+          <a:lnRef idx="2">
+            <a:schemeClr val="accent1">
+              <a:shade val="50000"/>
+            </a:schemeClr>
+          </a:lnRef>
+          <a:fillRef idx="1">
+            <a:schemeClr val="accent1"/>
+          </a:fillRef>
+          <a:effectRef idx="0">
+            <a:schemeClr val="accent1"/>
+          </a:effectRef>
+          <a:fontRef idx="minor">
+            <a:schemeClr val="lt1"/>
+          </a:fontRef>
+        </p:style>
+        <p:txBody>
+          <a:bodyPr rtlCol="0" anchor="ctr"/>
+          <a:lstStyle/>
+          <a:p>
+            <a:pPr algn="ctr"/>
+            <a:r>
+              <a:rPr lang="ko-KR" altLang="en-US" dirty="0">
+                <a:solidFill>
+                  <a:schemeClr val="tx1"/>
+                </a:solidFill>
+                <a:latin typeface="나눔스퀘어 ExtraBold" panose="020B0600000101010101" pitchFamily="50" charset="-127"/>
+                <a:ea typeface="나눔스퀘어 ExtraBold" panose="020B0600000101010101" pitchFamily="50" charset="-127"/>
+              </a:rPr>
+              <a:t>날씨</a:t>
+            </a:r>
+          </a:p>
+        </p:txBody>
+      </p:sp>
+      <p:sp>
+        <p:nvSpPr>
+          <p:cNvPr id="53" name="직사각형 52">
+            <a:extLst>
+              <a:ext uri="{FF2B5EF4-FFF2-40B4-BE49-F238E27FC236}">
+                <a16:creationId xmlns:a16="http://schemas.microsoft.com/office/drawing/2014/main" id="{04EDCBD8-BA77-43B4-9252-D66CBDA934BC}"/>
+              </a:ext>
+            </a:extLst>
+          </p:cNvPr>
+          <p:cNvSpPr/>
+          <p:nvPr/>
+        </p:nvSpPr>
+        <p:spPr>
+          <a:xfrm>
+            <a:off x="6709186" y="3398901"/>
+            <a:ext cx="1376074" cy="374729"/>
+          </a:xfrm>
+          <a:prstGeom prst="rect">
+            <a:avLst/>
+          </a:prstGeom>
+          <a:solidFill>
+            <a:srgbClr val="FFDB00"/>
+          </a:solidFill>
+          <a:ln>
+            <a:noFill/>
+          </a:ln>
+        </p:spPr>
+        <p:style>
+          <a:lnRef idx="2">
+            <a:schemeClr val="accent1">
+              <a:shade val="50000"/>
+            </a:schemeClr>
+          </a:lnRef>
+          <a:fillRef idx="1">
+            <a:schemeClr val="accent1"/>
+          </a:fillRef>
+          <a:effectRef idx="0">
+            <a:schemeClr val="accent1"/>
+          </a:effectRef>
+          <a:fontRef idx="minor">
+            <a:schemeClr val="lt1"/>
+          </a:fontRef>
+        </p:style>
+        <p:txBody>
+          <a:bodyPr rtlCol="0" anchor="ctr"/>
+          <a:lstStyle/>
+          <a:p>
+            <a:pPr algn="ctr"/>
+            <a:r>
+              <a:rPr lang="ko-KR" altLang="en-US" sz="1600" dirty="0">
+                <a:solidFill>
+                  <a:schemeClr val="tx1"/>
+                </a:solidFill>
+                <a:latin typeface="나눔스퀘어 ExtraBold" panose="020B0600000101010101" pitchFamily="50" charset="-127"/>
+                <a:ea typeface="나눔스퀘어 ExtraBold" panose="020B0600000101010101" pitchFamily="50" charset="-127"/>
+              </a:rPr>
+              <a:t>거리</a:t>
+            </a:r>
+          </a:p>
+        </p:txBody>
+      </p:sp>
+      <p:sp>
+        <p:nvSpPr>
+          <p:cNvPr id="54" name="직사각형 53">
+            <a:extLst>
+              <a:ext uri="{FF2B5EF4-FFF2-40B4-BE49-F238E27FC236}">
+                <a16:creationId xmlns:a16="http://schemas.microsoft.com/office/drawing/2014/main" id="{04EDCBD8-BA77-43B4-9252-D66CBDA934BC}"/>
+              </a:ext>
+            </a:extLst>
+          </p:cNvPr>
+          <p:cNvSpPr/>
+          <p:nvPr/>
+        </p:nvSpPr>
+        <p:spPr>
+          <a:xfrm>
+            <a:off x="5068098" y="3398901"/>
+            <a:ext cx="1376074" cy="374729"/>
+          </a:xfrm>
+          <a:prstGeom prst="rect">
+            <a:avLst/>
+          </a:prstGeom>
+          <a:solidFill>
+            <a:srgbClr val="FFDB00"/>
+          </a:solidFill>
+          <a:ln>
+            <a:noFill/>
+          </a:ln>
+        </p:spPr>
+        <p:style>
+          <a:lnRef idx="2">
+            <a:schemeClr val="accent1">
+              <a:shade val="50000"/>
+            </a:schemeClr>
+          </a:lnRef>
+          <a:fillRef idx="1">
+            <a:schemeClr val="accent1"/>
+          </a:fillRef>
+          <a:effectRef idx="0">
+            <a:schemeClr val="accent1"/>
+          </a:effectRef>
+          <a:fontRef idx="minor">
+            <a:schemeClr val="lt1"/>
+          </a:fontRef>
+        </p:style>
+        <p:txBody>
+          <a:bodyPr rtlCol="0" anchor="ctr"/>
+          <a:lstStyle/>
+          <a:p>
+            <a:pPr algn="ctr"/>
+            <a:r>
+              <a:rPr lang="ko-KR" altLang="en-US" dirty="0">
+                <a:solidFill>
+                  <a:schemeClr val="tx1"/>
+                </a:solidFill>
+                <a:latin typeface="나눔스퀘어 ExtraBold" panose="020B0600000101010101" pitchFamily="50" charset="-127"/>
+                <a:ea typeface="나눔스퀘어 ExtraBold" panose="020B0600000101010101" pitchFamily="50" charset="-127"/>
+              </a:rPr>
+              <a:t>방문객수</a:t>
+            </a:r>
+          </a:p>
+        </p:txBody>
+      </p:sp>
+      <p:sp>
+        <p:nvSpPr>
+          <p:cNvPr id="21" name="TextBox 20">
+            <a:extLst>
+              <a:ext uri="{FF2B5EF4-FFF2-40B4-BE49-F238E27FC236}">
+                <a16:creationId xmlns:a16="http://schemas.microsoft.com/office/drawing/2014/main" id="{04EF38DF-06AB-451B-9F4F-DA2D2A262624}"/>
+              </a:ext>
+            </a:extLst>
+          </p:cNvPr>
+          <p:cNvSpPr txBox="1"/>
+          <p:nvPr/>
+        </p:nvSpPr>
+        <p:spPr>
+          <a:xfrm>
+            <a:off x="4936661" y="2351832"/>
+            <a:ext cx="3280035" cy="494418"/>
+          </a:xfrm>
+          <a:prstGeom prst="rect">
+            <a:avLst/>
+          </a:prstGeom>
+          <a:solidFill>
+            <a:srgbClr val="DAE3F3"/>
+          </a:solidFill>
+          <a:ln w="12700">
+            <a:solidFill>
+              <a:schemeClr val="tx1"/>
+            </a:solidFill>
+            <a:prstDash val="sysDot"/>
+          </a:ln>
+        </p:spPr>
+        <p:txBody>
+          <a:bodyPr wrap="square" rtlCol="0" anchor="ctr">
+            <a:noAutofit/>
+          </a:bodyPr>
+          <a:lstStyle/>
+          <a:p>
+            <a:pPr algn="ctr"/>
+            <a:r>
+              <a:rPr lang="ko-KR" altLang="en-US" dirty="0">
+                <a:latin typeface="나눔스퀘어" panose="020B0600000101010101" pitchFamily="50" charset="-127"/>
+                <a:ea typeface="나눔스퀘어" panose="020B0600000101010101" pitchFamily="50" charset="-127"/>
+              </a:rPr>
+              <a:t>관광지</a:t>
+            </a:r>
+            <a:endParaRPr lang="en-US" altLang="ko-KR" dirty="0">
+              <a:latin typeface="나눔스퀘어" panose="020B0600000101010101" pitchFamily="50" charset="-127"/>
+              <a:ea typeface="나눔스퀘어" panose="020B0600000101010101" pitchFamily="50" charset="-127"/>
+            </a:endParaRPr>
+          </a:p>
+        </p:txBody>
+      </p:sp>
+      <p:sp>
+        <p:nvSpPr>
+          <p:cNvPr id="22" name="직사각형 21">
+            <a:extLst>
+              <a:ext uri="{FF2B5EF4-FFF2-40B4-BE49-F238E27FC236}">
+                <a16:creationId xmlns:a16="http://schemas.microsoft.com/office/drawing/2014/main" id="{03F1FA28-C62F-4EDC-8B7E-3351886E96D1}"/>
+              </a:ext>
+            </a:extLst>
+          </p:cNvPr>
+          <p:cNvSpPr/>
+          <p:nvPr/>
+        </p:nvSpPr>
+        <p:spPr>
+          <a:xfrm>
+            <a:off x="6709186" y="2919190"/>
+            <a:ext cx="1376074" cy="374729"/>
+          </a:xfrm>
+          <a:prstGeom prst="rect">
+            <a:avLst/>
+          </a:prstGeom>
+          <a:solidFill>
+            <a:srgbClr val="FFDB00"/>
+          </a:solidFill>
+          <a:ln>
+            <a:noFill/>
+          </a:ln>
+        </p:spPr>
+        <p:style>
+          <a:lnRef idx="2">
+            <a:schemeClr val="accent1">
+              <a:shade val="50000"/>
+            </a:schemeClr>
+          </a:lnRef>
+          <a:fillRef idx="1">
+            <a:schemeClr val="accent1"/>
+          </a:fillRef>
+          <a:effectRef idx="0">
+            <a:schemeClr val="accent1"/>
+          </a:effectRef>
+          <a:fontRef idx="minor">
+            <a:schemeClr val="lt1"/>
+          </a:fontRef>
+        </p:style>
+        <p:txBody>
+          <a:bodyPr rtlCol="0" anchor="ctr"/>
+          <a:lstStyle/>
+          <a:p>
+            <a:pPr algn="ctr"/>
+            <a:r>
+              <a:rPr lang="ko-KR" altLang="en-US" sz="1600" dirty="0">
+                <a:solidFill>
+                  <a:schemeClr val="tx1"/>
+                </a:solidFill>
+                <a:latin typeface="나눔스퀘어 ExtraBold" panose="020B0600000101010101" pitchFamily="50" charset="-127"/>
+                <a:ea typeface="나눔스퀘어 ExtraBold" panose="020B0600000101010101" pitchFamily="50" charset="-127"/>
+              </a:rPr>
+              <a:t>만족도</a:t>
+            </a:r>
+          </a:p>
+        </p:txBody>
+      </p:sp>
     </p:spTree>
     <p:extLst>
       <p:ext uri="{BB962C8B-B14F-4D97-AF65-F5344CB8AC3E}">
@@ -5452,318 +5550,327 @@
           </a:p>
         </p:txBody>
       </p:sp>
-      <p:sp>
-        <p:nvSpPr>
-          <p:cNvPr id="4" name="세로로 말린 두루마리 모양 6">
+      <p:grpSp>
+        <p:nvGrpSpPr>
+          <p:cNvPr id="7" name="그룹 6">
             <a:extLst>
               <a:ext uri="{FF2B5EF4-FFF2-40B4-BE49-F238E27FC236}">
-                <a16:creationId xmlns:a16="http://schemas.microsoft.com/office/drawing/2014/main" id="{9558CF48-ACF5-47EC-A2AE-5900B2283D4E}"/>
+                <a16:creationId xmlns:a16="http://schemas.microsoft.com/office/drawing/2014/main" id="{863A8E95-E84D-4E73-AA74-0ACFCE15E92F}"/>
               </a:ext>
             </a:extLst>
           </p:cNvPr>
-          <p:cNvSpPr/>
+          <p:cNvGrpSpPr/>
           <p:nvPr/>
-        </p:nvSpPr>
-        <p:spPr>
+        </p:nvGrpSpPr>
+        <p:grpSpPr>
           <a:xfrm>
-            <a:off x="512440" y="1877047"/>
-            <a:ext cx="5583560" cy="3103906"/>
+            <a:off x="-206734" y="1414351"/>
+            <a:ext cx="6302734" cy="3919144"/>
+            <a:chOff x="-206734" y="1855023"/>
+            <a:chExt cx="6302734" cy="3919144"/>
           </a:xfrm>
-          <a:prstGeom prst="verticalScroll">
-            <a:avLst/>
-          </a:prstGeom>
-          <a:solidFill>
-            <a:schemeClr val="bg1"/>
-          </a:solidFill>
-          <a:ln w="85725">
+        </p:grpSpPr>
+        <p:sp>
+          <p:nvSpPr>
+            <p:cNvPr id="4" name="세로로 말린 두루마리 모양 6">
+              <a:extLst>
+                <a:ext uri="{FF2B5EF4-FFF2-40B4-BE49-F238E27FC236}">
+                  <a16:creationId xmlns:a16="http://schemas.microsoft.com/office/drawing/2014/main" id="{9558CF48-ACF5-47EC-A2AE-5900B2283D4E}"/>
+                </a:ext>
+              </a:extLst>
+            </p:cNvPr>
+            <p:cNvSpPr/>
+            <p:nvPr/>
+          </p:nvSpPr>
+          <p:spPr>
+            <a:xfrm>
+              <a:off x="512440" y="2670261"/>
+              <a:ext cx="5583560" cy="3103906"/>
+            </a:xfrm>
+            <a:prstGeom prst="verticalScroll">
+              <a:avLst/>
+            </a:prstGeom>
             <a:solidFill>
-              <a:schemeClr val="tx1"/>
+              <a:schemeClr val="bg1"/>
             </a:solidFill>
-          </a:ln>
-        </p:spPr>
-        <p:style>
-          <a:lnRef idx="2">
-            <a:schemeClr val="accent1">
-              <a:shade val="50000"/>
-            </a:schemeClr>
-          </a:lnRef>
-          <a:fillRef idx="1">
-            <a:schemeClr val="accent1"/>
-          </a:fillRef>
-          <a:effectRef idx="0">
-            <a:schemeClr val="accent1"/>
-          </a:effectRef>
-          <a:fontRef idx="minor">
-            <a:schemeClr val="lt1"/>
-          </a:fontRef>
-        </p:style>
-        <p:txBody>
-          <a:bodyPr rtlCol="0" anchor="ctr"/>
-          <a:lstStyle/>
-          <a:p>
-            <a:pPr algn="ctr"/>
-            <a:endParaRPr lang="ko-KR" altLang="en-US"/>
-          </a:p>
-        </p:txBody>
-      </p:sp>
-      <p:sp>
-        <p:nvSpPr>
-          <p:cNvPr id="5" name="TextBox 4">
-            <a:extLst>
-              <a:ext uri="{FF2B5EF4-FFF2-40B4-BE49-F238E27FC236}">
-                <a16:creationId xmlns:a16="http://schemas.microsoft.com/office/drawing/2014/main" id="{F8EF2D31-70C6-41D2-8E0D-7E8F284756AE}"/>
-              </a:ext>
-            </a:extLst>
-          </p:cNvPr>
-          <p:cNvSpPr txBox="1"/>
-          <p:nvPr/>
-        </p:nvSpPr>
-        <p:spPr>
-          <a:xfrm>
-            <a:off x="-206734" y="1227064"/>
-            <a:ext cx="5866303" cy="3616375"/>
-          </a:xfrm>
-          <a:prstGeom prst="rect">
-            <a:avLst/>
-          </a:prstGeom>
-          <a:noFill/>
-        </p:spPr>
-        <p:txBody>
-          <a:bodyPr wrap="square" rtlCol="0">
-            <a:spAutoFit/>
-          </a:bodyPr>
-          <a:lstStyle/>
-          <a:p>
-            <a:r>
-              <a:rPr lang="en-US" altLang="ko-KR" dirty="0">
+            <a:ln w="85725">
+              <a:solidFill>
+                <a:schemeClr val="tx1"/>
+              </a:solidFill>
+            </a:ln>
+          </p:spPr>
+          <p:style>
+            <a:lnRef idx="2">
+              <a:schemeClr val="accent1">
+                <a:shade val="50000"/>
+              </a:schemeClr>
+            </a:lnRef>
+            <a:fillRef idx="1">
+              <a:schemeClr val="accent1"/>
+            </a:fillRef>
+            <a:effectRef idx="0">
+              <a:schemeClr val="accent1"/>
+            </a:effectRef>
+            <a:fontRef idx="minor">
+              <a:schemeClr val="lt1"/>
+            </a:fontRef>
+          </p:style>
+          <p:txBody>
+            <a:bodyPr rtlCol="0" anchor="ctr"/>
+            <a:lstStyle/>
+            <a:p>
+              <a:pPr algn="ctr"/>
+              <a:endParaRPr lang="ko-KR" altLang="en-US"/>
+            </a:p>
+          </p:txBody>
+        </p:sp>
+        <p:sp>
+          <p:nvSpPr>
+            <p:cNvPr id="5" name="TextBox 4">
+              <a:extLst>
+                <a:ext uri="{FF2B5EF4-FFF2-40B4-BE49-F238E27FC236}">
+                  <a16:creationId xmlns:a16="http://schemas.microsoft.com/office/drawing/2014/main" id="{F8EF2D31-70C6-41D2-8E0D-7E8F284756AE}"/>
+                </a:ext>
+              </a:extLst>
+            </p:cNvPr>
+            <p:cNvSpPr txBox="1"/>
+            <p:nvPr/>
+          </p:nvSpPr>
+          <p:spPr>
+            <a:xfrm>
+              <a:off x="-206734" y="1855023"/>
+              <a:ext cx="5866303" cy="3791872"/>
+            </a:xfrm>
+            <a:prstGeom prst="rect">
+              <a:avLst/>
+            </a:prstGeom>
+            <a:noFill/>
+          </p:spPr>
+          <p:txBody>
+            <a:bodyPr wrap="square" rtlCol="0">
+              <a:spAutoFit/>
+            </a:bodyPr>
+            <a:lstStyle/>
+            <a:p>
+              <a:r>
+                <a:rPr lang="en-US" altLang="ko-KR" dirty="0">
+                  <a:latin typeface="나눔스퀘어 Bold" panose="020B0600000101010101" pitchFamily="50" charset="-127"/>
+                  <a:ea typeface="나눔스퀘어 Bold" panose="020B0600000101010101" pitchFamily="50" charset="-127"/>
+                </a:rPr>
+                <a:t>    </a:t>
+              </a:r>
+            </a:p>
+            <a:p>
+              <a:pPr algn="ctr">
+                <a:lnSpc>
+                  <a:spcPct val="150000"/>
+                </a:lnSpc>
+              </a:pPr>
+              <a:endParaRPr lang="en-US" altLang="ko-KR" sz="2000" dirty="0">
                 <a:latin typeface="나눔스퀘어 Bold" panose="020B0600000101010101" pitchFamily="50" charset="-127"/>
                 <a:ea typeface="나눔스퀘어 Bold" panose="020B0600000101010101" pitchFamily="50" charset="-127"/>
-              </a:rPr>
-              <a:t>    </a:t>
-            </a:r>
-          </a:p>
-          <a:p>
-            <a:r>
-              <a:rPr lang="en-US" altLang="ko-KR" sz="1600" dirty="0">
+              </a:endParaRPr>
+            </a:p>
+            <a:p>
+              <a:pPr algn="ctr">
+                <a:lnSpc>
+                  <a:spcPct val="150000"/>
+                </a:lnSpc>
+              </a:pPr>
+              <a:r>
+                <a:rPr lang="en-US" altLang="ko-KR" sz="2000" dirty="0">
+                  <a:latin typeface="나눔스퀘어 Bold" panose="020B0600000101010101" pitchFamily="50" charset="-127"/>
+                  <a:ea typeface="나눔스퀘어 Bold" panose="020B0600000101010101" pitchFamily="50" charset="-127"/>
+                </a:rPr>
+                <a:t>	</a:t>
+              </a:r>
+            </a:p>
+            <a:p>
+              <a:pPr algn="ctr">
+                <a:lnSpc>
+                  <a:spcPct val="150000"/>
+                </a:lnSpc>
+              </a:pPr>
+              <a:r>
+                <a:rPr lang="en-US" altLang="ko-KR" sz="2000" dirty="0">
+                  <a:latin typeface="나눔스퀘어 Bold" panose="020B0600000101010101" pitchFamily="50" charset="-127"/>
+                  <a:ea typeface="나눔스퀘어 Bold" panose="020B0600000101010101" pitchFamily="50" charset="-127"/>
+                </a:rPr>
+                <a:t>                  </a:t>
+              </a:r>
+              <a:r>
+                <a:rPr lang="en-US" altLang="ko-KR" sz="1600" dirty="0">
+                  <a:latin typeface="나눔스퀘어 Bold" panose="020B0600000101010101" pitchFamily="50" charset="-127"/>
+                  <a:ea typeface="나눔스퀘어 Bold" panose="020B0600000101010101" pitchFamily="50" charset="-127"/>
+                </a:rPr>
+                <a:t>[1</a:t>
+              </a:r>
+              <a:r>
+                <a:rPr lang="ko-KR" altLang="en-US" sz="1600" dirty="0">
+                  <a:latin typeface="나눔스퀘어 Bold" panose="020B0600000101010101" pitchFamily="50" charset="-127"/>
+                  <a:ea typeface="나눔스퀘어 Bold" panose="020B0600000101010101" pitchFamily="50" charset="-127"/>
+                </a:rPr>
+                <a:t>월 </a:t>
+              </a:r>
+              <a:r>
+                <a:rPr lang="en-US" altLang="ko-KR" sz="1600" dirty="0">
+                  <a:latin typeface="나눔스퀘어 Bold" panose="020B0600000101010101" pitchFamily="50" charset="-127"/>
+                  <a:ea typeface="나눔스퀘어 Bold" panose="020B0600000101010101" pitchFamily="50" charset="-127"/>
+                </a:rPr>
+                <a:t>20</a:t>
+              </a:r>
+              <a:r>
+                <a:rPr lang="ko-KR" altLang="en-US" sz="1600" dirty="0">
+                  <a:latin typeface="나눔스퀘어 Bold" panose="020B0600000101010101" pitchFamily="50" charset="-127"/>
+                  <a:ea typeface="나눔스퀘어 Bold" panose="020B0600000101010101" pitchFamily="50" charset="-127"/>
+                </a:rPr>
+                <a:t>일</a:t>
+              </a:r>
+              <a:r>
+                <a:rPr lang="en-US" altLang="ko-KR" sz="1600" dirty="0">
+                  <a:latin typeface="나눔스퀘어 Bold" panose="020B0600000101010101" pitchFamily="50" charset="-127"/>
+                  <a:ea typeface="나눔스퀘어 Bold" panose="020B0600000101010101" pitchFamily="50" charset="-127"/>
+                </a:rPr>
+                <a:t>, </a:t>
+              </a:r>
+              <a:r>
+                <a:rPr lang="ko-KR" altLang="en-US" sz="1600" dirty="0">
+                  <a:latin typeface="나눔스퀘어 Bold" panose="020B0600000101010101" pitchFamily="50" charset="-127"/>
+                  <a:ea typeface="나눔스퀘어 Bold" panose="020B0600000101010101" pitchFamily="50" charset="-127"/>
+                </a:rPr>
+                <a:t>제주시 </a:t>
+              </a:r>
+              <a:r>
+                <a:rPr lang="ko-KR" altLang="en-US" sz="1600" dirty="0" err="1">
+                  <a:latin typeface="나눔스퀘어 Bold" panose="020B0600000101010101" pitchFamily="50" charset="-127"/>
+                  <a:ea typeface="나눔스퀘어 Bold" panose="020B0600000101010101" pitchFamily="50" charset="-127"/>
+                </a:rPr>
+                <a:t>첨단로</a:t>
+              </a:r>
+              <a:r>
+                <a:rPr lang="ko-KR" altLang="en-US" sz="1600" dirty="0">
+                  <a:latin typeface="나눔스퀘어 Bold" panose="020B0600000101010101" pitchFamily="50" charset="-127"/>
+                  <a:ea typeface="나눔스퀘어 Bold" panose="020B0600000101010101" pitchFamily="50" charset="-127"/>
+                </a:rPr>
+                <a:t> </a:t>
+              </a:r>
+              <a:r>
+                <a:rPr lang="en-US" altLang="ko-KR" sz="1600" dirty="0">
+                  <a:latin typeface="나눔스퀘어 Bold" panose="020B0600000101010101" pitchFamily="50" charset="-127"/>
+                  <a:ea typeface="나눔스퀘어 Bold" panose="020B0600000101010101" pitchFamily="50" charset="-127"/>
+                </a:rPr>
+                <a:t>241] </a:t>
+              </a:r>
+              <a:r>
+                <a:rPr lang="ko-KR" altLang="en-US" sz="1600" dirty="0">
+                  <a:latin typeface="나눔스퀘어 Bold" panose="020B0600000101010101" pitchFamily="50" charset="-127"/>
+                  <a:ea typeface="나눔스퀘어 Bold" panose="020B0600000101010101" pitchFamily="50" charset="-127"/>
+                </a:rPr>
+                <a:t>기준 추천하는 관광지</a:t>
+              </a:r>
+              <a:endParaRPr lang="en-US" altLang="ko-KR" dirty="0">
                 <a:latin typeface="나눔스퀘어 Bold" panose="020B0600000101010101" pitchFamily="50" charset="-127"/>
                 <a:ea typeface="나눔스퀘어 Bold" panose="020B0600000101010101" pitchFamily="50" charset="-127"/>
-              </a:rPr>
-              <a:t>                 </a:t>
-            </a:r>
-            <a:r>
-              <a:rPr lang="ko-KR" altLang="en-US" sz="1600" dirty="0">
+              </a:endParaRPr>
+            </a:p>
+            <a:p>
+              <a:pPr marL="1714500" lvl="3" indent="-342900">
+                <a:lnSpc>
+                  <a:spcPct val="150000"/>
+                </a:lnSpc>
+                <a:buAutoNum type="arabicPeriod"/>
+              </a:pPr>
+              <a:r>
+                <a:rPr lang="ko-KR" altLang="en-US" dirty="0">
+                  <a:latin typeface="나눔스퀘어 Bold" panose="020B0600000101010101" pitchFamily="50" charset="-127"/>
+                  <a:ea typeface="나눔스퀘어 Bold" panose="020B0600000101010101" pitchFamily="50" charset="-127"/>
+                </a:rPr>
+                <a:t>한라산</a:t>
+              </a:r>
+              <a:endParaRPr lang="en-US" altLang="ko-KR" dirty="0">
                 <a:latin typeface="나눔스퀘어 Bold" panose="020B0600000101010101" pitchFamily="50" charset="-127"/>
                 <a:ea typeface="나눔스퀘어 Bold" panose="020B0600000101010101" pitchFamily="50" charset="-127"/>
-              </a:rPr>
-              <a:t>결과 출력 예</a:t>
-            </a:r>
-            <a:r>
-              <a:rPr lang="en-US" altLang="ko-KR" sz="1600" dirty="0">
+              </a:endParaRPr>
+            </a:p>
+            <a:p>
+              <a:pPr marL="1714500" lvl="3" indent="-342900">
+                <a:lnSpc>
+                  <a:spcPct val="150000"/>
+                </a:lnSpc>
+                <a:buAutoNum type="arabicPeriod"/>
+              </a:pPr>
+              <a:r>
+                <a:rPr lang="ko-KR" altLang="en-US" dirty="0" err="1">
+                  <a:latin typeface="나눔스퀘어 Bold" panose="020B0600000101010101" pitchFamily="50" charset="-127"/>
+                  <a:ea typeface="나눔스퀘어 Bold" panose="020B0600000101010101" pitchFamily="50" charset="-127"/>
+                </a:rPr>
+                <a:t>산굼부리</a:t>
+              </a:r>
+              <a:endParaRPr lang="en-US" altLang="ko-KR" dirty="0">
                 <a:latin typeface="나눔스퀘어 Bold" panose="020B0600000101010101" pitchFamily="50" charset="-127"/>
                 <a:ea typeface="나눔스퀘어 Bold" panose="020B0600000101010101" pitchFamily="50" charset="-127"/>
-              </a:rPr>
-              <a:t>)</a:t>
-            </a:r>
-          </a:p>
-          <a:p>
-            <a:pPr algn="ctr">
-              <a:lnSpc>
-                <a:spcPct val="150000"/>
-              </a:lnSpc>
-            </a:pPr>
-            <a:r>
-              <a:rPr lang="en-US" altLang="ko-KR" sz="2000" dirty="0">
+              </a:endParaRPr>
+            </a:p>
+            <a:p>
+              <a:pPr marL="1714500" lvl="3" indent="-342900">
+                <a:lnSpc>
+                  <a:spcPct val="150000"/>
+                </a:lnSpc>
+                <a:buAutoNum type="arabicPeriod"/>
+              </a:pPr>
+              <a:r>
+                <a:rPr lang="ko-KR" altLang="en-US" dirty="0" err="1">
+                  <a:latin typeface="나눔스퀘어 Bold" panose="020B0600000101010101" pitchFamily="50" charset="-127"/>
+                  <a:ea typeface="나눔스퀘어 Bold" panose="020B0600000101010101" pitchFamily="50" charset="-127"/>
+                </a:rPr>
+                <a:t>함덕해수욕장</a:t>
+              </a:r>
+              <a:endParaRPr lang="en-US" altLang="ko-KR" dirty="0">
                 <a:latin typeface="나눔스퀘어 Bold" panose="020B0600000101010101" pitchFamily="50" charset="-127"/>
                 <a:ea typeface="나눔스퀘어 Bold" panose="020B0600000101010101" pitchFamily="50" charset="-127"/>
-              </a:rPr>
-              <a:t>	</a:t>
-            </a:r>
-          </a:p>
-          <a:p>
-            <a:pPr algn="ctr">
-              <a:lnSpc>
-                <a:spcPct val="150000"/>
-              </a:lnSpc>
-            </a:pPr>
-            <a:r>
-              <a:rPr lang="en-US" altLang="ko-KR" sz="2000" dirty="0">
+              </a:endParaRPr>
+            </a:p>
+            <a:p>
+              <a:pPr marL="1714500" lvl="3" indent="-342900">
+                <a:lnSpc>
+                  <a:spcPct val="150000"/>
+                </a:lnSpc>
+                <a:buAutoNum type="arabicPeriod"/>
+              </a:pPr>
+              <a:r>
+                <a:rPr lang="ko-KR" altLang="en-US" dirty="0" err="1">
+                  <a:latin typeface="나눔스퀘어 Bold" panose="020B0600000101010101" pitchFamily="50" charset="-127"/>
+                  <a:ea typeface="나눔스퀘어 Bold" panose="020B0600000101010101" pitchFamily="50" charset="-127"/>
+                </a:rPr>
+                <a:t>삼성혈</a:t>
+              </a:r>
+              <a:endParaRPr lang="en-US" altLang="ko-KR" dirty="0">
                 <a:latin typeface="나눔스퀘어 Bold" panose="020B0600000101010101" pitchFamily="50" charset="-127"/>
                 <a:ea typeface="나눔스퀘어 Bold" panose="020B0600000101010101" pitchFamily="50" charset="-127"/>
-              </a:rPr>
-              <a:t>                  </a:t>
-            </a:r>
-            <a:r>
-              <a:rPr lang="en-US" altLang="ko-KR" sz="1600" dirty="0">
+              </a:endParaRPr>
+            </a:p>
+            <a:p>
+              <a:pPr marL="1714500" lvl="3" indent="-342900">
+                <a:lnSpc>
+                  <a:spcPct val="150000"/>
+                </a:lnSpc>
+                <a:buAutoNum type="arabicPeriod"/>
+              </a:pPr>
+              <a:r>
+                <a:rPr lang="ko-KR" altLang="en-US" dirty="0">
+                  <a:latin typeface="나눔스퀘어 Bold" panose="020B0600000101010101" pitchFamily="50" charset="-127"/>
+                  <a:ea typeface="나눔스퀘어 Bold" panose="020B0600000101010101" pitchFamily="50" charset="-127"/>
+                </a:rPr>
+                <a:t>성산일출봉</a:t>
+              </a:r>
+              <a:endParaRPr lang="en-US" altLang="ko-KR" dirty="0">
                 <a:latin typeface="나눔스퀘어 Bold" panose="020B0600000101010101" pitchFamily="50" charset="-127"/>
                 <a:ea typeface="나눔스퀘어 Bold" panose="020B0600000101010101" pitchFamily="50" charset="-127"/>
-              </a:rPr>
-              <a:t>[1</a:t>
-            </a:r>
-            <a:r>
-              <a:rPr lang="ko-KR" altLang="en-US" sz="1600" dirty="0">
-                <a:latin typeface="나눔스퀘어 Bold" panose="020B0600000101010101" pitchFamily="50" charset="-127"/>
-                <a:ea typeface="나눔스퀘어 Bold" panose="020B0600000101010101" pitchFamily="50" charset="-127"/>
-              </a:rPr>
-              <a:t>월 </a:t>
-            </a:r>
-            <a:r>
-              <a:rPr lang="en-US" altLang="ko-KR" sz="1600" dirty="0">
-                <a:latin typeface="나눔스퀘어 Bold" panose="020B0600000101010101" pitchFamily="50" charset="-127"/>
-                <a:ea typeface="나눔스퀘어 Bold" panose="020B0600000101010101" pitchFamily="50" charset="-127"/>
-              </a:rPr>
-              <a:t>20</a:t>
-            </a:r>
-            <a:r>
-              <a:rPr lang="ko-KR" altLang="en-US" sz="1600" dirty="0">
-                <a:latin typeface="나눔스퀘어 Bold" panose="020B0600000101010101" pitchFamily="50" charset="-127"/>
-                <a:ea typeface="나눔스퀘어 Bold" panose="020B0600000101010101" pitchFamily="50" charset="-127"/>
-              </a:rPr>
-              <a:t>일</a:t>
-            </a:r>
-            <a:r>
-              <a:rPr lang="en-US" altLang="ko-KR" sz="1600" dirty="0">
-                <a:latin typeface="나눔스퀘어 Bold" panose="020B0600000101010101" pitchFamily="50" charset="-127"/>
-                <a:ea typeface="나눔스퀘어 Bold" panose="020B0600000101010101" pitchFamily="50" charset="-127"/>
-              </a:rPr>
-              <a:t>, </a:t>
-            </a:r>
-            <a:r>
-              <a:rPr lang="ko-KR" altLang="en-US" sz="1600" dirty="0">
-                <a:latin typeface="나눔스퀘어 Bold" panose="020B0600000101010101" pitchFamily="50" charset="-127"/>
-                <a:ea typeface="나눔스퀘어 Bold" panose="020B0600000101010101" pitchFamily="50" charset="-127"/>
-              </a:rPr>
-              <a:t>제주시 </a:t>
-            </a:r>
-            <a:r>
-              <a:rPr lang="ko-KR" altLang="en-US" sz="1600" dirty="0" err="1">
-                <a:latin typeface="나눔스퀘어 Bold" panose="020B0600000101010101" pitchFamily="50" charset="-127"/>
-                <a:ea typeface="나눔스퀘어 Bold" panose="020B0600000101010101" pitchFamily="50" charset="-127"/>
-              </a:rPr>
-              <a:t>첨단로</a:t>
-            </a:r>
-            <a:r>
-              <a:rPr lang="ko-KR" altLang="en-US" sz="1600" dirty="0">
-                <a:latin typeface="나눔스퀘어 Bold" panose="020B0600000101010101" pitchFamily="50" charset="-127"/>
-                <a:ea typeface="나눔스퀘어 Bold" panose="020B0600000101010101" pitchFamily="50" charset="-127"/>
-              </a:rPr>
-              <a:t> </a:t>
-            </a:r>
-            <a:r>
-              <a:rPr lang="en-US" altLang="ko-KR" sz="1600" dirty="0">
-                <a:latin typeface="나눔스퀘어 Bold" panose="020B0600000101010101" pitchFamily="50" charset="-127"/>
-                <a:ea typeface="나눔스퀘어 Bold" panose="020B0600000101010101" pitchFamily="50" charset="-127"/>
-              </a:rPr>
-              <a:t>241] </a:t>
-            </a:r>
-            <a:r>
-              <a:rPr lang="ko-KR" altLang="en-US" sz="1600" dirty="0">
-                <a:latin typeface="나눔스퀘어 Bold" panose="020B0600000101010101" pitchFamily="50" charset="-127"/>
-                <a:ea typeface="나눔스퀘어 Bold" panose="020B0600000101010101" pitchFamily="50" charset="-127"/>
-              </a:rPr>
-              <a:t>기준 추천하는 관광지</a:t>
-            </a:r>
-            <a:endParaRPr lang="en-US" altLang="ko-KR" dirty="0">
-              <a:latin typeface="나눔스퀘어 Bold" panose="020B0600000101010101" pitchFamily="50" charset="-127"/>
-              <a:ea typeface="나눔스퀘어 Bold" panose="020B0600000101010101" pitchFamily="50" charset="-127"/>
-            </a:endParaRPr>
-          </a:p>
-          <a:p>
-            <a:pPr marL="1714500" lvl="3" indent="-342900">
-              <a:lnSpc>
-                <a:spcPct val="150000"/>
-              </a:lnSpc>
-              <a:buAutoNum type="arabicPeriod"/>
-            </a:pPr>
-            <a:r>
-              <a:rPr lang="ko-KR" altLang="en-US" dirty="0">
-                <a:latin typeface="나눔스퀘어 Bold" panose="020B0600000101010101" pitchFamily="50" charset="-127"/>
-                <a:ea typeface="나눔스퀘어 Bold" panose="020B0600000101010101" pitchFamily="50" charset="-127"/>
-              </a:rPr>
-              <a:t>한라산</a:t>
-            </a:r>
-            <a:endParaRPr lang="en-US" altLang="ko-KR" dirty="0">
-              <a:latin typeface="나눔스퀘어 Bold" panose="020B0600000101010101" pitchFamily="50" charset="-127"/>
-              <a:ea typeface="나눔스퀘어 Bold" panose="020B0600000101010101" pitchFamily="50" charset="-127"/>
-            </a:endParaRPr>
-          </a:p>
-          <a:p>
-            <a:pPr marL="1714500" lvl="3" indent="-342900">
-              <a:lnSpc>
-                <a:spcPct val="150000"/>
-              </a:lnSpc>
-              <a:buAutoNum type="arabicPeriod"/>
-            </a:pPr>
-            <a:r>
-              <a:rPr lang="ko-KR" altLang="en-US" dirty="0" err="1">
-                <a:latin typeface="나눔스퀘어 Bold" panose="020B0600000101010101" pitchFamily="50" charset="-127"/>
-                <a:ea typeface="나눔스퀘어 Bold" panose="020B0600000101010101" pitchFamily="50" charset="-127"/>
-              </a:rPr>
-              <a:t>산굼부리</a:t>
-            </a:r>
-            <a:endParaRPr lang="en-US" altLang="ko-KR" dirty="0">
-              <a:latin typeface="나눔스퀘어 Bold" panose="020B0600000101010101" pitchFamily="50" charset="-127"/>
-              <a:ea typeface="나눔스퀘어 Bold" panose="020B0600000101010101" pitchFamily="50" charset="-127"/>
-            </a:endParaRPr>
-          </a:p>
-          <a:p>
-            <a:pPr marL="1714500" lvl="3" indent="-342900">
-              <a:lnSpc>
-                <a:spcPct val="150000"/>
-              </a:lnSpc>
-              <a:buAutoNum type="arabicPeriod"/>
-            </a:pPr>
-            <a:r>
-              <a:rPr lang="ko-KR" altLang="en-US" dirty="0" err="1">
-                <a:latin typeface="나눔스퀘어 Bold" panose="020B0600000101010101" pitchFamily="50" charset="-127"/>
-                <a:ea typeface="나눔스퀘어 Bold" panose="020B0600000101010101" pitchFamily="50" charset="-127"/>
-              </a:rPr>
-              <a:t>함덕해수욕장</a:t>
-            </a:r>
-            <a:endParaRPr lang="en-US" altLang="ko-KR" dirty="0">
-              <a:latin typeface="나눔스퀘어 Bold" panose="020B0600000101010101" pitchFamily="50" charset="-127"/>
-              <a:ea typeface="나눔스퀘어 Bold" panose="020B0600000101010101" pitchFamily="50" charset="-127"/>
-            </a:endParaRPr>
-          </a:p>
-          <a:p>
-            <a:pPr marL="1714500" lvl="3" indent="-342900">
-              <a:lnSpc>
-                <a:spcPct val="150000"/>
-              </a:lnSpc>
-              <a:buAutoNum type="arabicPeriod"/>
-            </a:pPr>
-            <a:r>
-              <a:rPr lang="ko-KR" altLang="en-US" dirty="0" err="1">
-                <a:latin typeface="나눔스퀘어 Bold" panose="020B0600000101010101" pitchFamily="50" charset="-127"/>
-                <a:ea typeface="나눔스퀘어 Bold" panose="020B0600000101010101" pitchFamily="50" charset="-127"/>
-              </a:rPr>
-              <a:t>삼성혈</a:t>
-            </a:r>
-            <a:endParaRPr lang="en-US" altLang="ko-KR" dirty="0">
-              <a:latin typeface="나눔스퀘어 Bold" panose="020B0600000101010101" pitchFamily="50" charset="-127"/>
-              <a:ea typeface="나눔스퀘어 Bold" panose="020B0600000101010101" pitchFamily="50" charset="-127"/>
-            </a:endParaRPr>
-          </a:p>
-          <a:p>
-            <a:pPr marL="1714500" lvl="3" indent="-342900">
-              <a:lnSpc>
-                <a:spcPct val="150000"/>
-              </a:lnSpc>
-              <a:buAutoNum type="arabicPeriod"/>
-            </a:pPr>
-            <a:r>
-              <a:rPr lang="ko-KR" altLang="en-US" dirty="0">
-                <a:latin typeface="나눔스퀘어 Bold" panose="020B0600000101010101" pitchFamily="50" charset="-127"/>
-                <a:ea typeface="나눔스퀘어 Bold" panose="020B0600000101010101" pitchFamily="50" charset="-127"/>
-              </a:rPr>
-              <a:t>성산일출봉</a:t>
-            </a:r>
-            <a:endParaRPr lang="en-US" altLang="ko-KR" dirty="0">
-              <a:latin typeface="나눔스퀘어 Bold" panose="020B0600000101010101" pitchFamily="50" charset="-127"/>
-              <a:ea typeface="나눔스퀘어 Bold" panose="020B0600000101010101" pitchFamily="50" charset="-127"/>
-            </a:endParaRPr>
-          </a:p>
-        </p:txBody>
-      </p:sp>
+              </a:endParaRPr>
+            </a:p>
+          </p:txBody>
+        </p:sp>
+      </p:grpSp>
       <p:pic>
         <p:nvPicPr>
           <p:cNvPr id="8" name="그림 7">
@@ -5791,7 +5898,7 @@
         </p:blipFill>
         <p:spPr>
           <a:xfrm>
-            <a:off x="6278700" y="1877047"/>
+            <a:off x="6278700" y="2229589"/>
             <a:ext cx="5583560" cy="3210373"/>
           </a:xfrm>
           <a:prstGeom prst="rect">
@@ -5801,10 +5908,10 @@
       </p:pic>
       <p:sp>
         <p:nvSpPr>
-          <p:cNvPr id="9" name="화살표: 아래쪽 8">
+          <p:cNvPr id="17" name="화살표: 아래쪽 16">
             <a:extLst>
               <a:ext uri="{FF2B5EF4-FFF2-40B4-BE49-F238E27FC236}">
-                <a16:creationId xmlns:a16="http://schemas.microsoft.com/office/drawing/2014/main" id="{691C0D5F-F13C-430A-9DFD-FC6BE58D3562}"/>
+                <a16:creationId xmlns:a16="http://schemas.microsoft.com/office/drawing/2014/main" id="{715C4BD5-22EA-4FDB-B28B-E80239B454DE}"/>
               </a:ext>
             </a:extLst>
           </p:cNvPr>
@@ -5813,8 +5920,8 @@
         </p:nvSpPr>
         <p:spPr>
           <a:xfrm>
-            <a:off x="8551058" y="2676905"/>
-            <a:ext cx="675569" cy="716692"/>
+            <a:off x="11565698" y="3037632"/>
+            <a:ext cx="296562" cy="345989"/>
           </a:xfrm>
           <a:prstGeom prst="downArrow">
             <a:avLst/>
@@ -5822,6 +5929,9 @@
           <a:solidFill>
             <a:srgbClr val="FF0000"/>
           </a:solidFill>
+          <a:ln>
+            <a:noFill/>
+          </a:ln>
         </p:spPr>
         <p:style>
           <a:lnRef idx="2">
@@ -5844,16 +5954,16 @@
           <a:lstStyle/>
           <a:p>
             <a:pPr algn="ctr"/>
-            <a:endParaRPr lang="ko-KR" altLang="en-US" dirty="0"/>
+            <a:endParaRPr lang="ko-KR" altLang="en-US"/>
           </a:p>
         </p:txBody>
       </p:sp>
       <p:sp>
         <p:nvSpPr>
-          <p:cNvPr id="10" name="화살표: 아래쪽 9">
+          <p:cNvPr id="18" name="화살표: 아래쪽 17">
             <a:extLst>
               <a:ext uri="{FF2B5EF4-FFF2-40B4-BE49-F238E27FC236}">
-                <a16:creationId xmlns:a16="http://schemas.microsoft.com/office/drawing/2014/main" id="{D2F65224-489C-4C34-9033-8F5683D9E6D1}"/>
+                <a16:creationId xmlns:a16="http://schemas.microsoft.com/office/drawing/2014/main" id="{0CB1EC5B-5374-40A7-B36C-6E99FF85FECE}"/>
               </a:ext>
             </a:extLst>
           </p:cNvPr>
@@ -5862,7 +5972,7 @@
         </p:nvSpPr>
         <p:spPr>
           <a:xfrm>
-            <a:off x="10089279" y="1600688"/>
+            <a:off x="8930065" y="2846589"/>
             <a:ext cx="296562" cy="345989"/>
           </a:xfrm>
           <a:prstGeom prst="downArrow">
@@ -5871,6 +5981,9 @@
           <a:solidFill>
             <a:srgbClr val="FF0000"/>
           </a:solidFill>
+          <a:ln>
+            <a:noFill/>
+          </a:ln>
         </p:spPr>
         <p:style>
           <a:lnRef idx="2">
@@ -5899,10 +6012,10 @@
       </p:sp>
       <p:sp>
         <p:nvSpPr>
-          <p:cNvPr id="17" name="화살표: 아래쪽 16">
+          <p:cNvPr id="19" name="화살표: 아래쪽 18">
             <a:extLst>
               <a:ext uri="{FF2B5EF4-FFF2-40B4-BE49-F238E27FC236}">
-                <a16:creationId xmlns:a16="http://schemas.microsoft.com/office/drawing/2014/main" id="{715C4BD5-22EA-4FDB-B28B-E80239B454DE}"/>
+                <a16:creationId xmlns:a16="http://schemas.microsoft.com/office/drawing/2014/main" id="{912C1341-9F8A-4B85-B1AE-16D140969C16}"/>
               </a:ext>
             </a:extLst>
           </p:cNvPr>
@@ -5911,7 +6024,7 @@
         </p:nvSpPr>
         <p:spPr>
           <a:xfrm>
-            <a:off x="11565698" y="2244418"/>
+            <a:off x="9837474" y="3482476"/>
             <a:ext cx="296562" cy="345989"/>
           </a:xfrm>
           <a:prstGeom prst="downArrow">
@@ -5920,6 +6033,9 @@
           <a:solidFill>
             <a:srgbClr val="FF0000"/>
           </a:solidFill>
+          <a:ln>
+            <a:noFill/>
+          </a:ln>
         </p:spPr>
         <p:style>
           <a:lnRef idx="2">
@@ -5948,10 +6064,10 @@
       </p:sp>
       <p:sp>
         <p:nvSpPr>
-          <p:cNvPr id="18" name="화살표: 아래쪽 17">
+          <p:cNvPr id="11" name="화살표: 아래쪽 10">
             <a:extLst>
               <a:ext uri="{FF2B5EF4-FFF2-40B4-BE49-F238E27FC236}">
-                <a16:creationId xmlns:a16="http://schemas.microsoft.com/office/drawing/2014/main" id="{0CB1EC5B-5374-40A7-B36C-6E99FF85FECE}"/>
+                <a16:creationId xmlns:a16="http://schemas.microsoft.com/office/drawing/2014/main" id="{60360C84-1042-42AC-B79B-00F612720F4D}"/>
               </a:ext>
             </a:extLst>
           </p:cNvPr>
@@ -5960,7 +6076,7 @@
         </p:nvSpPr>
         <p:spPr>
           <a:xfrm>
-            <a:off x="8930065" y="2053375"/>
+            <a:off x="8847828" y="3828465"/>
             <a:ext cx="296562" cy="345989"/>
           </a:xfrm>
           <a:prstGeom prst="downArrow">
@@ -5969,6 +6085,9 @@
           <a:solidFill>
             <a:srgbClr val="FF0000"/>
           </a:solidFill>
+          <a:ln>
+            <a:noFill/>
+          </a:ln>
         </p:spPr>
         <p:style>
           <a:lnRef idx="2">
@@ -5997,10 +6116,10 @@
       </p:sp>
       <p:sp>
         <p:nvSpPr>
-          <p:cNvPr id="19" name="화살표: 아래쪽 18">
+          <p:cNvPr id="12" name="화살표: 아래쪽 11">
             <a:extLst>
               <a:ext uri="{FF2B5EF4-FFF2-40B4-BE49-F238E27FC236}">
-                <a16:creationId xmlns:a16="http://schemas.microsoft.com/office/drawing/2014/main" id="{912C1341-9F8A-4B85-B1AE-16D140969C16}"/>
+                <a16:creationId xmlns:a16="http://schemas.microsoft.com/office/drawing/2014/main" id="{C865A064-C3E1-4570-B35A-805E9A012C93}"/>
               </a:ext>
             </a:extLst>
           </p:cNvPr>
@@ -6009,7 +6128,7 @@
         </p:nvSpPr>
         <p:spPr>
           <a:xfrm>
-            <a:off x="9837474" y="2689262"/>
+            <a:off x="10099600" y="2501322"/>
             <a:ext cx="296562" cy="345989"/>
           </a:xfrm>
           <a:prstGeom prst="downArrow">
@@ -6018,6 +6137,110 @@
           <a:solidFill>
             <a:srgbClr val="FF0000"/>
           </a:solidFill>
+          <a:ln>
+            <a:noFill/>
+          </a:ln>
+        </p:spPr>
+        <p:style>
+          <a:lnRef idx="2">
+            <a:schemeClr val="accent1">
+              <a:shade val="50000"/>
+            </a:schemeClr>
+          </a:lnRef>
+          <a:fillRef idx="1">
+            <a:schemeClr val="accent1"/>
+          </a:fillRef>
+          <a:effectRef idx="0">
+            <a:schemeClr val="accent1"/>
+          </a:effectRef>
+          <a:fontRef idx="minor">
+            <a:schemeClr val="lt1"/>
+          </a:fontRef>
+        </p:style>
+        <p:txBody>
+          <a:bodyPr rtlCol="0" anchor="ctr"/>
+          <a:lstStyle/>
+          <a:p>
+            <a:pPr algn="ctr"/>
+            <a:endParaRPr lang="ko-KR" altLang="en-US"/>
+          </a:p>
+        </p:txBody>
+      </p:sp>
+      <p:sp>
+        <p:nvSpPr>
+          <p:cNvPr id="3" name="TextBox 2">
+            <a:extLst>
+              <a:ext uri="{FF2B5EF4-FFF2-40B4-BE49-F238E27FC236}">
+                <a16:creationId xmlns:a16="http://schemas.microsoft.com/office/drawing/2014/main" id="{6F181A47-B4A9-48D6-8CFD-D7BD0166BCC5}"/>
+              </a:ext>
+            </a:extLst>
+          </p:cNvPr>
+          <p:cNvSpPr txBox="1"/>
+          <p:nvPr/>
+        </p:nvSpPr>
+        <p:spPr>
+          <a:xfrm>
+            <a:off x="838199" y="1411637"/>
+            <a:ext cx="1947969" cy="584775"/>
+          </a:xfrm>
+          <a:prstGeom prst="rect">
+            <a:avLst/>
+          </a:prstGeom>
+          <a:noFill/>
+        </p:spPr>
+        <p:txBody>
+          <a:bodyPr wrap="none" rtlCol="0">
+            <a:spAutoFit/>
+          </a:bodyPr>
+          <a:lstStyle/>
+          <a:p>
+            <a:r>
+              <a:rPr lang="ko-KR" altLang="en-US" sz="3200" dirty="0">
+                <a:latin typeface="나눔스퀘어_ac ExtraBold" panose="020B0600000101010101" pitchFamily="50" charset="-127"/>
+                <a:ea typeface="나눔스퀘어_ac ExtraBold" panose="020B0600000101010101" pitchFamily="50" charset="-127"/>
+              </a:rPr>
+              <a:t>출력 예시 </a:t>
+            </a:r>
+            <a:r>
+              <a:rPr lang="en-US" altLang="ko-KR" sz="3200" dirty="0">
+                <a:latin typeface="나눔스퀘어_ac ExtraBold" panose="020B0600000101010101" pitchFamily="50" charset="-127"/>
+                <a:ea typeface="나눔스퀘어_ac ExtraBold" panose="020B0600000101010101" pitchFamily="50" charset="-127"/>
+              </a:rPr>
+              <a:t>)</a:t>
+            </a:r>
+            <a:endParaRPr lang="ko-KR" altLang="en-US" sz="3200" dirty="0">
+              <a:latin typeface="나눔스퀘어_ac ExtraBold" panose="020B0600000101010101" pitchFamily="50" charset="-127"/>
+              <a:ea typeface="나눔스퀘어_ac ExtraBold" panose="020B0600000101010101" pitchFamily="50" charset="-127"/>
+            </a:endParaRPr>
+          </a:p>
+        </p:txBody>
+      </p:sp>
+      <p:sp>
+        <p:nvSpPr>
+          <p:cNvPr id="20" name="화살표: 아래쪽 19">
+            <a:extLst>
+              <a:ext uri="{FF2B5EF4-FFF2-40B4-BE49-F238E27FC236}">
+                <a16:creationId xmlns:a16="http://schemas.microsoft.com/office/drawing/2014/main" id="{6B59CBED-DFDE-441A-A9FE-475ED582CF08}"/>
+              </a:ext>
+            </a:extLst>
+          </p:cNvPr>
+          <p:cNvSpPr/>
+          <p:nvPr/>
+        </p:nvSpPr>
+        <p:spPr>
+          <a:xfrm>
+            <a:off x="9689193" y="2964298"/>
+            <a:ext cx="296562" cy="345989"/>
+          </a:xfrm>
+          <a:prstGeom prst="downArrow">
+            <a:avLst/>
+          </a:prstGeom>
+          <a:solidFill>
+            <a:schemeClr val="tx1"/>
+          </a:solidFill>
+          <a:ln>
+            <a:noFill/>
+          </a:ln>
         </p:spPr>
         <p:style>
           <a:lnRef idx="2">
@@ -6104,7 +6327,7 @@
             </a:r>
             <a:r>
               <a:rPr lang="ko-KR" altLang="en-US" dirty="0"/>
-              <a:t> 조원 소개</a:t>
+              <a:t> 프로젝트 인원 소개</a:t>
             </a:r>
           </a:p>
         </p:txBody>
@@ -6169,7 +6392,7 @@
             </a:r>
             <a:r>
               <a:rPr lang="ko-KR" altLang="en-US" dirty="0"/>
-              <a:t>조원 소개</a:t>
+              <a:t>프로젝트 인원 소개</a:t>
             </a:r>
           </a:p>
         </p:txBody>
@@ -9376,7 +9599,7 @@
         </p:spPr>
         <p:txBody>
           <a:bodyPr wrap="square" rtlCol="0">
-            <a:spAutoFit/>
+            <a:noAutofit/>
           </a:bodyPr>
           <a:lstStyle/>
           <a:p>
@@ -9386,13 +9609,27 @@
               </a:lnSpc>
             </a:pPr>
             <a:r>
-              <a:rPr lang="ko-KR" altLang="en-US" sz="2400" spc="-50" dirty="0">
+              <a:rPr lang="ko-KR" altLang="en-US" sz="1600" spc="-50" dirty="0">
                 <a:latin typeface="나눔스퀘어 Bold" panose="020B0600000101010101" pitchFamily="50" charset="-127"/>
                 <a:ea typeface="나눔스퀘어 Bold" panose="020B0600000101010101" pitchFamily="50" charset="-127"/>
               </a:rPr>
-              <a:t>조장</a:t>
-            </a:r>
-            <a:endParaRPr lang="en-US" altLang="ko-KR" sz="2400" spc="-50" dirty="0">
+              <a:t>날씨</a:t>
+            </a:r>
+            <a:r>
+              <a:rPr lang="en-US" altLang="ko-KR" sz="1600" spc="-50" dirty="0">
+                <a:latin typeface="나눔스퀘어 Bold" panose="020B0600000101010101" pitchFamily="50" charset="-127"/>
+                <a:ea typeface="나눔스퀘어 Bold" panose="020B0600000101010101" pitchFamily="50" charset="-127"/>
+              </a:rPr>
+              <a:t> </a:t>
+            </a:r>
+            <a:r>
+              <a:rPr lang="ko-KR" altLang="en-US" sz="1600" spc="-50" dirty="0">
+                <a:latin typeface="나눔스퀘어 Bold" panose="020B0600000101010101" pitchFamily="50" charset="-127"/>
+                <a:ea typeface="나눔스퀘어 Bold" panose="020B0600000101010101" pitchFamily="50" charset="-127"/>
+              </a:rPr>
+              <a:t>자료 수집 및 분석</a:t>
+            </a:r>
+            <a:endParaRPr lang="en-US" altLang="ko-KR" sz="1600" spc="-50" dirty="0">
               <a:latin typeface="나눔스퀘어 Bold" panose="020B0600000101010101" pitchFamily="50" charset="-127"/>
               <a:ea typeface="나눔스퀘어 Bold" panose="020B0600000101010101" pitchFamily="50" charset="-127"/>
             </a:endParaRPr>
@@ -9404,13 +9641,13 @@
               </a:lnSpc>
             </a:pPr>
             <a:r>
-              <a:rPr lang="ko-KR" altLang="en-US" sz="2400" spc="-50" dirty="0">
+              <a:rPr lang="ko-KR" altLang="en-US" sz="1600" spc="-50" dirty="0">
                 <a:latin typeface="나눔스퀘어 Bold" panose="020B0600000101010101" pitchFamily="50" charset="-127"/>
                 <a:ea typeface="나눔스퀘어 Bold" panose="020B0600000101010101" pitchFamily="50" charset="-127"/>
               </a:rPr>
-              <a:t>자료 수집 및 분석</a:t>
-            </a:r>
-            <a:endParaRPr lang="en-US" altLang="ko-KR" sz="2400" spc="-50" dirty="0">
+              <a:t>날씨 군집화 모델 생성</a:t>
+            </a:r>
+            <a:endParaRPr lang="en-US" altLang="ko-KR" sz="1600" spc="-50" dirty="0">
               <a:latin typeface="나눔스퀘어 Bold" panose="020B0600000101010101" pitchFamily="50" charset="-127"/>
               <a:ea typeface="나눔스퀘어 Bold" panose="020B0600000101010101" pitchFamily="50" charset="-127"/>
             </a:endParaRPr>
@@ -9422,13 +9659,13 @@
               </a:lnSpc>
             </a:pPr>
             <a:r>
-              <a:rPr lang="ko-KR" altLang="en-US" sz="2400" spc="-50" dirty="0">
+              <a:rPr lang="ko-KR" altLang="en-US" sz="1600" spc="-50" dirty="0">
                 <a:latin typeface="나눔스퀘어 Bold" panose="020B0600000101010101" pitchFamily="50" charset="-127"/>
                 <a:ea typeface="나눔스퀘어 Bold" panose="020B0600000101010101" pitchFamily="50" charset="-127"/>
               </a:rPr>
-              <a:t>날씨 모델</a:t>
-            </a:r>
-            <a:endParaRPr lang="en-US" altLang="ko-KR" sz="2400" spc="-50" dirty="0">
+              <a:t>추천 관광지 모델 생성</a:t>
+            </a:r>
+            <a:endParaRPr lang="en-US" altLang="ko-KR" sz="1600" spc="-50" dirty="0">
               <a:latin typeface="나눔스퀘어 Bold" panose="020B0600000101010101" pitchFamily="50" charset="-127"/>
               <a:ea typeface="나눔스퀘어 Bold" panose="020B0600000101010101" pitchFamily="50" charset="-127"/>
             </a:endParaRPr>
@@ -9637,62 +9874,49 @@
         </p:spPr>
         <p:txBody>
           <a:bodyPr wrap="square" rtlCol="0">
-            <a:spAutoFit/>
+            <a:noAutofit/>
           </a:bodyPr>
-          <a:lstStyle/>
-          <a:p>
-            <a:pPr algn="ctr">
+          <a:lstStyle>
+            <a:defPPr>
+              <a:defRPr lang="ko-KR"/>
+            </a:defPPr>
+            <a:lvl1pPr algn="ctr">
               <a:lnSpc>
                 <a:spcPct val="150000"/>
               </a:lnSpc>
-            </a:pPr>
-            <a:r>
-              <a:rPr lang="ko-KR" altLang="en-US" sz="2400" spc="-50" dirty="0">
+              <a:defRPr spc="-50">
                 <a:latin typeface="나눔스퀘어 Bold" panose="020B0600000101010101" pitchFamily="50" charset="-127"/>
                 <a:ea typeface="나눔스퀘어 Bold" panose="020B0600000101010101" pitchFamily="50" charset="-127"/>
-              </a:rPr>
+              </a:defRPr>
+            </a:lvl1pPr>
+          </a:lstStyle>
+          <a:p>
+            <a:r>
+              <a:rPr lang="ko-KR" altLang="en-US" sz="1600" dirty="0"/>
+              <a:t>위치 자료 수집</a:t>
+            </a:r>
+            <a:endParaRPr lang="en-US" altLang="ko-KR" sz="1600" dirty="0"/>
+          </a:p>
+          <a:p>
+            <a:r>
+              <a:rPr lang="ko-KR" altLang="en-US" sz="1600" dirty="0"/>
+              <a:t>거리 계산 모델 생성</a:t>
+            </a:r>
+            <a:endParaRPr lang="en-US" altLang="ko-KR" sz="1600" dirty="0"/>
+          </a:p>
+          <a:p>
+            <a:r>
+              <a:rPr lang="ko-KR" altLang="en-US" sz="1600" dirty="0"/>
+              <a:t>추천 관광지 모델 생성</a:t>
+            </a:r>
+            <a:endParaRPr lang="en-US" altLang="ko-KR" sz="1600" dirty="0"/>
+          </a:p>
+          <a:p>
+            <a:r>
+              <a:rPr lang="ko-KR" altLang="en-US" sz="1600" dirty="0"/>
               <a:t>발표</a:t>
             </a:r>
-            <a:endParaRPr lang="en-US" altLang="ko-KR" sz="2400" spc="-50" dirty="0">
-              <a:latin typeface="나눔스퀘어 Bold" panose="020B0600000101010101" pitchFamily="50" charset="-127"/>
-              <a:ea typeface="나눔스퀘어 Bold" panose="020B0600000101010101" pitchFamily="50" charset="-127"/>
-            </a:endParaRPr>
-          </a:p>
-          <a:p>
-            <a:pPr algn="ctr">
-              <a:lnSpc>
-                <a:spcPct val="150000"/>
-              </a:lnSpc>
-            </a:pPr>
-            <a:r>
-              <a:rPr lang="ko-KR" altLang="en-US" sz="2400" spc="-50" dirty="0">
-                <a:latin typeface="나눔스퀘어 Bold" panose="020B0600000101010101" pitchFamily="50" charset="-127"/>
-                <a:ea typeface="나눔스퀘어 Bold" panose="020B0600000101010101" pitchFamily="50" charset="-127"/>
-              </a:rPr>
-              <a:t>자료 수집 및 분석</a:t>
-            </a:r>
-            <a:endParaRPr lang="en-US" altLang="ko-KR" sz="2400" spc="-50" dirty="0">
-              <a:latin typeface="나눔스퀘어 Bold" panose="020B0600000101010101" pitchFamily="50" charset="-127"/>
-              <a:ea typeface="나눔스퀘어 Bold" panose="020B0600000101010101" pitchFamily="50" charset="-127"/>
-            </a:endParaRPr>
-          </a:p>
-          <a:p>
-            <a:pPr algn="ctr">
-              <a:lnSpc>
-                <a:spcPct val="150000"/>
-              </a:lnSpc>
-            </a:pPr>
-            <a:r>
-              <a:rPr lang="ko-KR" altLang="en-US" sz="2400" spc="-50" dirty="0">
-                <a:latin typeface="나눔스퀘어 Bold" panose="020B0600000101010101" pitchFamily="50" charset="-127"/>
-                <a:ea typeface="나눔스퀘어 Bold" panose="020B0600000101010101" pitchFamily="50" charset="-127"/>
-              </a:rPr>
-              <a:t>위치</a:t>
-            </a:r>
-            <a:endParaRPr lang="en-US" altLang="ko-KR" sz="2400" spc="-50" dirty="0">
-              <a:latin typeface="나눔스퀘어 Bold" panose="020B0600000101010101" pitchFamily="50" charset="-127"/>
-              <a:ea typeface="나눔스퀘어 Bold" panose="020B0600000101010101" pitchFamily="50" charset="-127"/>
-            </a:endParaRPr>
+            <a:endParaRPr lang="en-US" altLang="ko-KR" sz="1600" dirty="0"/>
           </a:p>
         </p:txBody>
       </p:sp>
@@ -9720,44 +9944,38 @@
         </p:spPr>
         <p:txBody>
           <a:bodyPr wrap="square" rtlCol="0">
-            <a:spAutoFit/>
+            <a:noAutofit/>
           </a:bodyPr>
-          <a:lstStyle/>
-          <a:p>
-            <a:pPr algn="ctr">
+          <a:lstStyle>
+            <a:defPPr>
+              <a:defRPr lang="ko-KR"/>
+            </a:defPPr>
+            <a:lvl1pPr algn="ctr">
               <a:lnSpc>
                 <a:spcPct val="150000"/>
               </a:lnSpc>
-            </a:pPr>
-            <a:r>
-              <a:rPr lang="ko-KR" altLang="en-US" sz="2400" spc="-50" dirty="0">
+              <a:defRPr spc="-50">
                 <a:latin typeface="나눔스퀘어 Bold" panose="020B0600000101010101" pitchFamily="50" charset="-127"/>
                 <a:ea typeface="나눔스퀘어 Bold" panose="020B0600000101010101" pitchFamily="50" charset="-127"/>
-              </a:rPr>
-              <a:t>자료 수집 및 분석</a:t>
-            </a:r>
-            <a:endParaRPr lang="en-US" altLang="ko-KR" sz="2400" spc="-50" dirty="0">
-              <a:latin typeface="나눔스퀘어 Bold" panose="020B0600000101010101" pitchFamily="50" charset="-127"/>
-              <a:ea typeface="나눔스퀘어 Bold" panose="020B0600000101010101" pitchFamily="50" charset="-127"/>
-            </a:endParaRPr>
-          </a:p>
-          <a:p>
-            <a:pPr algn="ctr">
-              <a:lnSpc>
-                <a:spcPct val="150000"/>
-              </a:lnSpc>
-            </a:pPr>
-            <a:r>
-              <a:rPr lang="ko-KR" altLang="en-US" sz="2400" spc="-50" dirty="0">
-                <a:latin typeface="나눔스퀘어 Bold" panose="020B0600000101010101" pitchFamily="50" charset="-127"/>
-                <a:ea typeface="나눔스퀘어 Bold" panose="020B0600000101010101" pitchFamily="50" charset="-127"/>
-              </a:rPr>
-              <a:t>만족도 분석</a:t>
-            </a:r>
-            <a:endParaRPr lang="en-US" altLang="ko-KR" sz="2400" spc="-50" dirty="0">
-              <a:latin typeface="나눔스퀘어 Bold" panose="020B0600000101010101" pitchFamily="50" charset="-127"/>
-              <a:ea typeface="나눔스퀘어 Bold" panose="020B0600000101010101" pitchFamily="50" charset="-127"/>
-            </a:endParaRPr>
+              </a:defRPr>
+            </a:lvl1pPr>
+          </a:lstStyle>
+          <a:p>
+            <a:r>
+              <a:rPr lang="ko-KR" altLang="en-US" sz="1600" dirty="0"/>
+              <a:t>만족도 자료 수집 및 분석</a:t>
+            </a:r>
+            <a:endParaRPr lang="en-US" altLang="ko-KR" sz="1600" dirty="0"/>
+          </a:p>
+          <a:p>
+            <a:r>
+              <a:rPr lang="ko-KR" altLang="en-US" sz="1600" dirty="0"/>
+              <a:t>추천 관광지 모델 생성</a:t>
+            </a:r>
+            <a:endParaRPr lang="en-US" altLang="ko-KR" sz="1600" dirty="0"/>
+          </a:p>
+          <a:p>
+            <a:endParaRPr lang="en-US" altLang="ko-KR" sz="1600" dirty="0"/>
           </a:p>
         </p:txBody>
       </p:sp>
@@ -9785,61 +10003,99 @@
         </p:spPr>
         <p:txBody>
           <a:bodyPr wrap="square" rtlCol="0">
-            <a:spAutoFit/>
+            <a:noAutofit/>
           </a:bodyPr>
-          <a:lstStyle/>
-          <a:p>
-            <a:pPr algn="ctr">
+          <a:lstStyle>
+            <a:defPPr>
+              <a:defRPr lang="ko-KR"/>
+            </a:defPPr>
+            <a:lvl1pPr algn="ctr">
               <a:lnSpc>
                 <a:spcPct val="150000"/>
               </a:lnSpc>
-            </a:pPr>
-            <a:r>
-              <a:rPr lang="en-US" altLang="ko-KR" sz="2400" spc="-50" dirty="0">
+              <a:defRPr spc="-50">
                 <a:latin typeface="나눔스퀘어 Bold" panose="020B0600000101010101" pitchFamily="50" charset="-127"/>
                 <a:ea typeface="나눔스퀘어 Bold" panose="020B0600000101010101" pitchFamily="50" charset="-127"/>
-              </a:rPr>
-              <a:t>PPT</a:t>
-            </a:r>
-          </a:p>
-          <a:p>
-            <a:pPr algn="ctr">
-              <a:lnSpc>
-                <a:spcPct val="150000"/>
-              </a:lnSpc>
-            </a:pPr>
-            <a:r>
-              <a:rPr lang="ko-KR" altLang="en-US" sz="2400" spc="-50" dirty="0">
-                <a:latin typeface="나눔스퀘어 Bold" panose="020B0600000101010101" pitchFamily="50" charset="-127"/>
-                <a:ea typeface="나눔스퀘어 Bold" panose="020B0600000101010101" pitchFamily="50" charset="-127"/>
-              </a:rPr>
-              <a:t>자료 수집 및 분석</a:t>
-            </a:r>
-            <a:endParaRPr lang="en-US" altLang="ko-KR" sz="2400" spc="-50" dirty="0">
-              <a:latin typeface="나눔스퀘어 Bold" panose="020B0600000101010101" pitchFamily="50" charset="-127"/>
-              <a:ea typeface="나눔스퀘어 Bold" panose="020B0600000101010101" pitchFamily="50" charset="-127"/>
-            </a:endParaRPr>
-          </a:p>
-          <a:p>
-            <a:pPr algn="ctr">
-              <a:lnSpc>
-                <a:spcPct val="150000"/>
-              </a:lnSpc>
-            </a:pPr>
-            <a:r>
-              <a:rPr lang="ko-KR" altLang="en-US" sz="2400" spc="-50" dirty="0">
-                <a:latin typeface="나눔스퀘어 Bold" panose="020B0600000101010101" pitchFamily="50" charset="-127"/>
-                <a:ea typeface="나눔스퀘어 Bold" panose="020B0600000101010101" pitchFamily="50" charset="-127"/>
-              </a:rPr>
-              <a:t>위치</a:t>
-            </a:r>
-            <a:endParaRPr lang="en-US" altLang="ko-KR" sz="2400" spc="-50" dirty="0">
-              <a:latin typeface="나눔스퀘어 Bold" panose="020B0600000101010101" pitchFamily="50" charset="-127"/>
-              <a:ea typeface="나눔스퀘어 Bold" panose="020B0600000101010101" pitchFamily="50" charset="-127"/>
-            </a:endParaRPr>
+              </a:defRPr>
+            </a:lvl1pPr>
+          </a:lstStyle>
+          <a:p>
+            <a:r>
+              <a:rPr lang="ko-KR" altLang="en-US" sz="1600" dirty="0"/>
+              <a:t>방문객 자료 수집</a:t>
+            </a:r>
+            <a:r>
+              <a:rPr lang="en-US" altLang="ko-KR" sz="1600" dirty="0"/>
+              <a:t> </a:t>
+            </a:r>
+            <a:r>
+              <a:rPr lang="ko-KR" altLang="en-US" sz="1600" dirty="0"/>
+              <a:t>및 분석</a:t>
+            </a:r>
+            <a:endParaRPr lang="en-US" altLang="ko-KR" sz="1600" dirty="0"/>
+          </a:p>
+          <a:p>
+            <a:r>
+              <a:rPr lang="ko-KR" altLang="en-US" sz="1600" dirty="0"/>
+              <a:t>지도 위치 표시</a:t>
+            </a:r>
+            <a:endParaRPr lang="en-US" altLang="ko-KR" sz="1600" dirty="0"/>
+          </a:p>
+          <a:p>
+            <a:r>
+              <a:rPr lang="ko-KR" altLang="en-US" sz="1600" dirty="0"/>
+              <a:t>추천 관광지 모델 생성</a:t>
+            </a:r>
+            <a:endParaRPr lang="en-US" altLang="ko-KR" sz="1600" dirty="0"/>
+          </a:p>
+          <a:p>
+            <a:r>
+              <a:rPr lang="ko-KR" altLang="en-US" sz="1600" dirty="0"/>
+              <a:t>발표자료 작성</a:t>
+            </a:r>
+            <a:endParaRPr lang="en-US" altLang="ko-KR" sz="1600" dirty="0"/>
           </a:p>
         </p:txBody>
       </p:sp>
+      <p:pic>
+        <p:nvPicPr>
+          <p:cNvPr id="4" name="그래픽 3" descr="엄지손가락 위로 기호">
+            <a:extLst>
+              <a:ext uri="{FF2B5EF4-FFF2-40B4-BE49-F238E27FC236}">
+                <a16:creationId xmlns:a16="http://schemas.microsoft.com/office/drawing/2014/main" id="{8CD02566-CB3D-462E-BC97-AE80634D87E6}"/>
+              </a:ext>
+            </a:extLst>
+          </p:cNvPr>
+          <p:cNvPicPr>
+            <a:picLocks noChangeAspect="1"/>
+          </p:cNvPicPr>
+          <p:nvPr/>
+        </p:nvPicPr>
+        <p:blipFill>
+          <a:blip r:embed="rId2">
+            <a:extLst>
+              <a:ext uri="{28A0092B-C50C-407E-A947-70E740481C1C}">
+                <a14:useLocalDpi xmlns:a14="http://schemas.microsoft.com/office/drawing/2010/main" val="0"/>
+              </a:ext>
+              <a:ext uri="{96DAC541-7B7A-43D3-8B79-37D633B846F1}">
+                <asvg:svgBlip xmlns:asvg="http://schemas.microsoft.com/office/drawing/2016/SVG/main" r:embed="rId3"/>
+              </a:ext>
+            </a:extLst>
+          </a:blip>
+          <a:stretch>
+            <a:fillRect/>
+          </a:stretch>
+        </p:blipFill>
+        <p:spPr>
+          <a:xfrm>
+            <a:off x="2229404" y="1285287"/>
+            <a:ext cx="458198" cy="458198"/>
+          </a:xfrm>
+          <a:prstGeom prst="rect">
+            <a:avLst/>
+          </a:prstGeom>
+        </p:spPr>
+      </p:pic>
     </p:spTree>
     <p:extLst>
       <p:ext uri="{BB962C8B-B14F-4D97-AF65-F5344CB8AC3E}">
@@ -10586,7 +10842,7 @@
           <a:p>
             <a:r>
               <a:rPr lang="en-US" altLang="ko-KR" dirty="0"/>
-              <a:t>4. </a:t>
+              <a:t>6. </a:t>
             </a:r>
             <a:r>
               <a:rPr lang="ko-KR" altLang="en-US" dirty="0"/>
@@ -10645,7 +10901,11 @@
           <a:p>
             <a:r>
               <a:rPr lang="en-US" altLang="ko-KR" dirty="0"/>
-              <a:t>4. </a:t>
+              <a:t>6</a:t>
+            </a:r>
+            <a:r>
+              <a:rPr lang="en-US" altLang="ko-KR"/>
+              <a:t>. </a:t>
             </a:r>
             <a:r>
               <a:rPr lang="ko-KR" altLang="en-US" dirty="0"/>
@@ -10666,31 +10926,56 @@
         </p:nvSpPr>
         <p:spPr/>
         <p:txBody>
-          <a:bodyPr/>
+          <a:bodyPr>
+            <a:normAutofit/>
+          </a:bodyPr>
           <a:lstStyle/>
           <a:p>
             <a:r>
-              <a:rPr lang="ko-KR" altLang="en-US" dirty="0"/>
+              <a:rPr lang="ko-KR" altLang="en-US" sz="1800" dirty="0"/>
               <a:t>제주신보</a:t>
             </a:r>
-            <a:endParaRPr lang="en-US" altLang="ko-KR" dirty="0"/>
-          </a:p>
-          <a:p>
-            <a:r>
-              <a:rPr lang="ko-KR" altLang="en-US" dirty="0"/>
+            <a:endParaRPr lang="en-US" altLang="ko-KR" sz="1800" dirty="0"/>
+          </a:p>
+          <a:p>
+            <a:r>
+              <a:rPr lang="ko-KR" altLang="en-US" sz="1800" dirty="0"/>
               <a:t>제주의 소리</a:t>
             </a:r>
-            <a:endParaRPr lang="en-US" altLang="ko-KR" dirty="0"/>
-          </a:p>
-          <a:p>
-            <a:r>
-              <a:rPr lang="ko-KR" altLang="en-US" dirty="0"/>
-              <a:t>제주지방 기상청</a:t>
-            </a:r>
-            <a:endParaRPr lang="en-US" altLang="ko-KR" dirty="0"/>
-          </a:p>
-          <a:p>
-            <a:endParaRPr lang="ko-KR" altLang="en-US" dirty="0"/>
+            <a:endParaRPr lang="en-US" altLang="ko-KR" sz="1800" dirty="0"/>
+          </a:p>
+          <a:p>
+            <a:r>
+              <a:rPr lang="en-US" altLang="ko-KR" sz="1800" dirty="0"/>
+              <a:t>2018</a:t>
+            </a:r>
+            <a:r>
+              <a:rPr lang="ko-KR" altLang="en-US" sz="1800" dirty="0"/>
+              <a:t>년 제주특별자치도  방문관광객 실태조사보고서</a:t>
+            </a:r>
+            <a:r>
+              <a:rPr lang="en-US" altLang="ko-KR" sz="1800" dirty="0"/>
+              <a:t>, ‘</a:t>
+            </a:r>
+            <a:r>
+              <a:rPr lang="ko-KR" altLang="en-US" sz="1800" dirty="0"/>
+              <a:t>제주특별자치도</a:t>
+            </a:r>
+            <a:r>
+              <a:rPr lang="en-US" altLang="ko-KR" sz="1800" dirty="0"/>
+              <a:t>, </a:t>
+            </a:r>
+            <a:r>
+              <a:rPr lang="ko-KR" altLang="en-US" sz="1800" dirty="0"/>
+              <a:t>제주관광공사</a:t>
+            </a:r>
+            <a:r>
+              <a:rPr lang="en-US" altLang="ko-KR" sz="1800" dirty="0"/>
+              <a:t>’, 2018</a:t>
+            </a:r>
+          </a:p>
+          <a:p>
+            <a:endParaRPr lang="ko-KR" altLang="en-US" sz="1800" dirty="0"/>
           </a:p>
         </p:txBody>
       </p:sp>
@@ -10820,7 +11105,7 @@
           <a:p>
             <a:r>
               <a:rPr lang="ko-KR" altLang="en-US" dirty="0"/>
-              <a:t>조원 소개</a:t>
+              <a:t>프로젝트 인원 소개</a:t>
             </a:r>
             <a:endParaRPr lang="en-US" altLang="ko-KR" dirty="0"/>
           </a:p>
@@ -11123,320 +11408,6 @@
           </a:p>
         </p:txBody>
       </p:sp>
-      <p:grpSp>
-        <p:nvGrpSpPr>
-          <p:cNvPr id="12" name="그룹 11"/>
-          <p:cNvGrpSpPr/>
-          <p:nvPr/>
-        </p:nvGrpSpPr>
-        <p:grpSpPr>
-          <a:xfrm>
-            <a:off x="6222124" y="1471582"/>
-            <a:ext cx="4567318" cy="2321988"/>
-            <a:chOff x="6095999" y="1463214"/>
-            <a:chExt cx="4115374" cy="2029108"/>
-          </a:xfrm>
-        </p:grpSpPr>
-        <p:pic>
-          <p:nvPicPr>
-            <p:cNvPr id="7" name="그림 6">
-              <a:extLst>
-                <a:ext uri="{FF2B5EF4-FFF2-40B4-BE49-F238E27FC236}">
-                  <a16:creationId xmlns:a16="http://schemas.microsoft.com/office/drawing/2014/main" id="{441F660B-1B08-4FF3-85E4-4045DF3F96E2}"/>
-                </a:ext>
-              </a:extLst>
-            </p:cNvPr>
-            <p:cNvPicPr>
-              <a:picLocks noChangeAspect="1"/>
-            </p:cNvPicPr>
-            <p:nvPr/>
-          </p:nvPicPr>
-          <p:blipFill>
-            <a:blip r:embed="rId2">
-              <a:extLst>
-                <a:ext uri="{28A0092B-C50C-407E-A947-70E740481C1C}">
-                  <a14:useLocalDpi xmlns:a14="http://schemas.microsoft.com/office/drawing/2010/main" val="0"/>
-                </a:ext>
-              </a:extLst>
-            </a:blip>
-            <a:stretch>
-              <a:fillRect/>
-            </a:stretch>
-          </p:blipFill>
-          <p:spPr>
-            <a:xfrm>
-              <a:off x="6095999" y="1463214"/>
-              <a:ext cx="4115374" cy="2029108"/>
-            </a:xfrm>
-            <a:prstGeom prst="rect">
-              <a:avLst/>
-            </a:prstGeom>
-          </p:spPr>
-        </p:pic>
-        <p:sp>
-          <p:nvSpPr>
-            <p:cNvPr id="8" name="직사각형 7">
-              <a:extLst>
-                <a:ext uri="{FF2B5EF4-FFF2-40B4-BE49-F238E27FC236}">
-                  <a16:creationId xmlns:a16="http://schemas.microsoft.com/office/drawing/2014/main" id="{DA0DA371-2985-4804-8B9F-B8733CABB090}"/>
-                </a:ext>
-              </a:extLst>
-            </p:cNvPr>
-            <p:cNvSpPr/>
-            <p:nvPr/>
-          </p:nvSpPr>
-          <p:spPr>
-            <a:xfrm>
-              <a:off x="6791093" y="3122341"/>
-              <a:ext cx="2029522" cy="167269"/>
-            </a:xfrm>
-            <a:prstGeom prst="rect">
-              <a:avLst/>
-            </a:prstGeom>
-            <a:solidFill>
-              <a:srgbClr val="FFFF00">
-                <a:alpha val="21000"/>
-              </a:srgbClr>
-            </a:solidFill>
-            <a:ln>
-              <a:noFill/>
-            </a:ln>
-          </p:spPr>
-          <p:style>
-            <a:lnRef idx="2">
-              <a:schemeClr val="accent1">
-                <a:shade val="50000"/>
-              </a:schemeClr>
-            </a:lnRef>
-            <a:fillRef idx="1">
-              <a:schemeClr val="accent1"/>
-            </a:fillRef>
-            <a:effectRef idx="0">
-              <a:schemeClr val="accent1"/>
-            </a:effectRef>
-            <a:fontRef idx="minor">
-              <a:schemeClr val="lt1"/>
-            </a:fontRef>
-          </p:style>
-          <p:txBody>
-            <a:bodyPr rtlCol="0" anchor="ctr"/>
-            <a:lstStyle/>
-            <a:p>
-              <a:pPr algn="ctr"/>
-              <a:endParaRPr lang="ko-KR" altLang="en-US"/>
-            </a:p>
-          </p:txBody>
-        </p:sp>
-      </p:grpSp>
-      <p:grpSp>
-        <p:nvGrpSpPr>
-          <p:cNvPr id="11" name="그룹 10"/>
-          <p:cNvGrpSpPr/>
-          <p:nvPr/>
-        </p:nvGrpSpPr>
-        <p:grpSpPr>
-          <a:xfrm>
-            <a:off x="815031" y="1473724"/>
-            <a:ext cx="4744941" cy="2630230"/>
-            <a:chOff x="815031" y="1588686"/>
-            <a:chExt cx="5099931" cy="2156293"/>
-          </a:xfrm>
-        </p:grpSpPr>
-        <p:pic>
-          <p:nvPicPr>
-            <p:cNvPr id="9" name="그림 8">
-              <a:extLst>
-                <a:ext uri="{FF2B5EF4-FFF2-40B4-BE49-F238E27FC236}">
-                  <a16:creationId xmlns:a16="http://schemas.microsoft.com/office/drawing/2014/main" id="{7C7CCB33-3C7C-4DEB-8A0B-C540FBBEC265}"/>
-                </a:ext>
-              </a:extLst>
-            </p:cNvPr>
-            <p:cNvPicPr>
-              <a:picLocks noChangeAspect="1"/>
-            </p:cNvPicPr>
-            <p:nvPr/>
-          </p:nvPicPr>
-          <p:blipFill>
-            <a:blip r:embed="rId3">
-              <a:extLst>
-                <a:ext uri="{28A0092B-C50C-407E-A947-70E740481C1C}">
-                  <a14:useLocalDpi xmlns:a14="http://schemas.microsoft.com/office/drawing/2010/main" val="0"/>
-                </a:ext>
-              </a:extLst>
-            </a:blip>
-            <a:stretch>
-              <a:fillRect/>
-            </a:stretch>
-          </p:blipFill>
-          <p:spPr>
-            <a:xfrm>
-              <a:off x="815031" y="1588686"/>
-              <a:ext cx="5099931" cy="2156293"/>
-            </a:xfrm>
-            <a:prstGeom prst="rect">
-              <a:avLst/>
-            </a:prstGeom>
-          </p:spPr>
-        </p:pic>
-        <p:sp>
-          <p:nvSpPr>
-            <p:cNvPr id="10" name="직사각형 9">
-              <a:extLst>
-                <a:ext uri="{FF2B5EF4-FFF2-40B4-BE49-F238E27FC236}">
-                  <a16:creationId xmlns:a16="http://schemas.microsoft.com/office/drawing/2014/main" id="{D1E67414-5E27-40AA-ADBC-7BA64806D587}"/>
-                </a:ext>
-              </a:extLst>
-            </p:cNvPr>
-            <p:cNvSpPr/>
-            <p:nvPr/>
-          </p:nvSpPr>
-          <p:spPr>
-            <a:xfrm>
-              <a:off x="2961198" y="1664662"/>
-              <a:ext cx="930578" cy="298094"/>
-            </a:xfrm>
-            <a:prstGeom prst="rect">
-              <a:avLst/>
-            </a:prstGeom>
-            <a:solidFill>
-              <a:srgbClr val="FFFF00">
-                <a:alpha val="21000"/>
-              </a:srgbClr>
-            </a:solidFill>
-            <a:ln>
-              <a:noFill/>
-            </a:ln>
-          </p:spPr>
-          <p:style>
-            <a:lnRef idx="2">
-              <a:schemeClr val="accent1">
-                <a:shade val="50000"/>
-              </a:schemeClr>
-            </a:lnRef>
-            <a:fillRef idx="1">
-              <a:schemeClr val="accent1"/>
-            </a:fillRef>
-            <a:effectRef idx="0">
-              <a:schemeClr val="accent1"/>
-            </a:effectRef>
-            <a:fontRef idx="minor">
-              <a:schemeClr val="lt1"/>
-            </a:fontRef>
-          </p:style>
-          <p:txBody>
-            <a:bodyPr rtlCol="0" anchor="ctr"/>
-            <a:lstStyle/>
-            <a:p>
-              <a:pPr algn="ctr"/>
-              <a:endParaRPr lang="ko-KR" altLang="en-US"/>
-            </a:p>
-          </p:txBody>
-        </p:sp>
-      </p:grpSp>
-      <p:sp>
-        <p:nvSpPr>
-          <p:cNvPr id="14" name="TextBox 13">
-            <a:extLst>
-              <a:ext uri="{FF2B5EF4-FFF2-40B4-BE49-F238E27FC236}">
-                <a16:creationId xmlns:a16="http://schemas.microsoft.com/office/drawing/2014/main" id="{B14F7DFA-CE7C-4FB6-B411-1895E6D8240F}"/>
-              </a:ext>
-            </a:extLst>
-          </p:cNvPr>
-          <p:cNvSpPr txBox="1"/>
-          <p:nvPr/>
-        </p:nvSpPr>
-        <p:spPr>
-          <a:xfrm>
-            <a:off x="4508889" y="3793569"/>
-            <a:ext cx="1192445" cy="276999"/>
-          </a:xfrm>
-          <a:prstGeom prst="rect">
-            <a:avLst/>
-          </a:prstGeom>
-          <a:noFill/>
-        </p:spPr>
-        <p:txBody>
-          <a:bodyPr wrap="square" rtlCol="0">
-            <a:spAutoFit/>
-          </a:bodyPr>
-          <a:lstStyle/>
-          <a:p>
-            <a:r>
-              <a:rPr lang="ko-KR" altLang="en-US" sz="1200" dirty="0">
-                <a:latin typeface="나눔스퀘어 Bold" panose="020B0600000101010101" pitchFamily="50" charset="-127"/>
-                <a:ea typeface="나눔스퀘어 Bold" panose="020B0600000101010101" pitchFamily="50" charset="-127"/>
-              </a:rPr>
-              <a:t>출처 </a:t>
-            </a:r>
-            <a:r>
-              <a:rPr lang="en-US" altLang="ko-KR" sz="1200" dirty="0">
-                <a:latin typeface="나눔스퀘어 Bold" panose="020B0600000101010101" pitchFamily="50" charset="-127"/>
-                <a:ea typeface="나눔스퀘어 Bold" panose="020B0600000101010101" pitchFamily="50" charset="-127"/>
-              </a:rPr>
-              <a:t>: </a:t>
-            </a:r>
-            <a:r>
-              <a:rPr lang="ko-KR" altLang="en-US" sz="1200" dirty="0">
-                <a:latin typeface="나눔스퀘어 Bold" panose="020B0600000101010101" pitchFamily="50" charset="-127"/>
-                <a:ea typeface="나눔스퀘어 Bold" panose="020B0600000101010101" pitchFamily="50" charset="-127"/>
-              </a:rPr>
-              <a:t>제주신보</a:t>
-            </a:r>
-          </a:p>
-        </p:txBody>
-      </p:sp>
-      <p:sp>
-        <p:nvSpPr>
-          <p:cNvPr id="15" name="TextBox 14">
-            <a:extLst>
-              <a:ext uri="{FF2B5EF4-FFF2-40B4-BE49-F238E27FC236}">
-                <a16:creationId xmlns:a16="http://schemas.microsoft.com/office/drawing/2014/main" id="{B14F7DFA-CE7C-4FB6-B411-1895E6D8240F}"/>
-              </a:ext>
-            </a:extLst>
-          </p:cNvPr>
-          <p:cNvSpPr txBox="1"/>
-          <p:nvPr/>
-        </p:nvSpPr>
-        <p:spPr>
-          <a:xfrm>
-            <a:off x="9596997" y="3793569"/>
-            <a:ext cx="1192445" cy="276999"/>
-          </a:xfrm>
-          <a:prstGeom prst="rect">
-            <a:avLst/>
-          </a:prstGeom>
-          <a:noFill/>
-        </p:spPr>
-        <p:txBody>
-          <a:bodyPr wrap="square" rtlCol="0">
-            <a:spAutoFit/>
-          </a:bodyPr>
-          <a:lstStyle/>
-          <a:p>
-            <a:r>
-              <a:rPr lang="ko-KR" altLang="en-US" sz="1200" dirty="0">
-                <a:latin typeface="나눔스퀘어 Bold" panose="020B0600000101010101" pitchFamily="50" charset="-127"/>
-                <a:ea typeface="나눔스퀘어 Bold" panose="020B0600000101010101" pitchFamily="50" charset="-127"/>
-              </a:rPr>
-              <a:t>출처 </a:t>
-            </a:r>
-            <a:r>
-              <a:rPr lang="en-US" altLang="ko-KR" sz="1200" dirty="0">
-                <a:latin typeface="나눔스퀘어 Bold" panose="020B0600000101010101" pitchFamily="50" charset="-127"/>
-                <a:ea typeface="나눔스퀘어 Bold" panose="020B0600000101010101" pitchFamily="50" charset="-127"/>
-              </a:rPr>
-              <a:t>: </a:t>
-            </a:r>
-            <a:r>
-              <a:rPr lang="ko-KR" altLang="en-US" sz="1200" dirty="0">
-                <a:latin typeface="나눔스퀘어 Bold" panose="020B0600000101010101" pitchFamily="50" charset="-127"/>
-                <a:ea typeface="나눔스퀘어 Bold" panose="020B0600000101010101" pitchFamily="50" charset="-127"/>
-              </a:rPr>
-              <a:t>제주신보</a:t>
-            </a:r>
-          </a:p>
-        </p:txBody>
-      </p:sp>
       <p:sp>
         <p:nvSpPr>
           <p:cNvPr id="16" name="TextBox 15">
@@ -11451,7 +11422,7 @@
         </p:nvSpPr>
         <p:spPr>
           <a:xfrm>
-            <a:off x="1733917" y="4432898"/>
+            <a:off x="2212043" y="5020188"/>
             <a:ext cx="6970988" cy="1320490"/>
           </a:xfrm>
           <a:prstGeom prst="rect">
@@ -11564,13 +11535,13 @@
           <p:nvPr/>
         </p:nvPicPr>
         <p:blipFill>
-          <a:blip r:embed="rId4" cstate="print">
+          <a:blip r:embed="rId2" cstate="print">
             <a:extLst>
               <a:ext uri="{28A0092B-C50C-407E-A947-70E740481C1C}">
                 <a14:useLocalDpi xmlns:a14="http://schemas.microsoft.com/office/drawing/2010/main" val="0"/>
               </a:ext>
               <a:ext uri="{96DAC541-7B7A-43D3-8B79-37D633B846F1}">
-                <asvg:svgBlip xmlns:asvg="http://schemas.microsoft.com/office/drawing/2016/SVG/main" r:embed="rId5"/>
+                <asvg:svgBlip xmlns:asvg="http://schemas.microsoft.com/office/drawing/2016/SVG/main" r:embed="rId3"/>
               </a:ext>
             </a:extLst>
           </a:blip>
@@ -11580,14 +11551,436 @@
         </p:blipFill>
         <p:spPr>
           <a:xfrm>
-            <a:off x="8242890" y="4051182"/>
-            <a:ext cx="1666634" cy="1666634"/>
+            <a:off x="8728571" y="4777407"/>
+            <a:ext cx="1394607" cy="1394607"/>
           </a:xfrm>
           <a:prstGeom prst="rect">
             <a:avLst/>
           </a:prstGeom>
         </p:spPr>
       </p:pic>
+      <p:grpSp>
+        <p:nvGrpSpPr>
+          <p:cNvPr id="23" name="그룹 22">
+            <a:extLst>
+              <a:ext uri="{FF2B5EF4-FFF2-40B4-BE49-F238E27FC236}">
+                <a16:creationId xmlns:a16="http://schemas.microsoft.com/office/drawing/2014/main" id="{22F1809F-AED1-4DEE-89AB-CE8E3707C081}"/>
+              </a:ext>
+            </a:extLst>
+          </p:cNvPr>
+          <p:cNvGrpSpPr/>
+          <p:nvPr/>
+        </p:nvGrpSpPr>
+        <p:grpSpPr>
+          <a:xfrm>
+            <a:off x="1949249" y="1949704"/>
+            <a:ext cx="4146751" cy="2327608"/>
+            <a:chOff x="1949248" y="2624332"/>
+            <a:chExt cx="4146751" cy="2327608"/>
+          </a:xfrm>
+        </p:grpSpPr>
+        <p:grpSp>
+          <p:nvGrpSpPr>
+            <p:cNvPr id="12" name="그룹 11"/>
+            <p:cNvGrpSpPr/>
+            <p:nvPr/>
+          </p:nvGrpSpPr>
+          <p:grpSpPr>
+            <a:xfrm>
+              <a:off x="1949248" y="2624332"/>
+              <a:ext cx="4122805" cy="2166966"/>
+              <a:chOff x="6223373" y="1463214"/>
+              <a:chExt cx="3714846" cy="1893639"/>
+            </a:xfrm>
+          </p:grpSpPr>
+          <p:pic>
+            <p:nvPicPr>
+              <p:cNvPr id="7" name="그림 6">
+                <a:extLst>
+                  <a:ext uri="{FF2B5EF4-FFF2-40B4-BE49-F238E27FC236}">
+                    <a16:creationId xmlns:a16="http://schemas.microsoft.com/office/drawing/2014/main" id="{441F660B-1B08-4FF3-85E4-4045DF3F96E2}"/>
+                  </a:ext>
+                </a:extLst>
+              </p:cNvPr>
+              <p:cNvPicPr>
+                <a:picLocks noChangeAspect="1"/>
+              </p:cNvPicPr>
+              <p:nvPr/>
+            </p:nvPicPr>
+            <p:blipFill rotWithShape="1">
+              <a:blip r:embed="rId4">
+                <a:extLst>
+                  <a:ext uri="{28A0092B-C50C-407E-A947-70E740481C1C}">
+                    <a14:useLocalDpi xmlns:a14="http://schemas.microsoft.com/office/drawing/2010/main" val="0"/>
+                  </a:ext>
+                </a:extLst>
+              </a:blip>
+              <a:srcRect l="3095" r="6637" b="6676"/>
+              <a:stretch/>
+            </p:blipFill>
+            <p:spPr>
+              <a:xfrm>
+                <a:off x="6223373" y="1463214"/>
+                <a:ext cx="3714846" cy="1893639"/>
+              </a:xfrm>
+              <a:prstGeom prst="rect">
+                <a:avLst/>
+              </a:prstGeom>
+            </p:spPr>
+          </p:pic>
+          <p:sp>
+            <p:nvSpPr>
+              <p:cNvPr id="8" name="직사각형 7">
+                <a:extLst>
+                  <a:ext uri="{FF2B5EF4-FFF2-40B4-BE49-F238E27FC236}">
+                    <a16:creationId xmlns:a16="http://schemas.microsoft.com/office/drawing/2014/main" id="{DA0DA371-2985-4804-8B9F-B8733CABB090}"/>
+                  </a:ext>
+                </a:extLst>
+              </p:cNvPr>
+              <p:cNvSpPr/>
+              <p:nvPr/>
+            </p:nvSpPr>
+            <p:spPr>
+              <a:xfrm>
+                <a:off x="6791093" y="3122341"/>
+                <a:ext cx="2029522" cy="167269"/>
+              </a:xfrm>
+              <a:prstGeom prst="rect">
+                <a:avLst/>
+              </a:prstGeom>
+              <a:solidFill>
+                <a:srgbClr val="FFFF00">
+                  <a:alpha val="21000"/>
+                </a:srgbClr>
+              </a:solidFill>
+              <a:ln>
+                <a:noFill/>
+              </a:ln>
+            </p:spPr>
+            <p:style>
+              <a:lnRef idx="2">
+                <a:schemeClr val="accent1">
+                  <a:shade val="50000"/>
+                </a:schemeClr>
+              </a:lnRef>
+              <a:fillRef idx="1">
+                <a:schemeClr val="accent1"/>
+              </a:fillRef>
+              <a:effectRef idx="0">
+                <a:schemeClr val="accent1"/>
+              </a:effectRef>
+              <a:fontRef idx="minor">
+                <a:schemeClr val="lt1"/>
+              </a:fontRef>
+            </p:style>
+            <p:txBody>
+              <a:bodyPr rtlCol="0" anchor="ctr"/>
+              <a:lstStyle/>
+              <a:p>
+                <a:pPr algn="ctr"/>
+                <a:endParaRPr lang="ko-KR" altLang="en-US"/>
+              </a:p>
+            </p:txBody>
+          </p:sp>
+        </p:grpSp>
+        <p:sp>
+          <p:nvSpPr>
+            <p:cNvPr id="15" name="TextBox 14">
+              <a:extLst>
+                <a:ext uri="{FF2B5EF4-FFF2-40B4-BE49-F238E27FC236}">
+                  <a16:creationId xmlns:a16="http://schemas.microsoft.com/office/drawing/2014/main" id="{B14F7DFA-CE7C-4FB6-B411-1895E6D8240F}"/>
+                </a:ext>
+              </a:extLst>
+            </p:cNvPr>
+            <p:cNvSpPr txBox="1"/>
+            <p:nvPr/>
+          </p:nvSpPr>
+          <p:spPr>
+            <a:xfrm>
+              <a:off x="4903554" y="4690330"/>
+              <a:ext cx="1192445" cy="261610"/>
+            </a:xfrm>
+            <a:prstGeom prst="rect">
+              <a:avLst/>
+            </a:prstGeom>
+            <a:noFill/>
+          </p:spPr>
+          <p:txBody>
+            <a:bodyPr wrap="square" rtlCol="0">
+              <a:spAutoFit/>
+            </a:bodyPr>
+            <a:lstStyle/>
+            <a:p>
+              <a:r>
+                <a:rPr lang="ko-KR" altLang="en-US" sz="1050" dirty="0">
+                  <a:latin typeface="나눔스퀘어 Bold" panose="020B0600000101010101" pitchFamily="50" charset="-127"/>
+                  <a:ea typeface="나눔스퀘어 Bold" panose="020B0600000101010101" pitchFamily="50" charset="-127"/>
+                </a:rPr>
+                <a:t>출처 </a:t>
+              </a:r>
+              <a:r>
+                <a:rPr lang="en-US" altLang="ko-KR" sz="1050" dirty="0">
+                  <a:latin typeface="나눔스퀘어 Bold" panose="020B0600000101010101" pitchFamily="50" charset="-127"/>
+                  <a:ea typeface="나눔스퀘어 Bold" panose="020B0600000101010101" pitchFamily="50" charset="-127"/>
+                </a:rPr>
+                <a:t>: </a:t>
+              </a:r>
+              <a:r>
+                <a:rPr lang="ko-KR" altLang="en-US" sz="1050" dirty="0">
+                  <a:latin typeface="나눔스퀘어 Bold" panose="020B0600000101010101" pitchFamily="50" charset="-127"/>
+                  <a:ea typeface="나눔스퀘어 Bold" panose="020B0600000101010101" pitchFamily="50" charset="-127"/>
+                </a:rPr>
+                <a:t>제주신보</a:t>
+              </a:r>
+            </a:p>
+          </p:txBody>
+        </p:sp>
+      </p:grpSp>
+      <p:grpSp>
+        <p:nvGrpSpPr>
+          <p:cNvPr id="22" name="그룹 21">
+            <a:extLst>
+              <a:ext uri="{FF2B5EF4-FFF2-40B4-BE49-F238E27FC236}">
+                <a16:creationId xmlns:a16="http://schemas.microsoft.com/office/drawing/2014/main" id="{1236BC2A-6993-4F8E-92BA-DE80E182CA5C}"/>
+              </a:ext>
+            </a:extLst>
+          </p:cNvPr>
+          <p:cNvGrpSpPr/>
+          <p:nvPr/>
+        </p:nvGrpSpPr>
+        <p:grpSpPr>
+          <a:xfrm>
+            <a:off x="6679353" y="958186"/>
+            <a:ext cx="3733989" cy="3808507"/>
+            <a:chOff x="6277066" y="1077137"/>
+            <a:chExt cx="3733989" cy="3808507"/>
+          </a:xfrm>
+        </p:grpSpPr>
+        <p:pic>
+          <p:nvPicPr>
+            <p:cNvPr id="3" name="그림 2">
+              <a:extLst>
+                <a:ext uri="{FF2B5EF4-FFF2-40B4-BE49-F238E27FC236}">
+                  <a16:creationId xmlns:a16="http://schemas.microsoft.com/office/drawing/2014/main" id="{96819E85-5ABC-47D4-AB53-3A7C93AA183B}"/>
+                </a:ext>
+              </a:extLst>
+            </p:cNvPr>
+            <p:cNvPicPr>
+              <a:picLocks noChangeAspect="1"/>
+            </p:cNvPicPr>
+            <p:nvPr/>
+          </p:nvPicPr>
+          <p:blipFill rotWithShape="1">
+            <a:blip r:embed="rId5">
+              <a:extLst>
+                <a:ext uri="{28A0092B-C50C-407E-A947-70E740481C1C}">
+                  <a14:useLocalDpi xmlns:a14="http://schemas.microsoft.com/office/drawing/2010/main" val="0"/>
+                </a:ext>
+              </a:extLst>
+            </a:blip>
+            <a:srcRect l="31520" t="12959" r="28400" b="16978"/>
+            <a:stretch/>
+          </p:blipFill>
+          <p:spPr>
+            <a:xfrm>
+              <a:off x="6277066" y="1435337"/>
+              <a:ext cx="3666795" cy="3223506"/>
+            </a:xfrm>
+            <a:prstGeom prst="rect">
+              <a:avLst/>
+            </a:prstGeom>
+          </p:spPr>
+        </p:pic>
+        <p:sp>
+          <p:nvSpPr>
+            <p:cNvPr id="18" name="TextBox 17">
+              <a:extLst>
+                <a:ext uri="{FF2B5EF4-FFF2-40B4-BE49-F238E27FC236}">
+                  <a16:creationId xmlns:a16="http://schemas.microsoft.com/office/drawing/2014/main" id="{A2A50388-0525-4FE1-B28A-C92C1811FCB2}"/>
+                </a:ext>
+              </a:extLst>
+            </p:cNvPr>
+            <p:cNvSpPr txBox="1"/>
+            <p:nvPr/>
+          </p:nvSpPr>
+          <p:spPr>
+            <a:xfrm>
+              <a:off x="8361244" y="1383672"/>
+              <a:ext cx="1649811" cy="276999"/>
+            </a:xfrm>
+            <a:prstGeom prst="rect">
+              <a:avLst/>
+            </a:prstGeom>
+            <a:noFill/>
+          </p:spPr>
+          <p:txBody>
+            <a:bodyPr wrap="none" rtlCol="0">
+              <a:spAutoFit/>
+            </a:bodyPr>
+            <a:lstStyle/>
+            <a:p>
+              <a:r>
+                <a:rPr lang="en-US" altLang="ko-KR" sz="1200" dirty="0">
+                  <a:latin typeface="나눔스퀘어_ac Bold" panose="020B0600000101010101" pitchFamily="50" charset="-127"/>
+                  <a:ea typeface="나눔스퀘어_ac Bold" panose="020B0600000101010101" pitchFamily="50" charset="-127"/>
+                </a:rPr>
+                <a:t>(Base : </a:t>
+              </a:r>
+              <a:r>
+                <a:rPr lang="ko-KR" altLang="en-US" sz="1200" dirty="0">
+                  <a:latin typeface="나눔스퀘어_ac Bold" panose="020B0600000101010101" pitchFamily="50" charset="-127"/>
+                  <a:ea typeface="나눔스퀘어_ac Bold" panose="020B0600000101010101" pitchFamily="50" charset="-127"/>
+                </a:rPr>
+                <a:t>전체</a:t>
+              </a:r>
+              <a:r>
+                <a:rPr lang="en-US" altLang="ko-KR" sz="1200" dirty="0">
+                  <a:latin typeface="나눔스퀘어_ac Bold" panose="020B0600000101010101" pitchFamily="50" charset="-127"/>
+                  <a:ea typeface="나눔스퀘어_ac Bold" panose="020B0600000101010101" pitchFamily="50" charset="-127"/>
+                </a:rPr>
+                <a:t>, </a:t>
+              </a:r>
+              <a:r>
+                <a:rPr lang="ko-KR" altLang="en-US" sz="1200" dirty="0">
+                  <a:latin typeface="나눔스퀘어_ac Bold" panose="020B0600000101010101" pitchFamily="50" charset="-127"/>
+                  <a:ea typeface="나눔스퀘어_ac Bold" panose="020B0600000101010101" pitchFamily="50" charset="-127"/>
+                </a:rPr>
+                <a:t>단위 </a:t>
+              </a:r>
+              <a:r>
+                <a:rPr lang="en-US" altLang="ko-KR" sz="1200" dirty="0">
+                  <a:latin typeface="나눔스퀘어_ac Bold" panose="020B0600000101010101" pitchFamily="50" charset="-127"/>
+                  <a:ea typeface="나눔스퀘어_ac Bold" panose="020B0600000101010101" pitchFamily="50" charset="-127"/>
+                </a:rPr>
+                <a:t>: %)</a:t>
+              </a:r>
+              <a:endParaRPr lang="ko-KR" altLang="en-US" sz="1200" dirty="0">
+                <a:latin typeface="나눔스퀘어_ac Bold" panose="020B0600000101010101" pitchFamily="50" charset="-127"/>
+                <a:ea typeface="나눔스퀘어_ac Bold" panose="020B0600000101010101" pitchFamily="50" charset="-127"/>
+              </a:endParaRPr>
+            </a:p>
+          </p:txBody>
+        </p:sp>
+        <p:sp>
+          <p:nvSpPr>
+            <p:cNvPr id="20" name="TextBox 19">
+              <a:extLst>
+                <a:ext uri="{FF2B5EF4-FFF2-40B4-BE49-F238E27FC236}">
+                  <a16:creationId xmlns:a16="http://schemas.microsoft.com/office/drawing/2014/main" id="{3C4ED57E-28A3-4640-9014-3D2F8E4FD4F2}"/>
+                </a:ext>
+              </a:extLst>
+            </p:cNvPr>
+            <p:cNvSpPr txBox="1"/>
+            <p:nvPr/>
+          </p:nvSpPr>
+          <p:spPr>
+            <a:xfrm>
+              <a:off x="6399997" y="1077137"/>
+              <a:ext cx="3420932" cy="369332"/>
+            </a:xfrm>
+            <a:prstGeom prst="rect">
+              <a:avLst/>
+            </a:prstGeom>
+            <a:noFill/>
+          </p:spPr>
+          <p:txBody>
+            <a:bodyPr wrap="square" rtlCol="0">
+              <a:spAutoFit/>
+            </a:bodyPr>
+            <a:lstStyle/>
+            <a:p>
+              <a:r>
+                <a:rPr lang="en-US" altLang="ko-KR" dirty="0">
+                  <a:latin typeface="나눔스퀘어_ac ExtraBold" panose="020B0600000101010101" pitchFamily="50" charset="-127"/>
+                  <a:ea typeface="나눔스퀘어_ac ExtraBold" panose="020B0600000101010101" pitchFamily="50" charset="-127"/>
+                </a:rPr>
+                <a:t>&lt;2018</a:t>
+              </a:r>
+              <a:r>
+                <a:rPr lang="ko-KR" altLang="en-US" dirty="0">
+                  <a:latin typeface="나눔스퀘어_ac ExtraBold" panose="020B0600000101010101" pitchFamily="50" charset="-127"/>
+                  <a:ea typeface="나눔스퀘어_ac ExtraBold" panose="020B0600000101010101" pitchFamily="50" charset="-127"/>
+                </a:rPr>
+                <a:t>년 제주 방문객 여행유형</a:t>
+              </a:r>
+              <a:r>
+                <a:rPr lang="en-US" altLang="ko-KR" dirty="0">
+                  <a:latin typeface="나눔스퀘어_ac ExtraBold" panose="020B0600000101010101" pitchFamily="50" charset="-127"/>
+                  <a:ea typeface="나눔스퀘어_ac ExtraBold" panose="020B0600000101010101" pitchFamily="50" charset="-127"/>
+                </a:rPr>
+                <a:t>&gt;</a:t>
+              </a:r>
+              <a:endParaRPr lang="ko-KR" altLang="en-US" dirty="0">
+                <a:latin typeface="나눔스퀘어_ac ExtraBold" panose="020B0600000101010101" pitchFamily="50" charset="-127"/>
+                <a:ea typeface="나눔스퀘어_ac ExtraBold" panose="020B0600000101010101" pitchFamily="50" charset="-127"/>
+              </a:endParaRPr>
+            </a:p>
+          </p:txBody>
+        </p:sp>
+        <p:sp>
+          <p:nvSpPr>
+            <p:cNvPr id="21" name="TextBox 20">
+              <a:extLst>
+                <a:ext uri="{FF2B5EF4-FFF2-40B4-BE49-F238E27FC236}">
+                  <a16:creationId xmlns:a16="http://schemas.microsoft.com/office/drawing/2014/main" id="{CB63C927-B4B1-4687-82F2-6B1C22E0F700}"/>
+                </a:ext>
+              </a:extLst>
+            </p:cNvPr>
+            <p:cNvSpPr txBox="1"/>
+            <p:nvPr/>
+          </p:nvSpPr>
+          <p:spPr>
+            <a:xfrm>
+              <a:off x="6277066" y="4631728"/>
+              <a:ext cx="3475631" cy="253916"/>
+            </a:xfrm>
+            <a:prstGeom prst="rect">
+              <a:avLst/>
+            </a:prstGeom>
+            <a:noFill/>
+          </p:spPr>
+          <p:txBody>
+            <a:bodyPr wrap="none" rtlCol="0">
+              <a:spAutoFit/>
+            </a:bodyPr>
+            <a:lstStyle/>
+            <a:p>
+              <a:r>
+                <a:rPr lang="ko-KR" altLang="en-US" sz="1050" dirty="0">
+                  <a:latin typeface="나눔스퀘어 Bold" panose="020B0600000101010101" pitchFamily="50" charset="-127"/>
+                  <a:ea typeface="나눔스퀘어 Bold" panose="020B0600000101010101" pitchFamily="50" charset="-127"/>
+                </a:rPr>
+                <a:t>출처 </a:t>
+              </a:r>
+              <a:r>
+                <a:rPr lang="en-US" altLang="ko-KR" sz="1050" dirty="0">
+                  <a:latin typeface="나눔스퀘어 Bold" panose="020B0600000101010101" pitchFamily="50" charset="-127"/>
+                  <a:ea typeface="나눔스퀘어 Bold" panose="020B0600000101010101" pitchFamily="50" charset="-127"/>
+                </a:rPr>
+                <a:t>: 2018</a:t>
+              </a:r>
+              <a:r>
+                <a:rPr lang="ko-KR" altLang="en-US" sz="1050" dirty="0">
+                  <a:latin typeface="나눔스퀘어 Bold" panose="020B0600000101010101" pitchFamily="50" charset="-127"/>
+                  <a:ea typeface="나눔스퀘어 Bold" panose="020B0600000101010101" pitchFamily="50" charset="-127"/>
+                </a:rPr>
+                <a:t>년 제주특별자치도 방문관광객 실태조사 보고서</a:t>
+              </a:r>
+              <a:r>
+                <a:rPr lang="en-US" altLang="ko-KR" sz="1050" dirty="0">
+                  <a:latin typeface="나눔스퀘어 Bold" panose="020B0600000101010101" pitchFamily="50" charset="-127"/>
+                  <a:ea typeface="나눔스퀘어 Bold" panose="020B0600000101010101" pitchFamily="50" charset="-127"/>
+                </a:rPr>
+                <a:t> </a:t>
+              </a:r>
+              <a:endParaRPr lang="ko-KR" altLang="en-US" sz="1050" dirty="0">
+                <a:latin typeface="나눔스퀘어 Bold" panose="020B0600000101010101" pitchFamily="50" charset="-127"/>
+                <a:ea typeface="나눔스퀘어 Bold" panose="020B0600000101010101" pitchFamily="50" charset="-127"/>
+              </a:endParaRPr>
+            </a:p>
+          </p:txBody>
+        </p:sp>
+      </p:grpSp>
     </p:spTree>
     <p:extLst>
       <p:ext uri="{BB962C8B-B14F-4D97-AF65-F5344CB8AC3E}">
@@ -11871,9 +12264,9 @@
         <p:grpSpPr>
           <a:xfrm>
             <a:off x="382974" y="3412830"/>
-            <a:ext cx="2744508" cy="1388546"/>
+            <a:ext cx="2744508" cy="1348600"/>
             <a:chOff x="542496" y="3580993"/>
-            <a:chExt cx="2744508" cy="1388546"/>
+            <a:chExt cx="2744508" cy="1348600"/>
           </a:xfrm>
         </p:grpSpPr>
         <p:sp>
@@ -11949,7 +12342,7 @@
           <p:spPr>
             <a:xfrm>
               <a:off x="542496" y="4461708"/>
-              <a:ext cx="2743224" cy="507831"/>
+              <a:ext cx="2743224" cy="467885"/>
             </a:xfrm>
             <a:prstGeom prst="rect">
               <a:avLst/>
@@ -11972,7 +12365,21 @@
                   <a:latin typeface="나눔스퀘어 Bold" panose="020B0600000101010101" pitchFamily="50" charset="-127"/>
                   <a:ea typeface="나눔스퀘어 Bold" panose="020B0600000101010101" pitchFamily="50" charset="-127"/>
                 </a:rPr>
-                <a:t>과거의 날씨 데이터</a:t>
+                <a:t>지난 </a:t>
+              </a:r>
+              <a:r>
+                <a:rPr lang="en-US" altLang="ko-KR" spc="-50" dirty="0">
+                  <a:latin typeface="나눔스퀘어 Bold" panose="020B0600000101010101" pitchFamily="50" charset="-127"/>
+                  <a:ea typeface="나눔스퀘어 Bold" panose="020B0600000101010101" pitchFamily="50" charset="-127"/>
+                </a:rPr>
+                <a:t>1</a:t>
+              </a:r>
+              <a:r>
+                <a:rPr lang="ko-KR" altLang="en-US" spc="-50" dirty="0">
+                  <a:latin typeface="나눔스퀘어 Bold" panose="020B0600000101010101" pitchFamily="50" charset="-127"/>
+                  <a:ea typeface="나눔스퀘어 Bold" panose="020B0600000101010101" pitchFamily="50" charset="-127"/>
+                </a:rPr>
+                <a:t>년간 날씨 데이터</a:t>
               </a:r>
               <a:endParaRPr lang="en-US" altLang="ko-KR" spc="-50" dirty="0">
                 <a:latin typeface="나눔스퀘어 Bold" panose="020B0600000101010101" pitchFamily="50" charset="-127"/>
@@ -12189,9 +12596,9 @@
         <p:grpSpPr>
           <a:xfrm>
             <a:off x="6170670" y="3412830"/>
-            <a:ext cx="2744508" cy="1804045"/>
+            <a:ext cx="2744508" cy="1764098"/>
             <a:chOff x="3422330" y="3580993"/>
-            <a:chExt cx="2744508" cy="1804045"/>
+            <a:chExt cx="2744508" cy="1764098"/>
           </a:xfrm>
         </p:grpSpPr>
         <p:sp>
@@ -12249,6 +12656,31 @@
                 </a:rPr>
                 <a:t>지도</a:t>
               </a:r>
+              <a:r>
+                <a:rPr lang="en-US" altLang="ko-KR" sz="2000" dirty="0">
+                  <a:latin typeface="나눔스퀘어 ExtraBold" panose="020B0600000101010101" pitchFamily="50" charset="-127"/>
+                  <a:ea typeface="나눔스퀘어 ExtraBold" panose="020B0600000101010101" pitchFamily="50" charset="-127"/>
+                </a:rPr>
+                <a:t>(</a:t>
+              </a:r>
+              <a:r>
+                <a:rPr lang="ko-KR" altLang="en-US" sz="2000" dirty="0">
+                  <a:latin typeface="나눔스퀘어 ExtraBold" panose="020B0600000101010101" pitchFamily="50" charset="-127"/>
+                  <a:ea typeface="나눔스퀘어 ExtraBold" panose="020B0600000101010101" pitchFamily="50" charset="-127"/>
+                </a:rPr>
+                <a:t>출력용</a:t>
+              </a:r>
+              <a:r>
+                <a:rPr lang="en-US" altLang="ko-KR" sz="2000" dirty="0">
+                  <a:latin typeface="나눔스퀘어 ExtraBold" panose="020B0600000101010101" pitchFamily="50" charset="-127"/>
+                  <a:ea typeface="나눔스퀘어 ExtraBold" panose="020B0600000101010101" pitchFamily="50" charset="-127"/>
+                </a:rPr>
+                <a:t>)</a:t>
+              </a:r>
+              <a:endParaRPr lang="ko-KR" altLang="en-US" sz="2000" dirty="0">
+                <a:latin typeface="나눔스퀘어 ExtraBold" panose="020B0600000101010101" pitchFamily="50" charset="-127"/>
+                <a:ea typeface="나눔스퀘어 ExtraBold" panose="020B0600000101010101" pitchFamily="50" charset="-127"/>
+              </a:endParaRPr>
             </a:p>
           </p:txBody>
         </p:sp>
@@ -12267,7 +12699,7 @@
           <p:spPr>
             <a:xfrm>
               <a:off x="3422330" y="4461708"/>
-              <a:ext cx="2743224" cy="923330"/>
+              <a:ext cx="2743224" cy="883383"/>
             </a:xfrm>
             <a:prstGeom prst="rect">
               <a:avLst/>
@@ -12279,6 +12711,24 @@
               <a:spAutoFit/>
             </a:bodyPr>
             <a:lstStyle/>
+            <a:p>
+              <a:pPr algn="ctr">
+                <a:lnSpc>
+                  <a:spcPct val="150000"/>
+                </a:lnSpc>
+              </a:pPr>
+              <a:r>
+                <a:rPr lang="ko-KR" altLang="en-US" spc="-50" dirty="0">
+                  <a:latin typeface="나눔스퀘어 Bold" panose="020B0600000101010101" pitchFamily="50" charset="-127"/>
+                  <a:ea typeface="나눔스퀘어 Bold" panose="020B0600000101010101" pitchFamily="50" charset="-127"/>
+                </a:rPr>
+                <a:t>관광지 위치 표시</a:t>
+              </a:r>
+              <a:endParaRPr lang="en-US" altLang="ko-KR" spc="-50" dirty="0">
+                <a:latin typeface="나눔스퀘어 Bold" panose="020B0600000101010101" pitchFamily="50" charset="-127"/>
+                <a:ea typeface="나눔스퀘어 Bold" panose="020B0600000101010101" pitchFamily="50" charset="-127"/>
+              </a:endParaRPr>
+            </a:p>
             <a:p>
               <a:pPr algn="ctr">
                 <a:lnSpc>
@@ -12304,25 +12754,7 @@
                   <a:latin typeface="나눔스퀘어 Bold" panose="020B0600000101010101" pitchFamily="50" charset="-127"/>
                   <a:ea typeface="나눔스퀘어 Bold" panose="020B0600000101010101" pitchFamily="50" charset="-127"/>
                 </a:rPr>
-                <a:t>관광지 거리</a:t>
-              </a:r>
-              <a:endParaRPr lang="en-US" altLang="ko-KR" spc="-50" dirty="0">
-                <a:latin typeface="나눔스퀘어 Bold" panose="020B0600000101010101" pitchFamily="50" charset="-127"/>
-                <a:ea typeface="나눔스퀘어 Bold" panose="020B0600000101010101" pitchFamily="50" charset="-127"/>
-              </a:endParaRPr>
-            </a:p>
-            <a:p>
-              <a:pPr algn="ctr">
-                <a:lnSpc>
-                  <a:spcPct val="150000"/>
-                </a:lnSpc>
-              </a:pPr>
-              <a:r>
-                <a:rPr lang="ko-KR" altLang="en-US" spc="-50" dirty="0">
-                  <a:latin typeface="나눔스퀘어 Bold" panose="020B0600000101010101" pitchFamily="50" charset="-127"/>
-                  <a:ea typeface="나눔스퀘어 Bold" panose="020B0600000101010101" pitchFamily="50" charset="-127"/>
-                </a:rPr>
-                <a:t>관광지 위치 표시</a:t>
+                <a:t>관광지 거리 표시</a:t>
               </a:r>
               <a:endParaRPr lang="en-US" altLang="ko-KR" spc="-50" dirty="0">
                 <a:latin typeface="나눔스퀘어 Bold" panose="020B0600000101010101" pitchFamily="50" charset="-127"/>
@@ -12341,9 +12773,9 @@
         <p:grpSpPr>
           <a:xfrm>
             <a:off x="9064519" y="3412830"/>
-            <a:ext cx="2744508" cy="2219543"/>
+            <a:ext cx="2744508" cy="2595095"/>
             <a:chOff x="3422330" y="3580993"/>
-            <a:chExt cx="2744508" cy="2219543"/>
+            <a:chExt cx="2744508" cy="2595095"/>
           </a:xfrm>
         </p:grpSpPr>
         <p:sp>
@@ -12399,7 +12831,7 @@
                   <a:latin typeface="나눔스퀘어 ExtraBold" panose="020B0600000101010101" pitchFamily="50" charset="-127"/>
                   <a:ea typeface="나눔스퀘어 ExtraBold" panose="020B0600000101010101" pitchFamily="50" charset="-127"/>
                 </a:rPr>
-                <a:t>기타 데이터</a:t>
+                <a:t>데이터</a:t>
               </a:r>
             </a:p>
           </p:txBody>
@@ -12419,7 +12851,7 @@
           <p:spPr>
             <a:xfrm>
               <a:off x="3422330" y="4461708"/>
-              <a:ext cx="2743224" cy="1338828"/>
+              <a:ext cx="2743224" cy="1714380"/>
             </a:xfrm>
             <a:prstGeom prst="rect">
               <a:avLst/>
@@ -12442,7 +12874,39 @@
                   <a:latin typeface="나눔스퀘어 Bold" panose="020B0600000101010101" pitchFamily="50" charset="-127"/>
                   <a:ea typeface="나눔스퀘어 Bold" panose="020B0600000101010101" pitchFamily="50" charset="-127"/>
                 </a:rPr>
-                <a:t>제주도 관광지 목록</a:t>
+                <a:t>제주도 </a:t>
+              </a:r>
+              <a:r>
+                <a:rPr lang="ko-KR" altLang="en-US" spc="-50" dirty="0" err="1">
+                  <a:latin typeface="나눔스퀘어 Bold" panose="020B0600000101010101" pitchFamily="50" charset="-127"/>
+                  <a:ea typeface="나눔스퀘어 Bold" panose="020B0600000101010101" pitchFamily="50" charset="-127"/>
+                </a:rPr>
+                <a:t>분류별</a:t>
+              </a:r>
+              <a:r>
+                <a:rPr lang="ko-KR" altLang="en-US" spc="-50" dirty="0">
+                  <a:latin typeface="나눔스퀘어 Bold" panose="020B0600000101010101" pitchFamily="50" charset="-127"/>
+                  <a:ea typeface="나눔스퀘어 Bold" panose="020B0600000101010101" pitchFamily="50" charset="-127"/>
+                </a:rPr>
+                <a:t> 관광지</a:t>
+              </a:r>
+              <a:endParaRPr lang="en-US" altLang="ko-KR" spc="-50" dirty="0">
+                <a:latin typeface="나눔스퀘어 Bold" panose="020B0600000101010101" pitchFamily="50" charset="-127"/>
+                <a:ea typeface="나눔스퀘어 Bold" panose="020B0600000101010101" pitchFamily="50" charset="-127"/>
+              </a:endParaRPr>
+            </a:p>
+            <a:p>
+              <a:pPr algn="ctr">
+                <a:lnSpc>
+                  <a:spcPct val="150000"/>
+                </a:lnSpc>
+              </a:pPr>
+              <a:r>
+                <a:rPr lang="ko-KR" altLang="en-US" spc="-50" dirty="0">
+                  <a:latin typeface="나눔스퀘어 Bold" panose="020B0600000101010101" pitchFamily="50" charset="-127"/>
+                  <a:ea typeface="나눔스퀘어 Bold" panose="020B0600000101010101" pitchFamily="50" charset="-127"/>
+                </a:rPr>
+                <a:t>제주도 관광지 위치</a:t>
               </a:r>
               <a:endParaRPr lang="en-US" altLang="ko-KR" spc="-50" dirty="0">
                 <a:latin typeface="나눔스퀘어 Bold" panose="020B0600000101010101" pitchFamily="50" charset="-127"/>
@@ -12631,36 +13095,68 @@
       </p:grpSpPr>
       <p:sp>
         <p:nvSpPr>
-          <p:cNvPr id="3" name="제목 2"/>
-          <p:cNvSpPr>
-            <a:spLocks noGrp="1"/>
-          </p:cNvSpPr>
-          <p:nvPr>
-            <p:ph type="title"/>
-          </p:nvPr>
+          <p:cNvPr id="157" name="직사각형 156">
+            <a:extLst>
+              <a:ext uri="{FF2B5EF4-FFF2-40B4-BE49-F238E27FC236}">
+                <a16:creationId xmlns:a16="http://schemas.microsoft.com/office/drawing/2014/main" id="{04EDCBD8-BA77-43B4-9252-D66CBDA934BC}"/>
+              </a:ext>
+            </a:extLst>
+          </p:cNvPr>
+          <p:cNvSpPr/>
+          <p:nvPr/>
         </p:nvSpPr>
-        <p:spPr/>
+        <p:spPr>
+          <a:xfrm>
+            <a:off x="3842400" y="5855865"/>
+            <a:ext cx="4507200" cy="686879"/>
+          </a:xfrm>
+          <a:prstGeom prst="rect">
+            <a:avLst/>
+          </a:prstGeom>
+          <a:solidFill>
+            <a:srgbClr val="4472C4"/>
+          </a:solidFill>
+          <a:ln>
+            <a:noFill/>
+          </a:ln>
+        </p:spPr>
+        <p:style>
+          <a:lnRef idx="2">
+            <a:schemeClr val="accent1">
+              <a:shade val="50000"/>
+            </a:schemeClr>
+          </a:lnRef>
+          <a:fillRef idx="1">
+            <a:schemeClr val="accent1"/>
+          </a:fillRef>
+          <a:effectRef idx="0">
+            <a:schemeClr val="accent1"/>
+          </a:effectRef>
+          <a:fontRef idx="minor">
+            <a:schemeClr val="lt1"/>
+          </a:fontRef>
+        </p:style>
         <p:txBody>
-          <a:bodyPr/>
+          <a:bodyPr rtlCol="0" anchor="ctr"/>
           <a:lstStyle/>
           <a:p>
-            <a:r>
-              <a:rPr lang="en-US" altLang="ko-KR" dirty="0"/>
-              <a:t>3. </a:t>
-            </a:r>
-            <a:r>
-              <a:rPr lang="ko-KR" altLang="en-US" dirty="0"/>
-              <a:t>분석 모델</a:t>
+            <a:pPr algn="ctr"/>
+            <a:r>
+              <a:rPr lang="ko-KR" altLang="en-US" sz="2800" dirty="0">
+                <a:latin typeface="나눔스퀘어 ExtraBold" panose="020B0600000101010101" pitchFamily="50" charset="-127"/>
+                <a:ea typeface="나눔스퀘어 ExtraBold" panose="020B0600000101010101" pitchFamily="50" charset="-127"/>
+              </a:rPr>
+              <a:t>추천 관광지</a:t>
             </a:r>
           </a:p>
         </p:txBody>
       </p:sp>
       <p:grpSp>
         <p:nvGrpSpPr>
-          <p:cNvPr id="2" name="그룹 1">
+          <p:cNvPr id="7" name="그룹 6">
             <a:extLst>
               <a:ext uri="{FF2B5EF4-FFF2-40B4-BE49-F238E27FC236}">
-                <a16:creationId xmlns:a16="http://schemas.microsoft.com/office/drawing/2014/main" id="{AF449255-F3BD-4DDE-843A-9730894856E0}"/>
+                <a16:creationId xmlns:a16="http://schemas.microsoft.com/office/drawing/2014/main" id="{20F0A291-3CAE-445E-93F5-E148FFEF9064}"/>
               </a:ext>
             </a:extLst>
           </p:cNvPr>
@@ -12669,10 +13165,10 @@
         </p:nvGrpSpPr>
         <p:grpSpPr>
           <a:xfrm>
-            <a:off x="867140" y="1342631"/>
-            <a:ext cx="3292292" cy="3193200"/>
-            <a:chOff x="867140" y="1342631"/>
-            <a:chExt cx="3292292" cy="3193200"/>
+            <a:off x="231912" y="1139431"/>
+            <a:ext cx="2790461" cy="3893028"/>
+            <a:chOff x="-1774460" y="1342631"/>
+            <a:chExt cx="2790461" cy="3893028"/>
           </a:xfrm>
         </p:grpSpPr>
         <p:sp>
@@ -12689,8 +13185,8 @@
           </p:nvSpPr>
           <p:spPr>
             <a:xfrm>
-              <a:off x="867140" y="1342631"/>
-              <a:ext cx="3292292" cy="3193200"/>
+              <a:off x="-1774460" y="1342631"/>
+              <a:ext cx="2790460" cy="3893028"/>
             </a:xfrm>
             <a:prstGeom prst="rect">
               <a:avLst/>
@@ -12735,8 +13231,8 @@
           </p:nvSpPr>
           <p:spPr>
             <a:xfrm>
-              <a:off x="867140" y="1630010"/>
-              <a:ext cx="3292291" cy="565002"/>
+              <a:off x="-1774459" y="1595110"/>
+              <a:ext cx="2790460" cy="523220"/>
             </a:xfrm>
             <a:prstGeom prst="rect">
               <a:avLst/>
@@ -12768,8 +13264,8 @@
           </p:nvSpPr>
           <p:spPr>
             <a:xfrm>
-              <a:off x="968284" y="3020936"/>
-              <a:ext cx="3074400" cy="646331"/>
+              <a:off x="-1673316" y="3300567"/>
+              <a:ext cx="2574559" cy="856728"/>
             </a:xfrm>
             <a:prstGeom prst="rect">
               <a:avLst/>
@@ -12789,7 +13285,7 @@
           </p:spPr>
           <p:txBody>
             <a:bodyPr wrap="square" rtlCol="0" anchor="ctr">
-              <a:spAutoFit/>
+              <a:noAutofit/>
             </a:bodyPr>
             <a:lstStyle>
               <a:defPPr>
@@ -12841,28 +13337,34 @@
         </p:sp>
         <p:grpSp>
           <p:nvGrpSpPr>
-            <p:cNvPr id="36" name="그룹 35"/>
+            <p:cNvPr id="5" name="그룹 4">
+              <a:extLst>
+                <a:ext uri="{FF2B5EF4-FFF2-40B4-BE49-F238E27FC236}">
+                  <a16:creationId xmlns:a16="http://schemas.microsoft.com/office/drawing/2014/main" id="{BBE18C32-8B93-474F-AEAE-F8AB8E3C9167}"/>
+                </a:ext>
+              </a:extLst>
+            </p:cNvPr>
             <p:cNvGrpSpPr/>
             <p:nvPr/>
           </p:nvGrpSpPr>
           <p:grpSpPr>
             <a:xfrm>
-              <a:off x="968284" y="2393063"/>
-              <a:ext cx="3075092" cy="408192"/>
-              <a:chOff x="1194220" y="3624046"/>
-              <a:chExt cx="3075092" cy="369338"/>
+              <a:off x="-1673316" y="4364648"/>
+              <a:ext cx="2574560" cy="541061"/>
+              <a:chOff x="-1673316" y="4364648"/>
+              <a:chExt cx="2574560" cy="541061"/>
             </a:xfrm>
           </p:grpSpPr>
           <p:sp>
             <p:nvSpPr>
-              <p:cNvPr id="27" name="TextBox 26"/>
+              <p:cNvPr id="32" name="TextBox 31"/>
               <p:cNvSpPr txBox="1"/>
               <p:nvPr/>
             </p:nvSpPr>
             <p:spPr>
               <a:xfrm>
-                <a:off x="1866569" y="3624046"/>
-                <a:ext cx="2402743" cy="369332"/>
+                <a:off x="-1000966" y="4364648"/>
+                <a:ext cx="1902210" cy="539224"/>
               </a:xfrm>
               <a:prstGeom prst="rect">
                 <a:avLst/>
@@ -12882,33 +13384,26 @@
             </p:spPr>
             <p:txBody>
               <a:bodyPr wrap="square" rtlCol="0" anchor="ctr">
-                <a:spAutoFit/>
+                <a:noAutofit/>
               </a:bodyPr>
               <a:lstStyle/>
               <a:p>
                 <a:pPr algn="ctr"/>
                 <a:r>
-                  <a:rPr lang="ko-KR" altLang="en-US" dirty="0">
+                  <a:rPr lang="en-US" altLang="ko-KR" sz="1600" dirty="0">
                     <a:latin typeface="나눔스퀘어" panose="020B0600000101010101" pitchFamily="50" charset="-127"/>
                     <a:ea typeface="나눔스퀘어" panose="020B0600000101010101" pitchFamily="50" charset="-127"/>
                   </a:rPr>
-                  <a:t>지난 </a:t>
+                  <a:t>3~4</a:t>
                 </a:r>
                 <a:r>
-                  <a:rPr lang="en-US" altLang="ko-KR" dirty="0">
+                  <a:rPr lang="ko-KR" altLang="en-US" sz="1600" dirty="0">
                     <a:latin typeface="나눔스퀘어" panose="020B0600000101010101" pitchFamily="50" charset="-127"/>
                     <a:ea typeface="나눔스퀘어" panose="020B0600000101010101" pitchFamily="50" charset="-127"/>
                   </a:rPr>
-                  <a:t>1</a:t>
+                  <a:t>개의 날씨 그룹</a:t>
                 </a:r>
-                <a:r>
-                  <a:rPr lang="ko-KR" altLang="en-US" dirty="0">
-                    <a:latin typeface="나눔스퀘어" panose="020B0600000101010101" pitchFamily="50" charset="-127"/>
-                    <a:ea typeface="나눔스퀘어" panose="020B0600000101010101" pitchFamily="50" charset="-127"/>
-                  </a:rPr>
-                  <a:t>년 일별 날씨</a:t>
-                </a:r>
-                <a:endParaRPr lang="en-US" altLang="ko-KR" dirty="0">
+                <a:endParaRPr lang="en-US" altLang="ko-KR" sz="1600" dirty="0">
                   <a:latin typeface="나눔스퀘어" panose="020B0600000101010101" pitchFamily="50" charset="-127"/>
                   <a:ea typeface="나눔스퀘어" panose="020B0600000101010101" pitchFamily="50" charset="-127"/>
                 </a:endParaRPr>
@@ -12917,14 +13412,14 @@
           </p:sp>
           <p:sp>
             <p:nvSpPr>
-              <p:cNvPr id="29" name="TextBox 28"/>
+              <p:cNvPr id="33" name="TextBox 32"/>
               <p:cNvSpPr txBox="1"/>
               <p:nvPr/>
             </p:nvSpPr>
             <p:spPr>
               <a:xfrm>
-                <a:off x="1194220" y="3624051"/>
-                <a:ext cx="672349" cy="369333"/>
+                <a:off x="-1673316" y="4364648"/>
+                <a:ext cx="672349" cy="541061"/>
               </a:xfrm>
               <a:prstGeom prst="rect">
                 <a:avLst/>
@@ -12941,380 +13436,7 @@
             </p:spPr>
             <p:txBody>
               <a:bodyPr wrap="square" rtlCol="0" anchor="ctr">
-                <a:spAutoFit/>
-              </a:bodyPr>
-              <a:lstStyle/>
-              <a:p>
-                <a:pPr algn="ctr"/>
-                <a:r>
-                  <a:rPr lang="en-US" altLang="ko-KR" dirty="0">
-                    <a:latin typeface="나눔스퀘어 ExtraBold" panose="020B0600000101010101" pitchFamily="50" charset="-127"/>
-                    <a:ea typeface="나눔스퀘어 ExtraBold" panose="020B0600000101010101" pitchFamily="50" charset="-127"/>
-                  </a:rPr>
-                  <a:t>IN</a:t>
-                </a:r>
-              </a:p>
-            </p:txBody>
-          </p:sp>
-        </p:grpSp>
-        <p:sp>
-          <p:nvSpPr>
-            <p:cNvPr id="32" name="TextBox 31"/>
-            <p:cNvSpPr txBox="1"/>
-            <p:nvPr/>
-          </p:nvSpPr>
-          <p:spPr>
-            <a:xfrm>
-              <a:off x="1640633" y="3871603"/>
-              <a:ext cx="2402743" cy="406800"/>
-            </a:xfrm>
-            <a:prstGeom prst="rect">
-              <a:avLst/>
-            </a:prstGeom>
-            <a:solidFill>
-              <a:schemeClr val="accent4">
-                <a:lumMod val="20000"/>
-                <a:lumOff val="80000"/>
-              </a:schemeClr>
-            </a:solidFill>
-            <a:ln w="12700">
-              <a:solidFill>
-                <a:schemeClr val="tx1"/>
-              </a:solidFill>
-              <a:prstDash val="sysDot"/>
-            </a:ln>
-          </p:spPr>
-          <p:txBody>
-            <a:bodyPr wrap="square" rtlCol="0" anchor="ctr">
-              <a:spAutoFit/>
-            </a:bodyPr>
-            <a:lstStyle/>
-            <a:p>
-              <a:pPr algn="ctr"/>
-              <a:r>
-                <a:rPr lang="en-US" altLang="ko-KR" dirty="0">
-                  <a:latin typeface="나눔스퀘어" panose="020B0600000101010101" pitchFamily="50" charset="-127"/>
-                  <a:ea typeface="나눔스퀘어" panose="020B0600000101010101" pitchFamily="50" charset="-127"/>
-                </a:rPr>
-                <a:t>3~4</a:t>
-              </a:r>
-              <a:r>
-                <a:rPr lang="ko-KR" altLang="en-US" dirty="0">
-                  <a:latin typeface="나눔스퀘어" panose="020B0600000101010101" pitchFamily="50" charset="-127"/>
-                  <a:ea typeface="나눔스퀘어" panose="020B0600000101010101" pitchFamily="50" charset="-127"/>
-                </a:rPr>
-                <a:t>개의 날씨 그룹</a:t>
-              </a:r>
-              <a:endParaRPr lang="en-US" altLang="ko-KR" dirty="0">
-                <a:latin typeface="나눔스퀘어" panose="020B0600000101010101" pitchFamily="50" charset="-127"/>
-                <a:ea typeface="나눔스퀘어" panose="020B0600000101010101" pitchFamily="50" charset="-127"/>
-              </a:endParaRPr>
-            </a:p>
-          </p:txBody>
-        </p:sp>
-        <p:sp>
-          <p:nvSpPr>
-            <p:cNvPr id="33" name="TextBox 32"/>
-            <p:cNvSpPr txBox="1"/>
-            <p:nvPr/>
-          </p:nvSpPr>
-          <p:spPr>
-            <a:xfrm>
-              <a:off x="968284" y="3871603"/>
-              <a:ext cx="672349" cy="408186"/>
-            </a:xfrm>
-            <a:prstGeom prst="rect">
-              <a:avLst/>
-            </a:prstGeom>
-            <a:solidFill>
-              <a:srgbClr val="FFC000"/>
-            </a:solidFill>
-            <a:ln w="12700">
-              <a:solidFill>
-                <a:schemeClr val="tx1"/>
-              </a:solidFill>
-              <a:prstDash val="sysDot"/>
-            </a:ln>
-          </p:spPr>
-          <p:txBody>
-            <a:bodyPr wrap="square" rtlCol="0" anchor="ctr">
-              <a:spAutoFit/>
-            </a:bodyPr>
-            <a:lstStyle/>
-            <a:p>
-              <a:pPr algn="ctr"/>
-              <a:r>
-                <a:rPr lang="en-US" altLang="ko-KR" dirty="0">
-                  <a:latin typeface="나눔스퀘어 ExtraBold" panose="020B0600000101010101" pitchFamily="50" charset="-127"/>
-                  <a:ea typeface="나눔스퀘어 ExtraBold" panose="020B0600000101010101" pitchFamily="50" charset="-127"/>
-                </a:rPr>
-                <a:t>OUT</a:t>
-              </a:r>
-            </a:p>
-          </p:txBody>
-        </p:sp>
-      </p:grpSp>
-      <p:grpSp>
-        <p:nvGrpSpPr>
-          <p:cNvPr id="140" name="그룹 139"/>
-          <p:cNvGrpSpPr/>
-          <p:nvPr/>
-        </p:nvGrpSpPr>
-        <p:grpSpPr>
-          <a:xfrm>
-            <a:off x="8032569" y="1342631"/>
-            <a:ext cx="3292292" cy="3194114"/>
-            <a:chOff x="8522181" y="1142936"/>
-            <a:chExt cx="3292292" cy="3194114"/>
-          </a:xfrm>
-        </p:grpSpPr>
-        <p:sp>
-          <p:nvSpPr>
-            <p:cNvPr id="97" name="직사각형 96">
-              <a:extLst>
-                <a:ext uri="{FF2B5EF4-FFF2-40B4-BE49-F238E27FC236}">
-                  <a16:creationId xmlns:a16="http://schemas.microsoft.com/office/drawing/2014/main" id="{04EDCBD8-BA77-43B4-9252-D66CBDA934BC}"/>
-                </a:ext>
-              </a:extLst>
-            </p:cNvPr>
-            <p:cNvSpPr/>
-            <p:nvPr/>
-          </p:nvSpPr>
-          <p:spPr>
-            <a:xfrm>
-              <a:off x="8522181" y="1142936"/>
-              <a:ext cx="3292292" cy="3194114"/>
-            </a:xfrm>
-            <a:prstGeom prst="rect">
-              <a:avLst/>
-            </a:prstGeom>
-            <a:solidFill>
-              <a:srgbClr val="FFDB00"/>
-            </a:solidFill>
-            <a:ln>
-              <a:noFill/>
-            </a:ln>
-          </p:spPr>
-          <p:style>
-            <a:lnRef idx="2">
-              <a:schemeClr val="accent1">
-                <a:shade val="50000"/>
-              </a:schemeClr>
-            </a:lnRef>
-            <a:fillRef idx="1">
-              <a:schemeClr val="accent1"/>
-            </a:fillRef>
-            <a:effectRef idx="0">
-              <a:schemeClr val="accent1"/>
-            </a:effectRef>
-            <a:fontRef idx="minor">
-              <a:schemeClr val="lt1"/>
-            </a:fontRef>
-          </p:style>
-          <p:txBody>
-            <a:bodyPr rtlCol="0" anchor="ctr"/>
-            <a:lstStyle/>
-            <a:p>
-              <a:pPr algn="ctr"/>
-              <a:endParaRPr lang="ko-KR" altLang="en-US" dirty="0"/>
-            </a:p>
-          </p:txBody>
-        </p:sp>
-        <p:sp>
-          <p:nvSpPr>
-            <p:cNvPr id="98" name="TextBox 97"/>
-            <p:cNvSpPr txBox="1"/>
-            <p:nvPr/>
-          </p:nvSpPr>
-          <p:spPr>
-            <a:xfrm>
-              <a:off x="8522181" y="1430315"/>
-              <a:ext cx="3292291" cy="516290"/>
-            </a:xfrm>
-            <a:prstGeom prst="rect">
-              <a:avLst/>
-            </a:prstGeom>
-            <a:solidFill>
-              <a:srgbClr val="FFDB00"/>
-            </a:solidFill>
-          </p:spPr>
-          <p:txBody>
-            <a:bodyPr wrap="square" rtlCol="0" anchor="ctr">
-              <a:spAutoFit/>
-            </a:bodyPr>
-            <a:lstStyle/>
-            <a:p>
-              <a:pPr algn="ctr"/>
-              <a:r>
-                <a:rPr lang="ko-KR" altLang="en-US" sz="2800" dirty="0">
-                  <a:latin typeface="나눔스퀘어 ExtraBold" panose="020B0600000101010101" pitchFamily="50" charset="-127"/>
-                  <a:ea typeface="나눔스퀘어 ExtraBold" panose="020B0600000101010101" pitchFamily="50" charset="-127"/>
-                </a:rPr>
-                <a:t>거리</a:t>
-              </a:r>
-            </a:p>
-          </p:txBody>
-        </p:sp>
-        <p:sp>
-          <p:nvSpPr>
-            <p:cNvPr id="100" name="TextBox 99"/>
-            <p:cNvSpPr txBox="1"/>
-            <p:nvPr/>
-          </p:nvSpPr>
-          <p:spPr>
-            <a:xfrm>
-              <a:off x="8607672" y="3144603"/>
-              <a:ext cx="3074400" cy="369332"/>
-            </a:xfrm>
-            <a:prstGeom prst="rect">
-              <a:avLst/>
-            </a:prstGeom>
-            <a:solidFill>
-              <a:srgbClr val="FFF2CC"/>
-            </a:solidFill>
-            <a:ln w="12700">
-              <a:solidFill>
-                <a:schemeClr val="tx1"/>
-              </a:solidFill>
-              <a:prstDash val="sysDot"/>
-            </a:ln>
-          </p:spPr>
-          <p:txBody>
-            <a:bodyPr wrap="square" rtlCol="0" anchor="ctr">
-              <a:spAutoFit/>
-            </a:bodyPr>
-            <a:lstStyle>
-              <a:defPPr>
-                <a:defRPr lang="ko-KR"/>
-              </a:defPPr>
-              <a:lvl1pPr>
-                <a:defRPr>
-                  <a:latin typeface="나눔스퀘어" panose="020B0600000101010101" pitchFamily="50" charset="-127"/>
-                  <a:ea typeface="나눔스퀘어" panose="020B0600000101010101" pitchFamily="50" charset="-127"/>
-                </a:defRPr>
-              </a:lvl1pPr>
-            </a:lstStyle>
-            <a:p>
-              <a:pPr algn="ctr"/>
-              <a:r>
-                <a:rPr lang="ko-KR" altLang="en-US" dirty="0"/>
-                <a:t>거리</a:t>
-              </a:r>
-              <a:r>
-                <a:rPr lang="en-US" altLang="ko-KR" dirty="0"/>
-                <a:t>(</a:t>
-              </a:r>
-              <a:r>
-                <a:rPr lang="ko-KR" altLang="en-US" dirty="0"/>
-                <a:t>변수</a:t>
-              </a:r>
-              <a:r>
-                <a:rPr lang="en-US" altLang="ko-KR" dirty="0"/>
-                <a:t>)</a:t>
-              </a:r>
-            </a:p>
-          </p:txBody>
-        </p:sp>
-        <p:grpSp>
-          <p:nvGrpSpPr>
-            <p:cNvPr id="137" name="그룹 136"/>
-            <p:cNvGrpSpPr/>
-            <p:nvPr/>
-          </p:nvGrpSpPr>
-          <p:grpSpPr>
-            <a:xfrm>
-              <a:off x="8607672" y="3707106"/>
-              <a:ext cx="3075092" cy="372993"/>
-              <a:chOff x="8607672" y="3685398"/>
-              <a:chExt cx="3075092" cy="372993"/>
-            </a:xfrm>
-          </p:grpSpPr>
-          <p:sp>
-            <p:nvSpPr>
-              <p:cNvPr id="109" name="TextBox 108"/>
-              <p:cNvSpPr txBox="1"/>
-              <p:nvPr/>
-            </p:nvSpPr>
-            <p:spPr>
-              <a:xfrm>
-                <a:off x="9280021" y="3685398"/>
-                <a:ext cx="2402743" cy="372993"/>
-              </a:xfrm>
-              <a:prstGeom prst="rect">
-                <a:avLst/>
-              </a:prstGeom>
-              <a:solidFill>
-                <a:srgbClr val="FFF2CC"/>
-              </a:solidFill>
-              <a:ln w="12700">
-                <a:solidFill>
-                  <a:schemeClr val="tx1"/>
-                </a:solidFill>
-                <a:prstDash val="sysDot"/>
-              </a:ln>
-            </p:spPr>
-            <p:txBody>
-              <a:bodyPr wrap="square" rtlCol="0" anchor="ctr">
-                <a:spAutoFit/>
-              </a:bodyPr>
-              <a:lstStyle/>
-              <a:p>
-                <a:pPr algn="ctr"/>
-                <a:r>
-                  <a:rPr lang="ko-KR" altLang="en-US" dirty="0">
-                    <a:latin typeface="나눔스퀘어" panose="020B0600000101010101" pitchFamily="50" charset="-127"/>
-                    <a:ea typeface="나눔스퀘어" panose="020B0600000101010101" pitchFamily="50" charset="-127"/>
-                  </a:rPr>
-                  <a:t>현재 위치</a:t>
-                </a:r>
-                <a:r>
-                  <a:rPr lang="en-US" altLang="ko-KR" dirty="0">
-                    <a:latin typeface="나눔스퀘어" panose="020B0600000101010101" pitchFamily="50" charset="-127"/>
-                    <a:ea typeface="나눔스퀘어" panose="020B0600000101010101" pitchFamily="50" charset="-127"/>
-                  </a:rPr>
-                  <a:t>–</a:t>
-                </a:r>
-                <a:r>
-                  <a:rPr lang="ko-KR" altLang="en-US" dirty="0">
-                    <a:latin typeface="나눔스퀘어" panose="020B0600000101010101" pitchFamily="50" charset="-127"/>
-                    <a:ea typeface="나눔스퀘어" panose="020B0600000101010101" pitchFamily="50" charset="-127"/>
-                  </a:rPr>
-                  <a:t>관광지 거리</a:t>
-                </a:r>
-                <a:endParaRPr lang="en-US" altLang="ko-KR" dirty="0">
-                  <a:latin typeface="나눔스퀘어" panose="020B0600000101010101" pitchFamily="50" charset="-127"/>
-                  <a:ea typeface="나눔스퀘어" panose="020B0600000101010101" pitchFamily="50" charset="-127"/>
-                </a:endParaRPr>
-              </a:p>
-            </p:txBody>
-          </p:sp>
-          <p:sp>
-            <p:nvSpPr>
-              <p:cNvPr id="110" name="TextBox 109"/>
-              <p:cNvSpPr txBox="1"/>
-              <p:nvPr/>
-            </p:nvSpPr>
-            <p:spPr>
-              <a:xfrm>
-                <a:off x="8607672" y="3685398"/>
-                <a:ext cx="672349" cy="372993"/>
-              </a:xfrm>
-              <a:prstGeom prst="rect">
-                <a:avLst/>
-              </a:prstGeom>
-              <a:solidFill>
-                <a:srgbClr val="FFC000"/>
-              </a:solidFill>
-              <a:ln w="12700">
-                <a:solidFill>
-                  <a:schemeClr val="tx1"/>
-                </a:solidFill>
-                <a:prstDash val="sysDot"/>
-              </a:ln>
-            </p:spPr>
-            <p:txBody>
-              <a:bodyPr wrap="square" rtlCol="0" anchor="ctr">
-                <a:spAutoFit/>
+                <a:noAutofit/>
               </a:bodyPr>
               <a:lstStyle/>
               <a:p>
@@ -13332,28 +13454,142 @@
         </p:grpSp>
         <p:grpSp>
           <p:nvGrpSpPr>
-            <p:cNvPr id="111" name="그룹 110"/>
+            <p:cNvPr id="4" name="그룹 3">
+              <a:extLst>
+                <a:ext uri="{FF2B5EF4-FFF2-40B4-BE49-F238E27FC236}">
+                  <a16:creationId xmlns:a16="http://schemas.microsoft.com/office/drawing/2014/main" id="{2379CED7-F957-4FAF-8B32-92C1F2C8A443}"/>
+                </a:ext>
+              </a:extLst>
+            </p:cNvPr>
             <p:cNvGrpSpPr/>
             <p:nvPr/>
           </p:nvGrpSpPr>
           <p:grpSpPr>
             <a:xfrm>
-              <a:off x="8607672" y="2193368"/>
-              <a:ext cx="3075092" cy="750095"/>
-              <a:chOff x="7832972" y="2262623"/>
-              <a:chExt cx="3075092" cy="760164"/>
+              <a:off x="-1673317" y="2198200"/>
+              <a:ext cx="2574560" cy="994724"/>
+              <a:chOff x="-1673317" y="2198200"/>
+              <a:chExt cx="2574560" cy="994724"/>
             </a:xfrm>
           </p:grpSpPr>
           <p:sp>
             <p:nvSpPr>
-              <p:cNvPr id="103" name="TextBox 102"/>
+              <p:cNvPr id="27" name="TextBox 26"/>
               <p:cNvSpPr txBox="1"/>
               <p:nvPr/>
             </p:nvSpPr>
             <p:spPr>
               <a:xfrm>
-                <a:off x="7832972" y="2262623"/>
-                <a:ext cx="672349" cy="760164"/>
+                <a:off x="-1000966" y="2198200"/>
+                <a:ext cx="953792" cy="493200"/>
+              </a:xfrm>
+              <a:prstGeom prst="rect">
+                <a:avLst/>
+              </a:prstGeom>
+              <a:solidFill>
+                <a:schemeClr val="accent4">
+                  <a:lumMod val="20000"/>
+                  <a:lumOff val="80000"/>
+                </a:schemeClr>
+              </a:solidFill>
+              <a:ln w="12700">
+                <a:solidFill>
+                  <a:schemeClr val="tx1"/>
+                </a:solidFill>
+                <a:prstDash val="sysDot"/>
+              </a:ln>
+            </p:spPr>
+            <p:txBody>
+              <a:bodyPr wrap="square" rtlCol="0" anchor="ctr">
+                <a:noAutofit/>
+              </a:bodyPr>
+              <a:lstStyle/>
+              <a:p>
+                <a:pPr algn="ctr"/>
+                <a:r>
+                  <a:rPr lang="ko-KR" altLang="en-US" sz="1600" dirty="0">
+                    <a:latin typeface="나눔스퀘어" panose="020B0600000101010101" pitchFamily="50" charset="-127"/>
+                    <a:ea typeface="나눔스퀘어" panose="020B0600000101010101" pitchFamily="50" charset="-127"/>
+                  </a:rPr>
+                  <a:t>평균기온</a:t>
+                </a:r>
+                <a:endParaRPr lang="en-US" altLang="ko-KR" sz="1600" dirty="0">
+                  <a:latin typeface="나눔스퀘어" panose="020B0600000101010101" pitchFamily="50" charset="-127"/>
+                  <a:ea typeface="나눔스퀘어" panose="020B0600000101010101" pitchFamily="50" charset="-127"/>
+                </a:endParaRPr>
+              </a:p>
+            </p:txBody>
+          </p:sp>
+          <p:sp>
+            <p:nvSpPr>
+              <p:cNvPr id="51" name="TextBox 50">
+                <a:extLst>
+                  <a:ext uri="{FF2B5EF4-FFF2-40B4-BE49-F238E27FC236}">
+                    <a16:creationId xmlns:a16="http://schemas.microsoft.com/office/drawing/2014/main" id="{A68EFB28-6B48-4E2C-B485-FC10BFE2F51B}"/>
+                  </a:ext>
+                </a:extLst>
+              </p:cNvPr>
+              <p:cNvSpPr txBox="1"/>
+              <p:nvPr/>
+            </p:nvSpPr>
+            <p:spPr>
+              <a:xfrm>
+                <a:off x="-1000966" y="2694995"/>
+                <a:ext cx="953792" cy="493200"/>
+              </a:xfrm>
+              <a:prstGeom prst="rect">
+                <a:avLst/>
+              </a:prstGeom>
+              <a:solidFill>
+                <a:schemeClr val="accent4">
+                  <a:lumMod val="20000"/>
+                  <a:lumOff val="80000"/>
+                </a:schemeClr>
+              </a:solidFill>
+              <a:ln w="12700">
+                <a:solidFill>
+                  <a:schemeClr val="tx1"/>
+                </a:solidFill>
+                <a:prstDash val="sysDot"/>
+              </a:ln>
+            </p:spPr>
+            <p:txBody>
+              <a:bodyPr wrap="square" rtlCol="0" anchor="ctr">
+                <a:noAutofit/>
+              </a:bodyPr>
+              <a:lstStyle/>
+              <a:p>
+                <a:pPr algn="ctr"/>
+                <a:r>
+                  <a:rPr lang="ko-KR" altLang="en-US" sz="1600" dirty="0">
+                    <a:latin typeface="나눔스퀘어" panose="020B0600000101010101" pitchFamily="50" charset="-127"/>
+                    <a:ea typeface="나눔스퀘어" panose="020B0600000101010101" pitchFamily="50" charset="-127"/>
+                  </a:rPr>
+                  <a:t>강수량</a:t>
+                </a:r>
+                <a:endParaRPr lang="en-US" altLang="ko-KR" sz="1600" dirty="0">
+                  <a:latin typeface="나눔스퀘어" panose="020B0600000101010101" pitchFamily="50" charset="-127"/>
+                  <a:ea typeface="나눔스퀘어" panose="020B0600000101010101" pitchFamily="50" charset="-127"/>
+                </a:endParaRPr>
+              </a:p>
+            </p:txBody>
+          </p:sp>
+          <p:sp>
+            <p:nvSpPr>
+              <p:cNvPr id="54" name="TextBox 53">
+                <a:extLst>
+                  <a:ext uri="{FF2B5EF4-FFF2-40B4-BE49-F238E27FC236}">
+                    <a16:creationId xmlns:a16="http://schemas.microsoft.com/office/drawing/2014/main" id="{3740A1AC-A933-46A9-B941-F99BE02768AC}"/>
+                  </a:ext>
+                </a:extLst>
+              </p:cNvPr>
+              <p:cNvSpPr txBox="1"/>
+              <p:nvPr/>
+            </p:nvSpPr>
+            <p:spPr>
+              <a:xfrm>
+                <a:off x="-1673317" y="2198720"/>
+                <a:ext cx="672349" cy="994204"/>
               </a:xfrm>
               <a:prstGeom prst="rect">
                 <a:avLst/>
@@ -13398,307 +13634,31 @@
               </a:p>
             </p:txBody>
           </p:sp>
-          <p:grpSp>
-            <p:nvGrpSpPr>
-              <p:cNvPr id="104" name="그룹 103"/>
-              <p:cNvGrpSpPr/>
-              <p:nvPr/>
-            </p:nvGrpSpPr>
-            <p:grpSpPr>
-              <a:xfrm>
-                <a:off x="8505321" y="2262623"/>
-                <a:ext cx="2402743" cy="760164"/>
-                <a:chOff x="5210483" y="2263284"/>
-                <a:chExt cx="2402743" cy="760164"/>
-              </a:xfrm>
-              <a:solidFill>
-                <a:srgbClr val="FFDB00"/>
-              </a:solidFill>
-            </p:grpSpPr>
-            <p:sp>
-              <p:nvSpPr>
-                <p:cNvPr id="105" name="TextBox 104"/>
-                <p:cNvSpPr txBox="1"/>
-                <p:nvPr/>
-              </p:nvSpPr>
-              <p:spPr>
-                <a:xfrm>
-                  <a:off x="5210483" y="2263284"/>
-                  <a:ext cx="2402743" cy="378000"/>
-                </a:xfrm>
-                <a:prstGeom prst="rect">
-                  <a:avLst/>
-                </a:prstGeom>
-                <a:solidFill>
-                  <a:srgbClr val="FFF2CC"/>
-                </a:solidFill>
-                <a:ln w="12700">
-                  <a:solidFill>
-                    <a:schemeClr val="tx1"/>
-                  </a:solidFill>
-                  <a:prstDash val="sysDot"/>
-                </a:ln>
-              </p:spPr>
-              <p:txBody>
-                <a:bodyPr wrap="square" rtlCol="0" anchor="ctr">
-                  <a:spAutoFit/>
-                </a:bodyPr>
-                <a:lstStyle/>
-                <a:p>
-                  <a:pPr algn="ctr"/>
-                  <a:r>
-                    <a:rPr lang="ko-KR" altLang="en-US" dirty="0">
-                      <a:latin typeface="나눔스퀘어" panose="020B0600000101010101" pitchFamily="50" charset="-127"/>
-                      <a:ea typeface="나눔스퀘어" panose="020B0600000101010101" pitchFamily="50" charset="-127"/>
-                    </a:rPr>
-                    <a:t>현재 위치</a:t>
-                  </a:r>
-                  <a:endParaRPr lang="en-US" altLang="ko-KR" dirty="0">
-                    <a:latin typeface="나눔스퀘어" panose="020B0600000101010101" pitchFamily="50" charset="-127"/>
-                    <a:ea typeface="나눔스퀘어" panose="020B0600000101010101" pitchFamily="50" charset="-127"/>
-                  </a:endParaRPr>
-                </a:p>
-              </p:txBody>
-            </p:sp>
-            <p:sp>
-              <p:nvSpPr>
-                <p:cNvPr id="106" name="TextBox 105"/>
-                <p:cNvSpPr txBox="1"/>
-                <p:nvPr/>
-              </p:nvSpPr>
-              <p:spPr>
-                <a:xfrm>
-                  <a:off x="5210483" y="2645448"/>
-                  <a:ext cx="2402743" cy="378000"/>
-                </a:xfrm>
-                <a:prstGeom prst="rect">
-                  <a:avLst/>
-                </a:prstGeom>
-                <a:solidFill>
-                  <a:srgbClr val="FFF2CC"/>
-                </a:solidFill>
-                <a:ln w="12700">
-                  <a:solidFill>
-                    <a:schemeClr val="tx1"/>
-                  </a:solidFill>
-                  <a:prstDash val="sysDot"/>
-                </a:ln>
-              </p:spPr>
-              <p:txBody>
-                <a:bodyPr wrap="square" rtlCol="0" anchor="ctr">
-                  <a:spAutoFit/>
-                </a:bodyPr>
-                <a:lstStyle/>
-                <a:p>
-                  <a:pPr algn="ctr"/>
-                  <a:r>
-                    <a:rPr lang="ko-KR" altLang="en-US" dirty="0">
-                      <a:latin typeface="나눔스퀘어" panose="020B0600000101010101" pitchFamily="50" charset="-127"/>
-                      <a:ea typeface="나눔스퀘어" panose="020B0600000101010101" pitchFamily="50" charset="-127"/>
-                    </a:rPr>
-                    <a:t>관광지 위치</a:t>
-                  </a:r>
-                  <a:endParaRPr lang="en-US" altLang="ko-KR" dirty="0">
-                    <a:latin typeface="나눔스퀘어" panose="020B0600000101010101" pitchFamily="50" charset="-127"/>
-                    <a:ea typeface="나눔스퀘어" panose="020B0600000101010101" pitchFamily="50" charset="-127"/>
-                  </a:endParaRPr>
-                </a:p>
-              </p:txBody>
-            </p:sp>
-          </p:grpSp>
-        </p:grpSp>
-      </p:grpSp>
-      <p:grpSp>
-        <p:nvGrpSpPr>
-          <p:cNvPr id="143" name="그룹 142"/>
-          <p:cNvGrpSpPr/>
-          <p:nvPr/>
-        </p:nvGrpSpPr>
-        <p:grpSpPr>
-          <a:xfrm>
-            <a:off x="4449854" y="1342631"/>
-            <a:ext cx="3292292" cy="3194114"/>
-            <a:chOff x="8522181" y="1142936"/>
-            <a:chExt cx="3292292" cy="3194114"/>
-          </a:xfrm>
-        </p:grpSpPr>
-        <p:sp>
-          <p:nvSpPr>
-            <p:cNvPr id="144" name="직사각형 143">
-              <a:extLst>
-                <a:ext uri="{FF2B5EF4-FFF2-40B4-BE49-F238E27FC236}">
-                  <a16:creationId xmlns:a16="http://schemas.microsoft.com/office/drawing/2014/main" id="{04EDCBD8-BA77-43B4-9252-D66CBDA934BC}"/>
-                </a:ext>
-              </a:extLst>
-            </p:cNvPr>
-            <p:cNvSpPr/>
-            <p:nvPr/>
-          </p:nvSpPr>
-          <p:spPr>
-            <a:xfrm>
-              <a:off x="8522181" y="1142936"/>
-              <a:ext cx="3292292" cy="3194114"/>
-            </a:xfrm>
-            <a:prstGeom prst="rect">
-              <a:avLst/>
-            </a:prstGeom>
-            <a:solidFill>
-              <a:srgbClr val="FFDB00"/>
-            </a:solidFill>
-            <a:ln>
-              <a:noFill/>
-            </a:ln>
-          </p:spPr>
-          <p:style>
-            <a:lnRef idx="2">
-              <a:schemeClr val="accent1">
-                <a:shade val="50000"/>
-              </a:schemeClr>
-            </a:lnRef>
-            <a:fillRef idx="1">
-              <a:schemeClr val="accent1"/>
-            </a:fillRef>
-            <a:effectRef idx="0">
-              <a:schemeClr val="accent1"/>
-            </a:effectRef>
-            <a:fontRef idx="minor">
-              <a:schemeClr val="lt1"/>
-            </a:fontRef>
-          </p:style>
-          <p:txBody>
-            <a:bodyPr rtlCol="0" anchor="ctr"/>
-            <a:lstStyle/>
-            <a:p>
-              <a:pPr algn="ctr"/>
-              <a:endParaRPr lang="ko-KR" altLang="en-US" dirty="0"/>
-            </a:p>
-          </p:txBody>
-        </p:sp>
-        <p:sp>
-          <p:nvSpPr>
-            <p:cNvPr id="145" name="TextBox 144"/>
-            <p:cNvSpPr txBox="1"/>
-            <p:nvPr/>
-          </p:nvSpPr>
-          <p:spPr>
-            <a:xfrm>
-              <a:off x="8522181" y="1426850"/>
-              <a:ext cx="3292291" cy="523220"/>
-            </a:xfrm>
-            <a:prstGeom prst="rect">
-              <a:avLst/>
-            </a:prstGeom>
-            <a:solidFill>
-              <a:srgbClr val="FFDB00"/>
-            </a:solidFill>
-          </p:spPr>
-          <p:txBody>
-            <a:bodyPr wrap="square" rtlCol="0" anchor="ctr">
-              <a:spAutoFit/>
-            </a:bodyPr>
-            <a:lstStyle/>
-            <a:p>
-              <a:pPr algn="ctr"/>
-              <a:r>
-                <a:rPr lang="ko-KR" altLang="en-US" sz="2800" dirty="0">
-                  <a:latin typeface="나눔스퀘어 ExtraBold" panose="020B0600000101010101" pitchFamily="50" charset="-127"/>
-                  <a:ea typeface="나눔스퀘어 ExtraBold" panose="020B0600000101010101" pitchFamily="50" charset="-127"/>
-                </a:rPr>
-                <a:t>관광지 만족도</a:t>
-              </a:r>
-            </a:p>
-          </p:txBody>
-        </p:sp>
-        <p:sp>
-          <p:nvSpPr>
-            <p:cNvPr id="146" name="TextBox 145"/>
-            <p:cNvSpPr txBox="1"/>
-            <p:nvPr/>
-          </p:nvSpPr>
-          <p:spPr>
-            <a:xfrm>
-              <a:off x="8607672" y="3142773"/>
-              <a:ext cx="3074400" cy="372993"/>
-            </a:xfrm>
-            <a:prstGeom prst="rect">
-              <a:avLst/>
-            </a:prstGeom>
-            <a:solidFill>
-              <a:srgbClr val="FFF2CC"/>
-            </a:solidFill>
-            <a:ln w="12700">
-              <a:solidFill>
-                <a:schemeClr val="tx1"/>
-              </a:solidFill>
-              <a:prstDash val="sysDot"/>
-            </a:ln>
-          </p:spPr>
-          <p:txBody>
-            <a:bodyPr wrap="square" rtlCol="0" anchor="ctr">
-              <a:spAutoFit/>
-            </a:bodyPr>
-            <a:lstStyle>
-              <a:defPPr>
-                <a:defRPr lang="ko-KR"/>
-              </a:defPPr>
-              <a:lvl1pPr>
-                <a:defRPr>
-                  <a:latin typeface="나눔스퀘어" panose="020B0600000101010101" pitchFamily="50" charset="-127"/>
-                  <a:ea typeface="나눔스퀘어" panose="020B0600000101010101" pitchFamily="50" charset="-127"/>
-                </a:defRPr>
-              </a:lvl1pPr>
-            </a:lstStyle>
-            <a:p>
-              <a:pPr algn="ctr"/>
-              <a:r>
-                <a:rPr lang="ko-KR" altLang="en-US" dirty="0" err="1"/>
-                <a:t>별점</a:t>
-              </a:r>
-              <a:r>
-                <a:rPr lang="en-US" altLang="ko-KR" dirty="0"/>
-                <a:t>(</a:t>
-              </a:r>
-              <a:r>
-                <a:rPr lang="ko-KR" altLang="en-US" dirty="0"/>
-                <a:t>변수</a:t>
-              </a:r>
-              <a:r>
-                <a:rPr lang="en-US" altLang="ko-KR" dirty="0"/>
-                <a:t>)</a:t>
-              </a:r>
-            </a:p>
-          </p:txBody>
-        </p:sp>
-        <p:grpSp>
-          <p:nvGrpSpPr>
-            <p:cNvPr id="147" name="그룹 146"/>
-            <p:cNvGrpSpPr/>
-            <p:nvPr/>
-          </p:nvGrpSpPr>
-          <p:grpSpPr>
-            <a:xfrm>
-              <a:off x="8607672" y="3707106"/>
-              <a:ext cx="3075092" cy="372993"/>
-              <a:chOff x="8607672" y="3685398"/>
-              <a:chExt cx="3075092" cy="372993"/>
-            </a:xfrm>
-          </p:grpSpPr>
           <p:sp>
             <p:nvSpPr>
-              <p:cNvPr id="153" name="TextBox 152"/>
+              <p:cNvPr id="55" name="TextBox 54">
+                <a:extLst>
+                  <a:ext uri="{FF2B5EF4-FFF2-40B4-BE49-F238E27FC236}">
+                    <a16:creationId xmlns:a16="http://schemas.microsoft.com/office/drawing/2014/main" id="{125FAAFA-31A8-44DB-A520-FC8E0702043D}"/>
+                  </a:ext>
+                </a:extLst>
+              </p:cNvPr>
               <p:cNvSpPr txBox="1"/>
               <p:nvPr/>
             </p:nvSpPr>
             <p:spPr>
               <a:xfrm>
-                <a:off x="9280021" y="3685398"/>
-                <a:ext cx="2402743" cy="372993"/>
+                <a:off x="-52549" y="2198200"/>
+                <a:ext cx="953792" cy="493200"/>
               </a:xfrm>
               <a:prstGeom prst="rect">
                 <a:avLst/>
               </a:prstGeom>
               <a:solidFill>
-                <a:srgbClr val="FFF2CC"/>
+                <a:schemeClr val="accent4">
+                  <a:lumMod val="20000"/>
+                  <a:lumOff val="80000"/>
+                </a:schemeClr>
               </a:solidFill>
               <a:ln w="12700">
                 <a:solidFill>
@@ -13709,19 +13669,19 @@
             </p:spPr>
             <p:txBody>
               <a:bodyPr wrap="square" rtlCol="0" anchor="ctr">
-                <a:spAutoFit/>
+                <a:noAutofit/>
               </a:bodyPr>
               <a:lstStyle/>
               <a:p>
                 <a:pPr algn="ctr"/>
                 <a:r>
-                  <a:rPr lang="ko-KR" altLang="en-US" dirty="0">
+                  <a:rPr lang="ko-KR" altLang="en-US" sz="1600" dirty="0">
                     <a:latin typeface="나눔스퀘어" panose="020B0600000101010101" pitchFamily="50" charset="-127"/>
                     <a:ea typeface="나눔스퀘어" panose="020B0600000101010101" pitchFamily="50" charset="-127"/>
                   </a:rPr>
-                  <a:t>해당 날짜의 만족도</a:t>
+                  <a:t>평균풍속</a:t>
                 </a:r>
-                <a:endParaRPr lang="en-US" altLang="ko-KR" dirty="0">
+                <a:endParaRPr lang="en-US" altLang="ko-KR" sz="1600" dirty="0">
                   <a:latin typeface="나눔스퀘어" panose="020B0600000101010101" pitchFamily="50" charset="-127"/>
                   <a:ea typeface="나눔스퀘어" panose="020B0600000101010101" pitchFamily="50" charset="-127"/>
                 </a:endParaRPr>
@@ -13730,20 +13690,29 @@
           </p:sp>
           <p:sp>
             <p:nvSpPr>
-              <p:cNvPr id="154" name="TextBox 153"/>
+              <p:cNvPr id="56" name="TextBox 55">
+                <a:extLst>
+                  <a:ext uri="{FF2B5EF4-FFF2-40B4-BE49-F238E27FC236}">
+                    <a16:creationId xmlns:a16="http://schemas.microsoft.com/office/drawing/2014/main" id="{07DCF369-E253-45D6-A9F8-36E2E1906834}"/>
+                  </a:ext>
+                </a:extLst>
+              </p:cNvPr>
               <p:cNvSpPr txBox="1"/>
               <p:nvPr/>
             </p:nvSpPr>
             <p:spPr>
               <a:xfrm>
-                <a:off x="8607672" y="3685398"/>
-                <a:ext cx="672349" cy="372993"/>
+                <a:off x="-52549" y="2694995"/>
+                <a:ext cx="953792" cy="493200"/>
               </a:xfrm>
               <a:prstGeom prst="rect">
                 <a:avLst/>
               </a:prstGeom>
               <a:solidFill>
-                <a:srgbClr val="FFC000"/>
+                <a:schemeClr val="accent4">
+                  <a:lumMod val="20000"/>
+                  <a:lumOff val="80000"/>
+                </a:schemeClr>
               </a:solidFill>
               <a:ln w="12700">
                 <a:solidFill>
@@ -13754,206 +13723,26 @@
             </p:spPr>
             <p:txBody>
               <a:bodyPr wrap="square" rtlCol="0" anchor="ctr">
-                <a:spAutoFit/>
+                <a:noAutofit/>
               </a:bodyPr>
               <a:lstStyle/>
               <a:p>
                 <a:pPr algn="ctr"/>
-                <a:r>
-                  <a:rPr lang="en-US" altLang="ko-KR" dirty="0">
-                    <a:latin typeface="나눔스퀘어 ExtraBold" panose="020B0600000101010101" pitchFamily="50" charset="-127"/>
-                    <a:ea typeface="나눔스퀘어 ExtraBold" panose="020B0600000101010101" pitchFamily="50" charset="-127"/>
-                  </a:rPr>
-                  <a:t>OUT</a:t>
-                </a:r>
+                <a:endParaRPr lang="en-US" altLang="ko-KR" dirty="0">
+                  <a:latin typeface="나눔스퀘어" panose="020B0600000101010101" pitchFamily="50" charset="-127"/>
+                  <a:ea typeface="나눔스퀘어" panose="020B0600000101010101" pitchFamily="50" charset="-127"/>
+                </a:endParaRPr>
               </a:p>
             </p:txBody>
           </p:sp>
         </p:grpSp>
-        <p:grpSp>
-          <p:nvGrpSpPr>
-            <p:cNvPr id="148" name="그룹 147"/>
-            <p:cNvGrpSpPr/>
-            <p:nvPr/>
-          </p:nvGrpSpPr>
-          <p:grpSpPr>
-            <a:xfrm>
-              <a:off x="8607672" y="2193368"/>
-              <a:ext cx="3075092" cy="750095"/>
-              <a:chOff x="7832972" y="2262623"/>
-              <a:chExt cx="3075092" cy="760164"/>
-            </a:xfrm>
-          </p:grpSpPr>
-          <p:sp>
-            <p:nvSpPr>
-              <p:cNvPr id="149" name="TextBox 148"/>
-              <p:cNvSpPr txBox="1"/>
-              <p:nvPr/>
-            </p:nvSpPr>
-            <p:spPr>
-              <a:xfrm>
-                <a:off x="7832972" y="2262623"/>
-                <a:ext cx="672349" cy="760164"/>
-              </a:xfrm>
-              <a:prstGeom prst="rect">
-                <a:avLst/>
-              </a:prstGeom>
-              <a:solidFill>
-                <a:srgbClr val="FFC000"/>
-              </a:solidFill>
-              <a:ln w="12700">
-                <a:solidFill>
-                  <a:schemeClr val="tx1"/>
-                </a:solidFill>
-                <a:prstDash val="sysDot"/>
-              </a:ln>
-            </p:spPr>
-            <p:txBody>
-              <a:bodyPr wrap="square" rtlCol="0" anchor="t">
-                <a:noAutofit/>
-              </a:bodyPr>
-              <a:lstStyle>
-                <a:defPPr>
-                  <a:defRPr lang="ko-KR"/>
-                </a:defPPr>
-                <a:lvl1pPr algn="ctr">
-                  <a:defRPr>
-                    <a:solidFill>
-                      <a:schemeClr val="bg1"/>
-                    </a:solidFill>
-                    <a:latin typeface="나눔스퀘어 ExtraBold" panose="020B0600000101010101" pitchFamily="50" charset="-127"/>
-                    <a:ea typeface="나눔스퀘어 ExtraBold" panose="020B0600000101010101" pitchFamily="50" charset="-127"/>
-                  </a:defRPr>
-                </a:lvl1pPr>
-              </a:lstStyle>
-              <a:p>
-                <a:r>
-                  <a:rPr lang="en-US" altLang="ko-KR" dirty="0">
-                    <a:solidFill>
-                      <a:schemeClr val="tx1"/>
-                    </a:solidFill>
-                  </a:rPr>
-                  <a:t>IN</a:t>
-                </a:r>
-              </a:p>
-            </p:txBody>
-          </p:sp>
-          <p:grpSp>
-            <p:nvGrpSpPr>
-              <p:cNvPr id="150" name="그룹 149"/>
-              <p:cNvGrpSpPr/>
-              <p:nvPr/>
-            </p:nvGrpSpPr>
-            <p:grpSpPr>
-              <a:xfrm>
-                <a:off x="8505321" y="2262623"/>
-                <a:ext cx="2402743" cy="760164"/>
-                <a:chOff x="5210483" y="2263284"/>
-                <a:chExt cx="2402743" cy="760164"/>
-              </a:xfrm>
-              <a:solidFill>
-                <a:srgbClr val="FFDB00"/>
-              </a:solidFill>
-            </p:grpSpPr>
-            <p:sp>
-              <p:nvSpPr>
-                <p:cNvPr id="151" name="TextBox 150"/>
-                <p:cNvSpPr txBox="1"/>
-                <p:nvPr/>
-              </p:nvSpPr>
-              <p:spPr>
-                <a:xfrm>
-                  <a:off x="5210483" y="2263284"/>
-                  <a:ext cx="2402743" cy="378000"/>
-                </a:xfrm>
-                <a:prstGeom prst="rect">
-                  <a:avLst/>
-                </a:prstGeom>
-                <a:solidFill>
-                  <a:srgbClr val="FFF2CC"/>
-                </a:solidFill>
-                <a:ln w="12700">
-                  <a:solidFill>
-                    <a:schemeClr val="tx1"/>
-                  </a:solidFill>
-                  <a:prstDash val="sysDot"/>
-                </a:ln>
-              </p:spPr>
-              <p:txBody>
-                <a:bodyPr wrap="square" rtlCol="0" anchor="ctr">
-                  <a:spAutoFit/>
-                </a:bodyPr>
-                <a:lstStyle/>
-                <a:p>
-                  <a:pPr algn="ctr"/>
-                  <a:r>
-                    <a:rPr lang="ko-KR" altLang="en-US" dirty="0">
-                      <a:latin typeface="나눔스퀘어" panose="020B0600000101010101" pitchFamily="50" charset="-127"/>
-                      <a:ea typeface="나눔스퀘어" panose="020B0600000101010101" pitchFamily="50" charset="-127"/>
-                    </a:rPr>
-                    <a:t>관광지</a:t>
-                  </a:r>
-                  <a:endParaRPr lang="en-US" altLang="ko-KR" dirty="0">
-                    <a:latin typeface="나눔스퀘어" panose="020B0600000101010101" pitchFamily="50" charset="-127"/>
-                    <a:ea typeface="나눔스퀘어" panose="020B0600000101010101" pitchFamily="50" charset="-127"/>
-                  </a:endParaRPr>
-                </a:p>
-              </p:txBody>
-            </p:sp>
-            <p:sp>
-              <p:nvSpPr>
-                <p:cNvPr id="152" name="TextBox 151"/>
-                <p:cNvSpPr txBox="1"/>
-                <p:nvPr/>
-              </p:nvSpPr>
-              <p:spPr>
-                <a:xfrm>
-                  <a:off x="5210483" y="2645448"/>
-                  <a:ext cx="2402743" cy="378000"/>
-                </a:xfrm>
-                <a:prstGeom prst="rect">
-                  <a:avLst/>
-                </a:prstGeom>
-                <a:solidFill>
-                  <a:srgbClr val="FFF2CC"/>
-                </a:solidFill>
-                <a:ln w="12700">
-                  <a:solidFill>
-                    <a:schemeClr val="tx1"/>
-                  </a:solidFill>
-                  <a:prstDash val="sysDot"/>
-                </a:ln>
-              </p:spPr>
-              <p:txBody>
-                <a:bodyPr wrap="square" rtlCol="0" anchor="ctr">
-                  <a:spAutoFit/>
-                </a:bodyPr>
-                <a:lstStyle/>
-                <a:p>
-                  <a:pPr algn="ctr"/>
-                  <a:r>
-                    <a:rPr lang="ko-KR" altLang="en-US" dirty="0">
-                      <a:latin typeface="나눔스퀘어" panose="020B0600000101010101" pitchFamily="50" charset="-127"/>
-                      <a:ea typeface="나눔스퀘어" panose="020B0600000101010101" pitchFamily="50" charset="-127"/>
-                    </a:rPr>
-                    <a:t>날짜</a:t>
-                  </a:r>
-                  <a:endParaRPr lang="en-US" altLang="ko-KR" dirty="0">
-                    <a:latin typeface="나눔스퀘어" panose="020B0600000101010101" pitchFamily="50" charset="-127"/>
-                    <a:ea typeface="나눔스퀘어" panose="020B0600000101010101" pitchFamily="50" charset="-127"/>
-                  </a:endParaRPr>
-                </a:p>
-              </p:txBody>
-            </p:sp>
-          </p:grpSp>
-        </p:grpSp>
       </p:grpSp>
       <p:sp>
         <p:nvSpPr>
-          <p:cNvPr id="157" name="직사각형 156">
+          <p:cNvPr id="62" name="직사각형 61">
             <a:extLst>
               <a:ext uri="{FF2B5EF4-FFF2-40B4-BE49-F238E27FC236}">
-                <a16:creationId xmlns:a16="http://schemas.microsoft.com/office/drawing/2014/main" id="{04EDCBD8-BA77-43B4-9252-D66CBDA934BC}"/>
+                <a16:creationId xmlns:a16="http://schemas.microsoft.com/office/drawing/2014/main" id="{B8D0C0A9-8F21-4CA8-A35C-B80192750575}"/>
               </a:ext>
             </a:extLst>
           </p:cNvPr>
@@ -13962,14 +13751,14 @@
         </p:nvSpPr>
         <p:spPr>
           <a:xfrm>
-            <a:off x="3842400" y="5678065"/>
-            <a:ext cx="4507200" cy="686879"/>
+            <a:off x="3211150" y="1139431"/>
+            <a:ext cx="2790460" cy="3893028"/>
           </a:xfrm>
           <a:prstGeom prst="rect">
             <a:avLst/>
           </a:prstGeom>
           <a:solidFill>
-            <a:srgbClr val="4472C4"/>
+            <a:srgbClr val="FFDB00"/>
           </a:solidFill>
           <a:ln>
             <a:noFill/>
@@ -13996,26 +13785,1360 @@
           <a:lstStyle/>
           <a:p>
             <a:pPr algn="ctr"/>
+            <a:endParaRPr lang="ko-KR" altLang="en-US" dirty="0"/>
+          </a:p>
+        </p:txBody>
+      </p:sp>
+      <p:sp>
+        <p:nvSpPr>
+          <p:cNvPr id="63" name="TextBox 62">
+            <a:extLst>
+              <a:ext uri="{FF2B5EF4-FFF2-40B4-BE49-F238E27FC236}">
+                <a16:creationId xmlns:a16="http://schemas.microsoft.com/office/drawing/2014/main" id="{BFB736D0-CA1B-45C0-9DF9-6705FE74D6F6}"/>
+              </a:ext>
+            </a:extLst>
+          </p:cNvPr>
+          <p:cNvSpPr txBox="1"/>
+          <p:nvPr/>
+        </p:nvSpPr>
+        <p:spPr>
+          <a:xfrm>
+            <a:off x="3211151" y="1391910"/>
+            <a:ext cx="2790460" cy="523220"/>
+          </a:xfrm>
+          <a:prstGeom prst="rect">
+            <a:avLst/>
+          </a:prstGeom>
+          <a:noFill/>
+        </p:spPr>
+        <p:txBody>
+          <a:bodyPr wrap="square" rtlCol="0" anchor="ctr">
+            <a:spAutoFit/>
+          </a:bodyPr>
+          <a:lstStyle/>
+          <a:p>
+            <a:pPr algn="ctr"/>
             <a:r>
               <a:rPr lang="ko-KR" altLang="en-US" sz="2800" dirty="0">
                 <a:latin typeface="나눔스퀘어 ExtraBold" panose="020B0600000101010101" pitchFamily="50" charset="-127"/>
                 <a:ea typeface="나눔스퀘어 ExtraBold" panose="020B0600000101010101" pitchFamily="50" charset="-127"/>
               </a:rPr>
-              <a:t>추천 관광지</a:t>
+              <a:t>만족도</a:t>
             </a:r>
           </a:p>
         </p:txBody>
       </p:sp>
       <p:sp>
         <p:nvSpPr>
-          <p:cNvPr id="170" name="오른쪽 중괄호 169"/>
+          <p:cNvPr id="64" name="TextBox 63">
+            <a:extLst>
+              <a:ext uri="{FF2B5EF4-FFF2-40B4-BE49-F238E27FC236}">
+                <a16:creationId xmlns:a16="http://schemas.microsoft.com/office/drawing/2014/main" id="{9496E8E3-992B-4E3A-9900-425645062BE6}"/>
+              </a:ext>
+            </a:extLst>
+          </p:cNvPr>
+          <p:cNvSpPr txBox="1"/>
+          <p:nvPr/>
+        </p:nvSpPr>
+        <p:spPr>
+          <a:xfrm>
+            <a:off x="3312294" y="3097367"/>
+            <a:ext cx="2574559" cy="856728"/>
+          </a:xfrm>
+          <a:prstGeom prst="rect">
+            <a:avLst/>
+          </a:prstGeom>
+          <a:solidFill>
+            <a:schemeClr val="accent4">
+              <a:lumMod val="20000"/>
+              <a:lumOff val="80000"/>
+            </a:schemeClr>
+          </a:solidFill>
+          <a:ln w="12700">
+            <a:solidFill>
+              <a:schemeClr val="tx1"/>
+            </a:solidFill>
+            <a:prstDash val="sysDot"/>
+          </a:ln>
+        </p:spPr>
+        <p:txBody>
+          <a:bodyPr wrap="square" rtlCol="0" anchor="ctr">
+            <a:noAutofit/>
+          </a:bodyPr>
+          <a:lstStyle>
+            <a:defPPr>
+              <a:defRPr lang="ko-KR"/>
+            </a:defPPr>
+            <a:lvl1pPr>
+              <a:defRPr>
+                <a:latin typeface="나눔스퀘어" panose="020B0600000101010101" pitchFamily="50" charset="-127"/>
+                <a:ea typeface="나눔스퀘어" panose="020B0600000101010101" pitchFamily="50" charset="-127"/>
+              </a:defRPr>
+            </a:lvl1pPr>
+          </a:lstStyle>
+          <a:p>
+            <a:pPr algn="ctr"/>
+            <a:r>
+              <a:rPr lang="ko-KR" altLang="en-US" dirty="0" err="1"/>
+              <a:t>별점</a:t>
+            </a:r>
+            <a:r>
+              <a:rPr lang="en-US" altLang="ko-KR" dirty="0"/>
+              <a:t>(Google Places)</a:t>
+            </a:r>
+          </a:p>
+        </p:txBody>
+      </p:sp>
+      <p:grpSp>
+        <p:nvGrpSpPr>
+          <p:cNvPr id="65" name="그룹 64">
+            <a:extLst>
+              <a:ext uri="{FF2B5EF4-FFF2-40B4-BE49-F238E27FC236}">
+                <a16:creationId xmlns:a16="http://schemas.microsoft.com/office/drawing/2014/main" id="{AA2E9BE2-3066-47F7-BF5F-D4942EA2AAC8}"/>
+              </a:ext>
+            </a:extLst>
+          </p:cNvPr>
+          <p:cNvGrpSpPr/>
+          <p:nvPr/>
+        </p:nvGrpSpPr>
+        <p:grpSpPr>
+          <a:xfrm>
+            <a:off x="3312294" y="4161448"/>
+            <a:ext cx="2574560" cy="541061"/>
+            <a:chOff x="-1673316" y="4364648"/>
+            <a:chExt cx="2574560" cy="541061"/>
+          </a:xfrm>
+        </p:grpSpPr>
+        <p:sp>
+          <p:nvSpPr>
+            <p:cNvPr id="72" name="TextBox 71">
+              <a:extLst>
+                <a:ext uri="{FF2B5EF4-FFF2-40B4-BE49-F238E27FC236}">
+                  <a16:creationId xmlns:a16="http://schemas.microsoft.com/office/drawing/2014/main" id="{6FDC133A-6221-4E85-B806-CE931AC91DD2}"/>
+                </a:ext>
+              </a:extLst>
+            </p:cNvPr>
+            <p:cNvSpPr txBox="1"/>
+            <p:nvPr/>
+          </p:nvSpPr>
+          <p:spPr>
+            <a:xfrm>
+              <a:off x="-1000966" y="4364648"/>
+              <a:ext cx="1902210" cy="539224"/>
+            </a:xfrm>
+            <a:prstGeom prst="rect">
+              <a:avLst/>
+            </a:prstGeom>
+            <a:solidFill>
+              <a:schemeClr val="accent4">
+                <a:lumMod val="20000"/>
+                <a:lumOff val="80000"/>
+              </a:schemeClr>
+            </a:solidFill>
+            <a:ln w="12700">
+              <a:solidFill>
+                <a:schemeClr val="tx1"/>
+              </a:solidFill>
+              <a:prstDash val="sysDot"/>
+            </a:ln>
+          </p:spPr>
+          <p:txBody>
+            <a:bodyPr wrap="square" rtlCol="0" anchor="ctr">
+              <a:noAutofit/>
+            </a:bodyPr>
+            <a:lstStyle/>
+            <a:p>
+              <a:pPr algn="ctr"/>
+              <a:r>
+                <a:rPr lang="ko-KR" altLang="en-US" dirty="0" err="1">
+                  <a:latin typeface="나눔스퀘어" panose="020B0600000101010101" pitchFamily="50" charset="-127"/>
+                  <a:ea typeface="나눔스퀘어" panose="020B0600000101010101" pitchFamily="50" charset="-127"/>
+                </a:rPr>
+                <a:t>날짜별</a:t>
+              </a:r>
+              <a:r>
+                <a:rPr lang="ko-KR" altLang="en-US" dirty="0">
+                  <a:latin typeface="나눔스퀘어" panose="020B0600000101010101" pitchFamily="50" charset="-127"/>
+                  <a:ea typeface="나눔스퀘어" panose="020B0600000101010101" pitchFamily="50" charset="-127"/>
+                </a:rPr>
+                <a:t> 만족도</a:t>
+              </a:r>
+              <a:endParaRPr lang="en-US" altLang="ko-KR" dirty="0">
+                <a:latin typeface="나눔스퀘어" panose="020B0600000101010101" pitchFamily="50" charset="-127"/>
+                <a:ea typeface="나눔스퀘어" panose="020B0600000101010101" pitchFamily="50" charset="-127"/>
+              </a:endParaRPr>
+            </a:p>
+          </p:txBody>
+        </p:sp>
+        <p:sp>
+          <p:nvSpPr>
+            <p:cNvPr id="73" name="TextBox 72">
+              <a:extLst>
+                <a:ext uri="{FF2B5EF4-FFF2-40B4-BE49-F238E27FC236}">
+                  <a16:creationId xmlns:a16="http://schemas.microsoft.com/office/drawing/2014/main" id="{1228562E-D595-40EB-9D9E-C5B65CD83FF5}"/>
+                </a:ext>
+              </a:extLst>
+            </p:cNvPr>
+            <p:cNvSpPr txBox="1"/>
+            <p:nvPr/>
+          </p:nvSpPr>
+          <p:spPr>
+            <a:xfrm>
+              <a:off x="-1673316" y="4364648"/>
+              <a:ext cx="672349" cy="541061"/>
+            </a:xfrm>
+            <a:prstGeom prst="rect">
+              <a:avLst/>
+            </a:prstGeom>
+            <a:solidFill>
+              <a:srgbClr val="FFC000"/>
+            </a:solidFill>
+            <a:ln w="12700">
+              <a:solidFill>
+                <a:schemeClr val="tx1"/>
+              </a:solidFill>
+              <a:prstDash val="sysDot"/>
+            </a:ln>
+          </p:spPr>
+          <p:txBody>
+            <a:bodyPr wrap="square" rtlCol="0" anchor="ctr">
+              <a:noAutofit/>
+            </a:bodyPr>
+            <a:lstStyle/>
+            <a:p>
+              <a:pPr algn="ctr"/>
+              <a:r>
+                <a:rPr lang="en-US" altLang="ko-KR" dirty="0">
+                  <a:latin typeface="나눔스퀘어 ExtraBold" panose="020B0600000101010101" pitchFamily="50" charset="-127"/>
+                  <a:ea typeface="나눔스퀘어 ExtraBold" panose="020B0600000101010101" pitchFamily="50" charset="-127"/>
+                </a:rPr>
+                <a:t>OUT</a:t>
+              </a:r>
+            </a:p>
+          </p:txBody>
+        </p:sp>
+      </p:grpSp>
+      <p:sp>
+        <p:nvSpPr>
+          <p:cNvPr id="67" name="TextBox 66">
+            <a:extLst>
+              <a:ext uri="{FF2B5EF4-FFF2-40B4-BE49-F238E27FC236}">
+                <a16:creationId xmlns:a16="http://schemas.microsoft.com/office/drawing/2014/main" id="{D350D5B1-B7EB-4268-A25D-A08EC649F65B}"/>
+              </a:ext>
+            </a:extLst>
+          </p:cNvPr>
+          <p:cNvSpPr txBox="1"/>
+          <p:nvPr/>
+        </p:nvSpPr>
+        <p:spPr>
+          <a:xfrm>
+            <a:off x="3984644" y="1995000"/>
+            <a:ext cx="1908000" cy="493200"/>
+          </a:xfrm>
+          <a:prstGeom prst="rect">
+            <a:avLst/>
+          </a:prstGeom>
+          <a:solidFill>
+            <a:schemeClr val="accent4">
+              <a:lumMod val="20000"/>
+              <a:lumOff val="80000"/>
+            </a:schemeClr>
+          </a:solidFill>
+          <a:ln w="12700">
+            <a:solidFill>
+              <a:schemeClr val="tx1"/>
+            </a:solidFill>
+            <a:prstDash val="sysDot"/>
+          </a:ln>
+        </p:spPr>
+        <p:txBody>
+          <a:bodyPr wrap="square" rtlCol="0" anchor="ctr">
+            <a:noAutofit/>
+          </a:bodyPr>
+          <a:lstStyle/>
+          <a:p>
+            <a:pPr algn="ctr"/>
+            <a:r>
+              <a:rPr lang="ko-KR" altLang="en-US" dirty="0">
+                <a:latin typeface="나눔스퀘어" panose="020B0600000101010101" pitchFamily="50" charset="-127"/>
+                <a:ea typeface="나눔스퀘어" panose="020B0600000101010101" pitchFamily="50" charset="-127"/>
+              </a:rPr>
+              <a:t>관광지</a:t>
+            </a:r>
+            <a:endParaRPr lang="en-US" altLang="ko-KR" dirty="0">
+              <a:latin typeface="나눔스퀘어" panose="020B0600000101010101" pitchFamily="50" charset="-127"/>
+              <a:ea typeface="나눔스퀘어" panose="020B0600000101010101" pitchFamily="50" charset="-127"/>
+            </a:endParaRPr>
+          </a:p>
+        </p:txBody>
+      </p:sp>
+      <p:sp>
+        <p:nvSpPr>
+          <p:cNvPr id="68" name="TextBox 67">
+            <a:extLst>
+              <a:ext uri="{FF2B5EF4-FFF2-40B4-BE49-F238E27FC236}">
+                <a16:creationId xmlns:a16="http://schemas.microsoft.com/office/drawing/2014/main" id="{C7935D14-76EF-4874-8ACF-4C0FC71364EA}"/>
+              </a:ext>
+            </a:extLst>
+          </p:cNvPr>
+          <p:cNvSpPr txBox="1"/>
+          <p:nvPr/>
+        </p:nvSpPr>
+        <p:spPr>
+          <a:xfrm>
+            <a:off x="3984644" y="2491795"/>
+            <a:ext cx="1908000" cy="493200"/>
+          </a:xfrm>
+          <a:prstGeom prst="rect">
+            <a:avLst/>
+          </a:prstGeom>
+          <a:solidFill>
+            <a:schemeClr val="accent4">
+              <a:lumMod val="20000"/>
+              <a:lumOff val="80000"/>
+            </a:schemeClr>
+          </a:solidFill>
+          <a:ln w="12700">
+            <a:solidFill>
+              <a:schemeClr val="tx1"/>
+            </a:solidFill>
+            <a:prstDash val="sysDot"/>
+          </a:ln>
+        </p:spPr>
+        <p:txBody>
+          <a:bodyPr wrap="square" rtlCol="0" anchor="ctr">
+            <a:noAutofit/>
+          </a:bodyPr>
+          <a:lstStyle/>
+          <a:p>
+            <a:pPr algn="ctr"/>
+            <a:r>
+              <a:rPr lang="ko-KR" altLang="en-US" dirty="0">
+                <a:latin typeface="나눔스퀘어" panose="020B0600000101010101" pitchFamily="50" charset="-127"/>
+                <a:ea typeface="나눔스퀘어" panose="020B0600000101010101" pitchFamily="50" charset="-127"/>
+              </a:rPr>
+              <a:t>날짜</a:t>
+            </a:r>
+            <a:endParaRPr lang="en-US" altLang="ko-KR" dirty="0">
+              <a:latin typeface="나눔스퀘어" panose="020B0600000101010101" pitchFamily="50" charset="-127"/>
+              <a:ea typeface="나눔스퀘어" panose="020B0600000101010101" pitchFamily="50" charset="-127"/>
+            </a:endParaRPr>
+          </a:p>
+        </p:txBody>
+      </p:sp>
+      <p:sp>
+        <p:nvSpPr>
+          <p:cNvPr id="69" name="TextBox 68">
+            <a:extLst>
+              <a:ext uri="{FF2B5EF4-FFF2-40B4-BE49-F238E27FC236}">
+                <a16:creationId xmlns:a16="http://schemas.microsoft.com/office/drawing/2014/main" id="{501AAC07-5858-46B7-A842-811E84F6D574}"/>
+              </a:ext>
+            </a:extLst>
+          </p:cNvPr>
+          <p:cNvSpPr txBox="1"/>
+          <p:nvPr/>
+        </p:nvSpPr>
+        <p:spPr>
+          <a:xfrm>
+            <a:off x="3312293" y="1995520"/>
+            <a:ext cx="672349" cy="994204"/>
+          </a:xfrm>
+          <a:prstGeom prst="rect">
+            <a:avLst/>
+          </a:prstGeom>
+          <a:solidFill>
+            <a:srgbClr val="FFC000"/>
+          </a:solidFill>
+          <a:ln w="12700">
+            <a:solidFill>
+              <a:schemeClr val="tx1"/>
+            </a:solidFill>
+            <a:prstDash val="sysDot"/>
+          </a:ln>
+        </p:spPr>
+        <p:txBody>
+          <a:bodyPr wrap="square" rtlCol="0" anchor="t">
+            <a:noAutofit/>
+          </a:bodyPr>
+          <a:lstStyle>
+            <a:defPPr>
+              <a:defRPr lang="ko-KR"/>
+            </a:defPPr>
+            <a:lvl1pPr algn="ctr">
+              <a:defRPr>
+                <a:solidFill>
+                  <a:schemeClr val="bg1"/>
+                </a:solidFill>
+                <a:latin typeface="나눔스퀘어 ExtraBold" panose="020B0600000101010101" pitchFamily="50" charset="-127"/>
+                <a:ea typeface="나눔스퀘어 ExtraBold" panose="020B0600000101010101" pitchFamily="50" charset="-127"/>
+              </a:defRPr>
+            </a:lvl1pPr>
+          </a:lstStyle>
+          <a:p>
+            <a:r>
+              <a:rPr lang="en-US" altLang="ko-KR" dirty="0">
+                <a:solidFill>
+                  <a:schemeClr val="tx1"/>
+                </a:solidFill>
+              </a:rPr>
+              <a:t>IN</a:t>
+            </a:r>
+          </a:p>
+        </p:txBody>
+      </p:sp>
+      <p:sp>
+        <p:nvSpPr>
+          <p:cNvPr id="75" name="직사각형 74">
+            <a:extLst>
+              <a:ext uri="{FF2B5EF4-FFF2-40B4-BE49-F238E27FC236}">
+                <a16:creationId xmlns:a16="http://schemas.microsoft.com/office/drawing/2014/main" id="{A4D67D6F-15F7-45B0-80E8-E384A38DCCFB}"/>
+              </a:ext>
+            </a:extLst>
+          </p:cNvPr>
+          <p:cNvSpPr/>
+          <p:nvPr/>
+        </p:nvSpPr>
+        <p:spPr>
+          <a:xfrm>
+            <a:off x="6190388" y="1139431"/>
+            <a:ext cx="2790460" cy="3893028"/>
+          </a:xfrm>
+          <a:prstGeom prst="rect">
+            <a:avLst/>
+          </a:prstGeom>
+          <a:solidFill>
+            <a:srgbClr val="FFDB00"/>
+          </a:solidFill>
+          <a:ln>
+            <a:noFill/>
+          </a:ln>
+        </p:spPr>
+        <p:style>
+          <a:lnRef idx="2">
+            <a:schemeClr val="accent1">
+              <a:shade val="50000"/>
+            </a:schemeClr>
+          </a:lnRef>
+          <a:fillRef idx="1">
+            <a:schemeClr val="accent1"/>
+          </a:fillRef>
+          <a:effectRef idx="0">
+            <a:schemeClr val="accent1"/>
+          </a:effectRef>
+          <a:fontRef idx="minor">
+            <a:schemeClr val="lt1"/>
+          </a:fontRef>
+        </p:style>
+        <p:txBody>
+          <a:bodyPr rtlCol="0" anchor="ctr"/>
+          <a:lstStyle/>
+          <a:p>
+            <a:pPr algn="ctr"/>
+            <a:endParaRPr lang="ko-KR" altLang="en-US" dirty="0"/>
+          </a:p>
+        </p:txBody>
+      </p:sp>
+      <p:sp>
+        <p:nvSpPr>
+          <p:cNvPr id="76" name="TextBox 75">
+            <a:extLst>
+              <a:ext uri="{FF2B5EF4-FFF2-40B4-BE49-F238E27FC236}">
+                <a16:creationId xmlns:a16="http://schemas.microsoft.com/office/drawing/2014/main" id="{F07729D8-326B-4610-A6A4-BD1B744086C6}"/>
+              </a:ext>
+            </a:extLst>
+          </p:cNvPr>
+          <p:cNvSpPr txBox="1"/>
+          <p:nvPr/>
+        </p:nvSpPr>
+        <p:spPr>
+          <a:xfrm>
+            <a:off x="6190389" y="1391910"/>
+            <a:ext cx="2790460" cy="523220"/>
+          </a:xfrm>
+          <a:prstGeom prst="rect">
+            <a:avLst/>
+          </a:prstGeom>
+          <a:noFill/>
+        </p:spPr>
+        <p:txBody>
+          <a:bodyPr wrap="square" rtlCol="0" anchor="ctr">
+            <a:spAutoFit/>
+          </a:bodyPr>
+          <a:lstStyle/>
+          <a:p>
+            <a:pPr algn="ctr"/>
+            <a:r>
+              <a:rPr lang="ko-KR" altLang="en-US" sz="2800" dirty="0">
+                <a:latin typeface="나눔스퀘어 ExtraBold" panose="020B0600000101010101" pitchFamily="50" charset="-127"/>
+                <a:ea typeface="나눔스퀘어 ExtraBold" panose="020B0600000101010101" pitchFamily="50" charset="-127"/>
+              </a:rPr>
+              <a:t>방문객수</a:t>
+            </a:r>
+          </a:p>
+        </p:txBody>
+      </p:sp>
+      <p:sp>
+        <p:nvSpPr>
+          <p:cNvPr id="77" name="TextBox 76">
+            <a:extLst>
+              <a:ext uri="{FF2B5EF4-FFF2-40B4-BE49-F238E27FC236}">
+                <a16:creationId xmlns:a16="http://schemas.microsoft.com/office/drawing/2014/main" id="{9A6EA606-7306-41A4-9500-5AC389226F85}"/>
+              </a:ext>
+            </a:extLst>
+          </p:cNvPr>
+          <p:cNvSpPr txBox="1"/>
+          <p:nvPr/>
+        </p:nvSpPr>
+        <p:spPr>
+          <a:xfrm>
+            <a:off x="6291532" y="3097367"/>
+            <a:ext cx="2574559" cy="856728"/>
+          </a:xfrm>
+          <a:prstGeom prst="rect">
+            <a:avLst/>
+          </a:prstGeom>
+          <a:solidFill>
+            <a:schemeClr val="accent4">
+              <a:lumMod val="20000"/>
+              <a:lumOff val="80000"/>
+            </a:schemeClr>
+          </a:solidFill>
+          <a:ln w="12700">
+            <a:solidFill>
+              <a:schemeClr val="tx1"/>
+            </a:solidFill>
+            <a:prstDash val="sysDot"/>
+          </a:ln>
+        </p:spPr>
+        <p:txBody>
+          <a:bodyPr wrap="square" rtlCol="0" anchor="ctr">
+            <a:noAutofit/>
+          </a:bodyPr>
+          <a:lstStyle>
+            <a:defPPr>
+              <a:defRPr lang="ko-KR"/>
+            </a:defPPr>
+            <a:lvl1pPr>
+              <a:defRPr>
+                <a:latin typeface="나눔스퀘어" panose="020B0600000101010101" pitchFamily="50" charset="-127"/>
+                <a:ea typeface="나눔스퀘어" panose="020B0600000101010101" pitchFamily="50" charset="-127"/>
+              </a:defRPr>
+            </a:lvl1pPr>
+          </a:lstStyle>
+          <a:p>
+            <a:pPr algn="ctr"/>
+            <a:r>
+              <a:rPr lang="ko-KR" altLang="en-US" dirty="0"/>
+              <a:t>게시글</a:t>
+            </a:r>
+            <a:r>
+              <a:rPr lang="en-US" altLang="ko-KR" dirty="0"/>
+              <a:t>(Instagram)</a:t>
+            </a:r>
+          </a:p>
+        </p:txBody>
+      </p:sp>
+      <p:grpSp>
+        <p:nvGrpSpPr>
+          <p:cNvPr id="78" name="그룹 77">
+            <a:extLst>
+              <a:ext uri="{FF2B5EF4-FFF2-40B4-BE49-F238E27FC236}">
+                <a16:creationId xmlns:a16="http://schemas.microsoft.com/office/drawing/2014/main" id="{9FC9C7B7-1875-4E92-BA26-992E7E318AB9}"/>
+              </a:ext>
+            </a:extLst>
+          </p:cNvPr>
+          <p:cNvGrpSpPr/>
+          <p:nvPr/>
+        </p:nvGrpSpPr>
+        <p:grpSpPr>
+          <a:xfrm>
+            <a:off x="6291532" y="4161448"/>
+            <a:ext cx="2574560" cy="541061"/>
+            <a:chOff x="-1673316" y="4364648"/>
+            <a:chExt cx="2574560" cy="541061"/>
+          </a:xfrm>
+        </p:grpSpPr>
+        <p:sp>
+          <p:nvSpPr>
+            <p:cNvPr id="85" name="TextBox 84">
+              <a:extLst>
+                <a:ext uri="{FF2B5EF4-FFF2-40B4-BE49-F238E27FC236}">
+                  <a16:creationId xmlns:a16="http://schemas.microsoft.com/office/drawing/2014/main" id="{E2021240-CC89-4338-A731-3279F745FF72}"/>
+                </a:ext>
+              </a:extLst>
+            </p:cNvPr>
+            <p:cNvSpPr txBox="1"/>
+            <p:nvPr/>
+          </p:nvSpPr>
+          <p:spPr>
+            <a:xfrm>
+              <a:off x="-1000966" y="4364648"/>
+              <a:ext cx="1902210" cy="539224"/>
+            </a:xfrm>
+            <a:prstGeom prst="rect">
+              <a:avLst/>
+            </a:prstGeom>
+            <a:solidFill>
+              <a:schemeClr val="accent4">
+                <a:lumMod val="20000"/>
+                <a:lumOff val="80000"/>
+              </a:schemeClr>
+            </a:solidFill>
+            <a:ln w="12700">
+              <a:solidFill>
+                <a:schemeClr val="tx1"/>
+              </a:solidFill>
+              <a:prstDash val="sysDot"/>
+            </a:ln>
+          </p:spPr>
+          <p:txBody>
+            <a:bodyPr wrap="square" rtlCol="0" anchor="ctr">
+              <a:noAutofit/>
+            </a:bodyPr>
+            <a:lstStyle/>
+            <a:p>
+              <a:pPr algn="ctr"/>
+              <a:r>
+                <a:rPr lang="ko-KR" altLang="en-US" dirty="0" err="1">
+                  <a:latin typeface="나눔스퀘어" panose="020B0600000101010101" pitchFamily="50" charset="-127"/>
+                  <a:ea typeface="나눔스퀘어" panose="020B0600000101010101" pitchFamily="50" charset="-127"/>
+                </a:rPr>
+                <a:t>날짜별</a:t>
+              </a:r>
+              <a:r>
+                <a:rPr lang="ko-KR" altLang="en-US" dirty="0">
+                  <a:latin typeface="나눔스퀘어" panose="020B0600000101010101" pitchFamily="50" charset="-127"/>
+                  <a:ea typeface="나눔스퀘어" panose="020B0600000101010101" pitchFamily="50" charset="-127"/>
+                </a:rPr>
+                <a:t> 방문객수</a:t>
+              </a:r>
+              <a:endParaRPr lang="en-US" altLang="ko-KR" dirty="0">
+                <a:latin typeface="나눔스퀘어" panose="020B0600000101010101" pitchFamily="50" charset="-127"/>
+                <a:ea typeface="나눔스퀘어" panose="020B0600000101010101" pitchFamily="50" charset="-127"/>
+              </a:endParaRPr>
+            </a:p>
+          </p:txBody>
+        </p:sp>
+        <p:sp>
+          <p:nvSpPr>
+            <p:cNvPr id="86" name="TextBox 85">
+              <a:extLst>
+                <a:ext uri="{FF2B5EF4-FFF2-40B4-BE49-F238E27FC236}">
+                  <a16:creationId xmlns:a16="http://schemas.microsoft.com/office/drawing/2014/main" id="{D702D7F7-087E-4884-A03D-5B62B2EC4B04}"/>
+                </a:ext>
+              </a:extLst>
+            </p:cNvPr>
+            <p:cNvSpPr txBox="1"/>
+            <p:nvPr/>
+          </p:nvSpPr>
+          <p:spPr>
+            <a:xfrm>
+              <a:off x="-1673316" y="4364648"/>
+              <a:ext cx="672349" cy="541061"/>
+            </a:xfrm>
+            <a:prstGeom prst="rect">
+              <a:avLst/>
+            </a:prstGeom>
+            <a:solidFill>
+              <a:srgbClr val="FFC000"/>
+            </a:solidFill>
+            <a:ln w="12700">
+              <a:solidFill>
+                <a:schemeClr val="tx1"/>
+              </a:solidFill>
+              <a:prstDash val="sysDot"/>
+            </a:ln>
+          </p:spPr>
+          <p:txBody>
+            <a:bodyPr wrap="square" rtlCol="0" anchor="ctr">
+              <a:noAutofit/>
+            </a:bodyPr>
+            <a:lstStyle/>
+            <a:p>
+              <a:pPr algn="ctr"/>
+              <a:r>
+                <a:rPr lang="en-US" altLang="ko-KR" dirty="0">
+                  <a:latin typeface="나눔스퀘어 ExtraBold" panose="020B0600000101010101" pitchFamily="50" charset="-127"/>
+                  <a:ea typeface="나눔스퀘어 ExtraBold" panose="020B0600000101010101" pitchFamily="50" charset="-127"/>
+                </a:rPr>
+                <a:t>OUT</a:t>
+              </a:r>
+            </a:p>
+          </p:txBody>
+        </p:sp>
+      </p:grpSp>
+      <p:sp>
+        <p:nvSpPr>
+          <p:cNvPr id="80" name="TextBox 79">
+            <a:extLst>
+              <a:ext uri="{FF2B5EF4-FFF2-40B4-BE49-F238E27FC236}">
+                <a16:creationId xmlns:a16="http://schemas.microsoft.com/office/drawing/2014/main" id="{08BDBD37-7BEC-4065-808B-AC9525B9D7D6}"/>
+              </a:ext>
+            </a:extLst>
+          </p:cNvPr>
+          <p:cNvSpPr txBox="1"/>
+          <p:nvPr/>
+        </p:nvSpPr>
+        <p:spPr>
+          <a:xfrm>
+            <a:off x="6963882" y="1995000"/>
+            <a:ext cx="1908000" cy="493200"/>
+          </a:xfrm>
+          <a:prstGeom prst="rect">
+            <a:avLst/>
+          </a:prstGeom>
+          <a:solidFill>
+            <a:schemeClr val="accent4">
+              <a:lumMod val="20000"/>
+              <a:lumOff val="80000"/>
+            </a:schemeClr>
+          </a:solidFill>
+          <a:ln w="12700">
+            <a:solidFill>
+              <a:schemeClr val="tx1"/>
+            </a:solidFill>
+            <a:prstDash val="sysDot"/>
+          </a:ln>
+        </p:spPr>
+        <p:txBody>
+          <a:bodyPr wrap="square" rtlCol="0" anchor="ctr">
+            <a:noAutofit/>
+          </a:bodyPr>
+          <a:lstStyle/>
+          <a:p>
+            <a:pPr algn="ctr"/>
+            <a:r>
+              <a:rPr lang="ko-KR" altLang="en-US" dirty="0">
+                <a:latin typeface="나눔스퀘어" panose="020B0600000101010101" pitchFamily="50" charset="-127"/>
+                <a:ea typeface="나눔스퀘어" panose="020B0600000101010101" pitchFamily="50" charset="-127"/>
+              </a:rPr>
+              <a:t>관광지</a:t>
+            </a:r>
+            <a:endParaRPr lang="en-US" altLang="ko-KR" dirty="0">
+              <a:latin typeface="나눔스퀘어" panose="020B0600000101010101" pitchFamily="50" charset="-127"/>
+              <a:ea typeface="나눔스퀘어" panose="020B0600000101010101" pitchFamily="50" charset="-127"/>
+            </a:endParaRPr>
+          </a:p>
+        </p:txBody>
+      </p:sp>
+      <p:sp>
+        <p:nvSpPr>
+          <p:cNvPr id="81" name="TextBox 80">
+            <a:extLst>
+              <a:ext uri="{FF2B5EF4-FFF2-40B4-BE49-F238E27FC236}">
+                <a16:creationId xmlns:a16="http://schemas.microsoft.com/office/drawing/2014/main" id="{22407542-C4B7-4075-B140-DBBB72DC2BFF}"/>
+              </a:ext>
+            </a:extLst>
+          </p:cNvPr>
+          <p:cNvSpPr txBox="1"/>
+          <p:nvPr/>
+        </p:nvSpPr>
+        <p:spPr>
+          <a:xfrm>
+            <a:off x="6963882" y="2491795"/>
+            <a:ext cx="1908000" cy="493200"/>
+          </a:xfrm>
+          <a:prstGeom prst="rect">
+            <a:avLst/>
+          </a:prstGeom>
+          <a:solidFill>
+            <a:schemeClr val="accent4">
+              <a:lumMod val="20000"/>
+              <a:lumOff val="80000"/>
+            </a:schemeClr>
+          </a:solidFill>
+          <a:ln w="12700">
+            <a:solidFill>
+              <a:schemeClr val="tx1"/>
+            </a:solidFill>
+            <a:prstDash val="sysDot"/>
+          </a:ln>
+        </p:spPr>
+        <p:txBody>
+          <a:bodyPr wrap="square" rtlCol="0" anchor="ctr">
+            <a:noAutofit/>
+          </a:bodyPr>
+          <a:lstStyle/>
+          <a:p>
+            <a:pPr algn="ctr"/>
+            <a:r>
+              <a:rPr lang="ko-KR" altLang="en-US" dirty="0">
+                <a:latin typeface="나눔스퀘어" panose="020B0600000101010101" pitchFamily="50" charset="-127"/>
+                <a:ea typeface="나눔스퀘어" panose="020B0600000101010101" pitchFamily="50" charset="-127"/>
+              </a:rPr>
+              <a:t>날짜</a:t>
+            </a:r>
+            <a:endParaRPr lang="en-US" altLang="ko-KR" dirty="0">
+              <a:latin typeface="나눔스퀘어" panose="020B0600000101010101" pitchFamily="50" charset="-127"/>
+              <a:ea typeface="나눔스퀘어" panose="020B0600000101010101" pitchFamily="50" charset="-127"/>
+            </a:endParaRPr>
+          </a:p>
+        </p:txBody>
+      </p:sp>
+      <p:sp>
+        <p:nvSpPr>
+          <p:cNvPr id="82" name="TextBox 81">
+            <a:extLst>
+              <a:ext uri="{FF2B5EF4-FFF2-40B4-BE49-F238E27FC236}">
+                <a16:creationId xmlns:a16="http://schemas.microsoft.com/office/drawing/2014/main" id="{88E2653E-E932-41C6-9817-9EE43B0C310F}"/>
+              </a:ext>
+            </a:extLst>
+          </p:cNvPr>
+          <p:cNvSpPr txBox="1"/>
+          <p:nvPr/>
+        </p:nvSpPr>
+        <p:spPr>
+          <a:xfrm>
+            <a:off x="6291531" y="1995520"/>
+            <a:ext cx="672349" cy="994204"/>
+          </a:xfrm>
+          <a:prstGeom prst="rect">
+            <a:avLst/>
+          </a:prstGeom>
+          <a:solidFill>
+            <a:srgbClr val="FFC000"/>
+          </a:solidFill>
+          <a:ln w="12700">
+            <a:solidFill>
+              <a:schemeClr val="tx1"/>
+            </a:solidFill>
+            <a:prstDash val="sysDot"/>
+          </a:ln>
+        </p:spPr>
+        <p:txBody>
+          <a:bodyPr wrap="square" rtlCol="0" anchor="t">
+            <a:noAutofit/>
+          </a:bodyPr>
+          <a:lstStyle>
+            <a:defPPr>
+              <a:defRPr lang="ko-KR"/>
+            </a:defPPr>
+            <a:lvl1pPr algn="ctr">
+              <a:defRPr>
+                <a:solidFill>
+                  <a:schemeClr val="bg1"/>
+                </a:solidFill>
+                <a:latin typeface="나눔스퀘어 ExtraBold" panose="020B0600000101010101" pitchFamily="50" charset="-127"/>
+                <a:ea typeface="나눔스퀘어 ExtraBold" panose="020B0600000101010101" pitchFamily="50" charset="-127"/>
+              </a:defRPr>
+            </a:lvl1pPr>
+          </a:lstStyle>
+          <a:p>
+            <a:r>
+              <a:rPr lang="en-US" altLang="ko-KR" dirty="0">
+                <a:solidFill>
+                  <a:schemeClr val="tx1"/>
+                </a:solidFill>
+              </a:rPr>
+              <a:t>IN</a:t>
+            </a:r>
+          </a:p>
+        </p:txBody>
+      </p:sp>
+      <p:sp>
+        <p:nvSpPr>
+          <p:cNvPr id="88" name="직사각형 87">
+            <a:extLst>
+              <a:ext uri="{FF2B5EF4-FFF2-40B4-BE49-F238E27FC236}">
+                <a16:creationId xmlns:a16="http://schemas.microsoft.com/office/drawing/2014/main" id="{9582E8E4-0848-4AF8-93BB-C34E551DE74C}"/>
+              </a:ext>
+            </a:extLst>
+          </p:cNvPr>
+          <p:cNvSpPr/>
+          <p:nvPr/>
+        </p:nvSpPr>
+        <p:spPr>
+          <a:xfrm>
+            <a:off x="9169627" y="1139431"/>
+            <a:ext cx="2790460" cy="3893028"/>
+          </a:xfrm>
+          <a:prstGeom prst="rect">
+            <a:avLst/>
+          </a:prstGeom>
+          <a:solidFill>
+            <a:srgbClr val="FFDB00"/>
+          </a:solidFill>
+          <a:ln>
+            <a:noFill/>
+          </a:ln>
+        </p:spPr>
+        <p:style>
+          <a:lnRef idx="2">
+            <a:schemeClr val="accent1">
+              <a:shade val="50000"/>
+            </a:schemeClr>
+          </a:lnRef>
+          <a:fillRef idx="1">
+            <a:schemeClr val="accent1"/>
+          </a:fillRef>
+          <a:effectRef idx="0">
+            <a:schemeClr val="accent1"/>
+          </a:effectRef>
+          <a:fontRef idx="minor">
+            <a:schemeClr val="lt1"/>
+          </a:fontRef>
+        </p:style>
+        <p:txBody>
+          <a:bodyPr rtlCol="0" anchor="ctr"/>
+          <a:lstStyle/>
+          <a:p>
+            <a:pPr algn="ctr"/>
+            <a:endParaRPr lang="ko-KR" altLang="en-US" dirty="0"/>
+          </a:p>
+        </p:txBody>
+      </p:sp>
+      <p:sp>
+        <p:nvSpPr>
+          <p:cNvPr id="89" name="TextBox 88">
+            <a:extLst>
+              <a:ext uri="{FF2B5EF4-FFF2-40B4-BE49-F238E27FC236}">
+                <a16:creationId xmlns:a16="http://schemas.microsoft.com/office/drawing/2014/main" id="{FC3D8FF0-01B4-4F4E-BE7E-F5A54614764B}"/>
+              </a:ext>
+            </a:extLst>
+          </p:cNvPr>
+          <p:cNvSpPr txBox="1"/>
+          <p:nvPr/>
+        </p:nvSpPr>
+        <p:spPr>
+          <a:xfrm>
+            <a:off x="9169628" y="1391910"/>
+            <a:ext cx="2790460" cy="523220"/>
+          </a:xfrm>
+          <a:prstGeom prst="rect">
+            <a:avLst/>
+          </a:prstGeom>
+          <a:noFill/>
+        </p:spPr>
+        <p:txBody>
+          <a:bodyPr wrap="square" rtlCol="0" anchor="ctr">
+            <a:spAutoFit/>
+          </a:bodyPr>
+          <a:lstStyle/>
+          <a:p>
+            <a:pPr algn="ctr"/>
+            <a:r>
+              <a:rPr lang="ko-KR" altLang="en-US" sz="2800" dirty="0">
+                <a:latin typeface="나눔스퀘어 ExtraBold" panose="020B0600000101010101" pitchFamily="50" charset="-127"/>
+                <a:ea typeface="나눔스퀘어 ExtraBold" panose="020B0600000101010101" pitchFamily="50" charset="-127"/>
+              </a:rPr>
+              <a:t>거리</a:t>
+            </a:r>
+          </a:p>
+        </p:txBody>
+      </p:sp>
+      <p:sp>
+        <p:nvSpPr>
+          <p:cNvPr id="90" name="TextBox 89">
+            <a:extLst>
+              <a:ext uri="{FF2B5EF4-FFF2-40B4-BE49-F238E27FC236}">
+                <a16:creationId xmlns:a16="http://schemas.microsoft.com/office/drawing/2014/main" id="{26A7BCA8-44D9-476E-8457-ECD4CBFF65A9}"/>
+              </a:ext>
+            </a:extLst>
+          </p:cNvPr>
+          <p:cNvSpPr txBox="1"/>
+          <p:nvPr/>
+        </p:nvSpPr>
+        <p:spPr>
+          <a:xfrm>
+            <a:off x="9270771" y="3097367"/>
+            <a:ext cx="2574559" cy="856728"/>
+          </a:xfrm>
+          <a:prstGeom prst="rect">
+            <a:avLst/>
+          </a:prstGeom>
+          <a:solidFill>
+            <a:schemeClr val="accent4">
+              <a:lumMod val="20000"/>
+              <a:lumOff val="80000"/>
+            </a:schemeClr>
+          </a:solidFill>
+          <a:ln w="12700">
+            <a:solidFill>
+              <a:schemeClr val="tx1"/>
+            </a:solidFill>
+            <a:prstDash val="sysDot"/>
+          </a:ln>
+        </p:spPr>
+        <p:txBody>
+          <a:bodyPr wrap="square" rtlCol="0" anchor="ctr">
+            <a:noAutofit/>
+          </a:bodyPr>
+          <a:lstStyle>
+            <a:defPPr>
+              <a:defRPr lang="ko-KR"/>
+            </a:defPPr>
+            <a:lvl1pPr>
+              <a:defRPr>
+                <a:latin typeface="나눔스퀘어" panose="020B0600000101010101" pitchFamily="50" charset="-127"/>
+                <a:ea typeface="나눔스퀘어" panose="020B0600000101010101" pitchFamily="50" charset="-127"/>
+              </a:defRPr>
+            </a:lvl1pPr>
+          </a:lstStyle>
+          <a:p>
+            <a:pPr algn="ctr"/>
+            <a:r>
+              <a:rPr lang="ko-KR" altLang="en-US" dirty="0"/>
+              <a:t>거리 계산</a:t>
+            </a:r>
+            <a:endParaRPr lang="en-US" altLang="ko-KR" dirty="0"/>
+          </a:p>
+        </p:txBody>
+      </p:sp>
+      <p:grpSp>
+        <p:nvGrpSpPr>
+          <p:cNvPr id="91" name="그룹 90">
+            <a:extLst>
+              <a:ext uri="{FF2B5EF4-FFF2-40B4-BE49-F238E27FC236}">
+                <a16:creationId xmlns:a16="http://schemas.microsoft.com/office/drawing/2014/main" id="{88AA05D3-AD01-4D19-A33F-8D03E3BBC515}"/>
+              </a:ext>
+            </a:extLst>
+          </p:cNvPr>
+          <p:cNvGrpSpPr/>
+          <p:nvPr/>
+        </p:nvGrpSpPr>
+        <p:grpSpPr>
+          <a:xfrm>
+            <a:off x="9270771" y="4161448"/>
+            <a:ext cx="2574560" cy="541061"/>
+            <a:chOff x="-1673316" y="4364648"/>
+            <a:chExt cx="2574560" cy="541061"/>
+          </a:xfrm>
+        </p:grpSpPr>
+        <p:sp>
+          <p:nvSpPr>
+            <p:cNvPr id="101" name="TextBox 100">
+              <a:extLst>
+                <a:ext uri="{FF2B5EF4-FFF2-40B4-BE49-F238E27FC236}">
+                  <a16:creationId xmlns:a16="http://schemas.microsoft.com/office/drawing/2014/main" id="{E072E930-F1D8-4005-9FD1-25DA6BAC8742}"/>
+                </a:ext>
+              </a:extLst>
+            </p:cNvPr>
+            <p:cNvSpPr txBox="1"/>
+            <p:nvPr/>
+          </p:nvSpPr>
+          <p:spPr>
+            <a:xfrm>
+              <a:off x="-1000966" y="4364648"/>
+              <a:ext cx="1902210" cy="539224"/>
+            </a:xfrm>
+            <a:prstGeom prst="rect">
+              <a:avLst/>
+            </a:prstGeom>
+            <a:solidFill>
+              <a:schemeClr val="accent4">
+                <a:lumMod val="20000"/>
+                <a:lumOff val="80000"/>
+              </a:schemeClr>
+            </a:solidFill>
+            <a:ln w="12700">
+              <a:solidFill>
+                <a:schemeClr val="tx1"/>
+              </a:solidFill>
+              <a:prstDash val="sysDot"/>
+            </a:ln>
+          </p:spPr>
+          <p:txBody>
+            <a:bodyPr wrap="square" rtlCol="0" anchor="ctr">
+              <a:noAutofit/>
+            </a:bodyPr>
+            <a:lstStyle/>
+            <a:p>
+              <a:pPr algn="ctr"/>
+              <a:r>
+                <a:rPr lang="ko-KR" altLang="en-US" sz="1600" dirty="0">
+                  <a:latin typeface="나눔스퀘어" panose="020B0600000101010101" pitchFamily="50" charset="-127"/>
+                  <a:ea typeface="나눔스퀘어" panose="020B0600000101010101" pitchFamily="50" charset="-127"/>
+                </a:rPr>
+                <a:t>거리</a:t>
+              </a:r>
+              <a:r>
+                <a:rPr lang="en-US" altLang="ko-KR" sz="1600" dirty="0">
+                  <a:latin typeface="나눔스퀘어" panose="020B0600000101010101" pitchFamily="50" charset="-127"/>
+                  <a:ea typeface="나눔스퀘어" panose="020B0600000101010101" pitchFamily="50" charset="-127"/>
+                </a:rPr>
+                <a:t>(</a:t>
+              </a:r>
+              <a:r>
+                <a:rPr lang="ko-KR" altLang="en-US" sz="1600" dirty="0">
+                  <a:latin typeface="나눔스퀘어" panose="020B0600000101010101" pitchFamily="50" charset="-127"/>
+                  <a:ea typeface="나눔스퀘어" panose="020B0600000101010101" pitchFamily="50" charset="-127"/>
+                </a:rPr>
+                <a:t>소요시간</a:t>
+              </a:r>
+              <a:r>
+                <a:rPr lang="en-US" altLang="ko-KR" sz="1600" dirty="0">
+                  <a:latin typeface="나눔스퀘어" panose="020B0600000101010101" pitchFamily="50" charset="-127"/>
+                  <a:ea typeface="나눔스퀘어" panose="020B0600000101010101" pitchFamily="50" charset="-127"/>
+                </a:rPr>
+                <a:t>, km)</a:t>
+              </a:r>
+            </a:p>
+          </p:txBody>
+        </p:sp>
+        <p:sp>
+          <p:nvSpPr>
+            <p:cNvPr id="102" name="TextBox 101">
+              <a:extLst>
+                <a:ext uri="{FF2B5EF4-FFF2-40B4-BE49-F238E27FC236}">
+                  <a16:creationId xmlns:a16="http://schemas.microsoft.com/office/drawing/2014/main" id="{D01D017D-7A8A-4742-AFFB-3831AC0CB61E}"/>
+                </a:ext>
+              </a:extLst>
+            </p:cNvPr>
+            <p:cNvSpPr txBox="1"/>
+            <p:nvPr/>
+          </p:nvSpPr>
+          <p:spPr>
+            <a:xfrm>
+              <a:off x="-1673316" y="4364648"/>
+              <a:ext cx="672349" cy="541061"/>
+            </a:xfrm>
+            <a:prstGeom prst="rect">
+              <a:avLst/>
+            </a:prstGeom>
+            <a:solidFill>
+              <a:srgbClr val="FFC000"/>
+            </a:solidFill>
+            <a:ln w="12700">
+              <a:solidFill>
+                <a:schemeClr val="tx1"/>
+              </a:solidFill>
+              <a:prstDash val="sysDot"/>
+            </a:ln>
+          </p:spPr>
+          <p:txBody>
+            <a:bodyPr wrap="square" rtlCol="0" anchor="ctr">
+              <a:noAutofit/>
+            </a:bodyPr>
+            <a:lstStyle/>
+            <a:p>
+              <a:pPr algn="ctr"/>
+              <a:r>
+                <a:rPr lang="en-US" altLang="ko-KR" dirty="0">
+                  <a:latin typeface="나눔스퀘어 ExtraBold" panose="020B0600000101010101" pitchFamily="50" charset="-127"/>
+                  <a:ea typeface="나눔스퀘어 ExtraBold" panose="020B0600000101010101" pitchFamily="50" charset="-127"/>
+                </a:rPr>
+                <a:t>OUT</a:t>
+              </a:r>
+            </a:p>
+          </p:txBody>
+        </p:sp>
+      </p:grpSp>
+      <p:sp>
+        <p:nvSpPr>
+          <p:cNvPr id="93" name="TextBox 92">
+            <a:extLst>
+              <a:ext uri="{FF2B5EF4-FFF2-40B4-BE49-F238E27FC236}">
+                <a16:creationId xmlns:a16="http://schemas.microsoft.com/office/drawing/2014/main" id="{795C5F47-F135-4A09-B2D0-0CE1F337A85E}"/>
+              </a:ext>
+            </a:extLst>
+          </p:cNvPr>
+          <p:cNvSpPr txBox="1"/>
+          <p:nvPr/>
+        </p:nvSpPr>
+        <p:spPr>
+          <a:xfrm>
+            <a:off x="9943121" y="1995000"/>
+            <a:ext cx="1908000" cy="493200"/>
+          </a:xfrm>
+          <a:prstGeom prst="rect">
+            <a:avLst/>
+          </a:prstGeom>
+          <a:solidFill>
+            <a:schemeClr val="accent4">
+              <a:lumMod val="20000"/>
+              <a:lumOff val="80000"/>
+            </a:schemeClr>
+          </a:solidFill>
+          <a:ln w="12700">
+            <a:solidFill>
+              <a:schemeClr val="tx1"/>
+            </a:solidFill>
+            <a:prstDash val="sysDot"/>
+          </a:ln>
+        </p:spPr>
+        <p:txBody>
+          <a:bodyPr wrap="square" rtlCol="0" anchor="ctr">
+            <a:noAutofit/>
+          </a:bodyPr>
+          <a:lstStyle/>
+          <a:p>
+            <a:pPr algn="ctr"/>
+            <a:r>
+              <a:rPr lang="ko-KR" altLang="en-US" dirty="0">
+                <a:latin typeface="나눔스퀘어" panose="020B0600000101010101" pitchFamily="50" charset="-127"/>
+                <a:ea typeface="나눔스퀘어" panose="020B0600000101010101" pitchFamily="50" charset="-127"/>
+              </a:rPr>
+              <a:t>현재 위치</a:t>
+            </a:r>
+            <a:endParaRPr lang="en-US" altLang="ko-KR" dirty="0">
+              <a:latin typeface="나눔스퀘어" panose="020B0600000101010101" pitchFamily="50" charset="-127"/>
+              <a:ea typeface="나눔스퀘어" panose="020B0600000101010101" pitchFamily="50" charset="-127"/>
+            </a:endParaRPr>
+          </a:p>
+        </p:txBody>
+      </p:sp>
+      <p:sp>
+        <p:nvSpPr>
+          <p:cNvPr id="94" name="TextBox 93">
+            <a:extLst>
+              <a:ext uri="{FF2B5EF4-FFF2-40B4-BE49-F238E27FC236}">
+                <a16:creationId xmlns:a16="http://schemas.microsoft.com/office/drawing/2014/main" id="{91939380-7C50-40AF-A0BB-71D979EE793F}"/>
+              </a:ext>
+            </a:extLst>
+          </p:cNvPr>
+          <p:cNvSpPr txBox="1"/>
+          <p:nvPr/>
+        </p:nvSpPr>
+        <p:spPr>
+          <a:xfrm>
+            <a:off x="9943121" y="2491795"/>
+            <a:ext cx="1908000" cy="493200"/>
+          </a:xfrm>
+          <a:prstGeom prst="rect">
+            <a:avLst/>
+          </a:prstGeom>
+          <a:solidFill>
+            <a:schemeClr val="accent4">
+              <a:lumMod val="20000"/>
+              <a:lumOff val="80000"/>
+            </a:schemeClr>
+          </a:solidFill>
+          <a:ln w="12700">
+            <a:solidFill>
+              <a:schemeClr val="tx1"/>
+            </a:solidFill>
+            <a:prstDash val="sysDot"/>
+          </a:ln>
+        </p:spPr>
+        <p:txBody>
+          <a:bodyPr wrap="square" rtlCol="0" anchor="ctr">
+            <a:noAutofit/>
+          </a:bodyPr>
+          <a:lstStyle/>
+          <a:p>
+            <a:pPr algn="ctr"/>
+            <a:r>
+              <a:rPr lang="ko-KR" altLang="en-US" dirty="0">
+                <a:latin typeface="나눔스퀘어" panose="020B0600000101010101" pitchFamily="50" charset="-127"/>
+                <a:ea typeface="나눔스퀘어" panose="020B0600000101010101" pitchFamily="50" charset="-127"/>
+              </a:rPr>
+              <a:t>관광지 위치</a:t>
+            </a:r>
+            <a:endParaRPr lang="en-US" altLang="ko-KR" dirty="0">
+              <a:latin typeface="나눔스퀘어" panose="020B0600000101010101" pitchFamily="50" charset="-127"/>
+              <a:ea typeface="나눔스퀘어" panose="020B0600000101010101" pitchFamily="50" charset="-127"/>
+            </a:endParaRPr>
+          </a:p>
+        </p:txBody>
+      </p:sp>
+      <p:sp>
+        <p:nvSpPr>
+          <p:cNvPr id="95" name="TextBox 94">
+            <a:extLst>
+              <a:ext uri="{FF2B5EF4-FFF2-40B4-BE49-F238E27FC236}">
+                <a16:creationId xmlns:a16="http://schemas.microsoft.com/office/drawing/2014/main" id="{C11CF5C3-40B5-41BF-AF66-CDF3671661F7}"/>
+              </a:ext>
+            </a:extLst>
+          </p:cNvPr>
+          <p:cNvSpPr txBox="1"/>
+          <p:nvPr/>
+        </p:nvSpPr>
+        <p:spPr>
+          <a:xfrm>
+            <a:off x="9270770" y="1995520"/>
+            <a:ext cx="672349" cy="994204"/>
+          </a:xfrm>
+          <a:prstGeom prst="rect">
+            <a:avLst/>
+          </a:prstGeom>
+          <a:solidFill>
+            <a:srgbClr val="FFC000"/>
+          </a:solidFill>
+          <a:ln w="12700">
+            <a:solidFill>
+              <a:schemeClr val="tx1"/>
+            </a:solidFill>
+            <a:prstDash val="sysDot"/>
+          </a:ln>
+        </p:spPr>
+        <p:txBody>
+          <a:bodyPr wrap="square" rtlCol="0" anchor="t">
+            <a:noAutofit/>
+          </a:bodyPr>
+          <a:lstStyle>
+            <a:defPPr>
+              <a:defRPr lang="ko-KR"/>
+            </a:defPPr>
+            <a:lvl1pPr algn="ctr">
+              <a:defRPr>
+                <a:solidFill>
+                  <a:schemeClr val="bg1"/>
+                </a:solidFill>
+                <a:latin typeface="나눔스퀘어 ExtraBold" panose="020B0600000101010101" pitchFamily="50" charset="-127"/>
+                <a:ea typeface="나눔스퀘어 ExtraBold" panose="020B0600000101010101" pitchFamily="50" charset="-127"/>
+              </a:defRPr>
+            </a:lvl1pPr>
+          </a:lstStyle>
+          <a:p>
+            <a:r>
+              <a:rPr lang="en-US" altLang="ko-KR" dirty="0">
+                <a:solidFill>
+                  <a:schemeClr val="tx1"/>
+                </a:solidFill>
+              </a:rPr>
+              <a:t>IN</a:t>
+            </a:r>
+          </a:p>
+        </p:txBody>
+      </p:sp>
+      <p:sp>
+        <p:nvSpPr>
+          <p:cNvPr id="13" name="제목 12">
+            <a:extLst>
+              <a:ext uri="{FF2B5EF4-FFF2-40B4-BE49-F238E27FC236}">
+                <a16:creationId xmlns:a16="http://schemas.microsoft.com/office/drawing/2014/main" id="{504BFE72-D9A9-4088-9052-C1A8ECE5A3A1}"/>
+              </a:ext>
+            </a:extLst>
+          </p:cNvPr>
+          <p:cNvSpPr>
+            <a:spLocks noGrp="1"/>
+          </p:cNvSpPr>
+          <p:nvPr>
+            <p:ph type="title"/>
+          </p:nvPr>
+        </p:nvSpPr>
+        <p:spPr/>
+        <p:txBody>
+          <a:bodyPr/>
+          <a:lstStyle/>
+          <a:p>
+            <a:r>
+              <a:rPr lang="en-US" altLang="ko-KR" dirty="0"/>
+              <a:t>3. </a:t>
+            </a:r>
+            <a:r>
+              <a:rPr lang="ko-KR" altLang="en-US" dirty="0"/>
+              <a:t>분석 모델</a:t>
+            </a:r>
+          </a:p>
+        </p:txBody>
+      </p:sp>
+      <p:sp>
+        <p:nvSpPr>
+          <p:cNvPr id="114" name="오른쪽 중괄호 113">
+            <a:extLst>
+              <a:ext uri="{FF2B5EF4-FFF2-40B4-BE49-F238E27FC236}">
+                <a16:creationId xmlns:a16="http://schemas.microsoft.com/office/drawing/2014/main" id="{D3C96FEF-8B13-4889-BF4D-CE29C7CB0C6A}"/>
+              </a:ext>
+            </a:extLst>
+          </p:cNvPr>
           <p:cNvSpPr/>
           <p:nvPr/>
         </p:nvSpPr>
         <p:spPr>
           <a:xfrm rot="5400000">
-            <a:off x="5770560" y="336216"/>
-            <a:ext cx="650881" cy="9438290"/>
+            <a:off x="5834389" y="89330"/>
+            <a:ext cx="523219" cy="10515601"/>
           </a:xfrm>
           <a:prstGeom prst="rightBrace">
             <a:avLst>
